--- a/SoftRoiPainter4D/seg/image/新規 Microsoft PowerPoint Presentation.pptx
+++ b/SoftRoiPainter4D/seg/image/新規 Microsoft PowerPoint Presentation.pptx
@@ -7,6 +7,8 @@
   <p:sldIdLst>
     <p:sldId id="256" r:id="rId2"/>
     <p:sldId id="257" r:id="rId3"/>
+    <p:sldId id="258" r:id="rId4"/>
+    <p:sldId id="259" r:id="rId5"/>
   </p:sldIdLst>
   <p:sldSz cx="12192000" cy="6858000"/>
   <p:notesSz cx="6858000" cy="9144000"/>
@@ -105,6 +107,11 @@
       </a:defRPr>
     </a:lvl9pPr>
   </p:defaultTextStyle>
+  <p:extLst>
+    <p:ext uri="{EFAFB233-063F-42B5-8137-9DF3F51BA10A}">
+      <p15:sldGuideLst xmlns:p15="http://schemas.microsoft.com/office/powerpoint/2012/main"/>
+    </p:ext>
+  </p:extLst>
 </p:presentation>
 </file>
 
@@ -239,7 +246,7 @@
           <a:p>
             <a:fld id="{D0B27A7D-EE7E-4338-BAF2-853121C46907}" type="datetimeFigureOut">
               <a:rPr kumimoji="1" lang="ja-JP" altLang="en-US" smtClean="0"/>
-              <a:t>2019/4/4</a:t>
+              <a:t>2022/3/3</a:t>
             </a:fld>
             <a:endParaRPr kumimoji="1" lang="ja-JP" altLang="en-US"/>
           </a:p>
@@ -441,7 +448,7 @@
           <a:p>
             <a:fld id="{D0B27A7D-EE7E-4338-BAF2-853121C46907}" type="datetimeFigureOut">
               <a:rPr kumimoji="1" lang="ja-JP" altLang="en-US" smtClean="0"/>
-              <a:t>2019/4/4</a:t>
+              <a:t>2022/3/3</a:t>
             </a:fld>
             <a:endParaRPr kumimoji="1" lang="ja-JP" altLang="en-US"/>
           </a:p>
@@ -653,7 +660,7 @@
           <a:p>
             <a:fld id="{D0B27A7D-EE7E-4338-BAF2-853121C46907}" type="datetimeFigureOut">
               <a:rPr kumimoji="1" lang="ja-JP" altLang="en-US" smtClean="0"/>
-              <a:t>2019/4/4</a:t>
+              <a:t>2022/3/3</a:t>
             </a:fld>
             <a:endParaRPr kumimoji="1" lang="ja-JP" altLang="en-US"/>
           </a:p>
@@ -855,7 +862,7 @@
           <a:p>
             <a:fld id="{D0B27A7D-EE7E-4338-BAF2-853121C46907}" type="datetimeFigureOut">
               <a:rPr kumimoji="1" lang="ja-JP" altLang="en-US" smtClean="0"/>
-              <a:t>2019/4/4</a:t>
+              <a:t>2022/3/3</a:t>
             </a:fld>
             <a:endParaRPr kumimoji="1" lang="ja-JP" altLang="en-US"/>
           </a:p>
@@ -1101,7 +1108,7 @@
           <a:p>
             <a:fld id="{D0B27A7D-EE7E-4338-BAF2-853121C46907}" type="datetimeFigureOut">
               <a:rPr kumimoji="1" lang="ja-JP" altLang="en-US" smtClean="0"/>
-              <a:t>2019/4/4</a:t>
+              <a:t>2022/3/3</a:t>
             </a:fld>
             <a:endParaRPr kumimoji="1" lang="ja-JP" altLang="en-US"/>
           </a:p>
@@ -1397,7 +1404,7 @@
           <a:p>
             <a:fld id="{D0B27A7D-EE7E-4338-BAF2-853121C46907}" type="datetimeFigureOut">
               <a:rPr kumimoji="1" lang="ja-JP" altLang="en-US" smtClean="0"/>
-              <a:t>2019/4/4</a:t>
+              <a:t>2022/3/3</a:t>
             </a:fld>
             <a:endParaRPr kumimoji="1" lang="ja-JP" altLang="en-US"/>
           </a:p>
@@ -1828,7 +1835,7 @@
           <a:p>
             <a:fld id="{D0B27A7D-EE7E-4338-BAF2-853121C46907}" type="datetimeFigureOut">
               <a:rPr kumimoji="1" lang="ja-JP" altLang="en-US" smtClean="0"/>
-              <a:t>2019/4/4</a:t>
+              <a:t>2022/3/3</a:t>
             </a:fld>
             <a:endParaRPr kumimoji="1" lang="ja-JP" altLang="en-US"/>
           </a:p>
@@ -1946,7 +1953,7 @@
           <a:p>
             <a:fld id="{D0B27A7D-EE7E-4338-BAF2-853121C46907}" type="datetimeFigureOut">
               <a:rPr kumimoji="1" lang="ja-JP" altLang="en-US" smtClean="0"/>
-              <a:t>2019/4/4</a:t>
+              <a:t>2022/3/3</a:t>
             </a:fld>
             <a:endParaRPr kumimoji="1" lang="ja-JP" altLang="en-US"/>
           </a:p>
@@ -2041,7 +2048,7 @@
           <a:p>
             <a:fld id="{D0B27A7D-EE7E-4338-BAF2-853121C46907}" type="datetimeFigureOut">
               <a:rPr kumimoji="1" lang="ja-JP" altLang="en-US" smtClean="0"/>
-              <a:t>2019/4/4</a:t>
+              <a:t>2022/3/3</a:t>
             </a:fld>
             <a:endParaRPr kumimoji="1" lang="ja-JP" altLang="en-US"/>
           </a:p>
@@ -2350,7 +2357,7 @@
           <a:p>
             <a:fld id="{D0B27A7D-EE7E-4338-BAF2-853121C46907}" type="datetimeFigureOut">
               <a:rPr kumimoji="1" lang="ja-JP" altLang="en-US" smtClean="0"/>
-              <a:t>2019/4/4</a:t>
+              <a:t>2022/3/3</a:t>
             </a:fld>
             <a:endParaRPr kumimoji="1" lang="ja-JP" altLang="en-US"/>
           </a:p>
@@ -2603,7 +2610,7 @@
           <a:p>
             <a:fld id="{D0B27A7D-EE7E-4338-BAF2-853121C46907}" type="datetimeFigureOut">
               <a:rPr kumimoji="1" lang="ja-JP" altLang="en-US" smtClean="0"/>
-              <a:t>2019/4/4</a:t>
+              <a:t>2022/3/3</a:t>
             </a:fld>
             <a:endParaRPr kumimoji="1" lang="ja-JP" altLang="en-US"/>
           </a:p>
@@ -2848,7 +2855,7 @@
           <a:p>
             <a:fld id="{D0B27A7D-EE7E-4338-BAF2-853121C46907}" type="datetimeFigureOut">
               <a:rPr kumimoji="1" lang="ja-JP" altLang="en-US" smtClean="0"/>
-              <a:t>2019/4/4</a:t>
+              <a:t>2022/3/3</a:t>
             </a:fld>
             <a:endParaRPr kumimoji="1" lang="ja-JP" altLang="en-US"/>
           </a:p>
@@ -5228,6 +5235,4787 @@
 </p:sld>
 </file>
 
+<file path=ppt/slides/slide3.xml><?xml version="1.0" encoding="utf-8"?>
+<p:sld xmlns:a="http://schemas.openxmlformats.org/drawingml/2006/main" xmlns:r="http://schemas.openxmlformats.org/officeDocument/2006/relationships" xmlns:p="http://schemas.openxmlformats.org/presentationml/2006/main">
+  <p:cSld>
+    <p:spTree>
+      <p:nvGrpSpPr>
+        <p:cNvPr id="1" name=""/>
+        <p:cNvGrpSpPr/>
+        <p:nvPr/>
+      </p:nvGrpSpPr>
+      <p:grpSpPr>
+        <a:xfrm>
+          <a:off x="0" y="0"/>
+          <a:ext cx="0" cy="0"/>
+          <a:chOff x="0" y="0"/>
+          <a:chExt cx="0" cy="0"/>
+        </a:xfrm>
+      </p:grpSpPr>
+      <p:grpSp>
+        <p:nvGrpSpPr>
+          <p:cNvPr id="46" name="グループ化 45"/>
+          <p:cNvGrpSpPr/>
+          <p:nvPr/>
+        </p:nvGrpSpPr>
+        <p:grpSpPr>
+          <a:xfrm>
+            <a:off x="404973" y="368694"/>
+            <a:ext cx="3520256" cy="5740937"/>
+            <a:chOff x="404973" y="368694"/>
+            <a:chExt cx="3520256" cy="5740937"/>
+          </a:xfrm>
+        </p:grpSpPr>
+        <p:pic>
+          <p:nvPicPr>
+            <p:cNvPr id="4" name="図 3"/>
+            <p:cNvPicPr>
+              <a:picLocks noChangeAspect="1"/>
+            </p:cNvPicPr>
+            <p:nvPr/>
+          </p:nvPicPr>
+          <p:blipFill>
+            <a:blip r:embed="rId2"/>
+            <a:stretch>
+              <a:fillRect/>
+            </a:stretch>
+          </p:blipFill>
+          <p:spPr>
+            <a:xfrm>
+              <a:off x="941143" y="368694"/>
+              <a:ext cx="2427938" cy="5740937"/>
+            </a:xfrm>
+            <a:prstGeom prst="rect">
+              <a:avLst/>
+            </a:prstGeom>
+          </p:spPr>
+        </p:pic>
+        <p:sp>
+          <p:nvSpPr>
+            <p:cNvPr id="5" name="角丸四角形 4"/>
+            <p:cNvSpPr/>
+            <p:nvPr/>
+          </p:nvSpPr>
+          <p:spPr>
+            <a:xfrm>
+              <a:off x="2689659" y="477605"/>
+              <a:ext cx="536170" cy="257695"/>
+            </a:xfrm>
+            <a:prstGeom prst="roundRect">
+              <a:avLst/>
+            </a:prstGeom>
+            <a:solidFill>
+              <a:srgbClr val="0000FF"/>
+            </a:solidFill>
+            <a:ln>
+              <a:noFill/>
+            </a:ln>
+            <a:effectLst>
+              <a:outerShdw blurRad="50800" dist="38100" dir="2700000" algn="tl" rotWithShape="0">
+                <a:prstClr val="black">
+                  <a:alpha val="40000"/>
+                </a:prstClr>
+              </a:outerShdw>
+            </a:effectLst>
+          </p:spPr>
+          <p:style>
+            <a:lnRef idx="2">
+              <a:schemeClr val="accent1">
+                <a:shade val="50000"/>
+              </a:schemeClr>
+            </a:lnRef>
+            <a:fillRef idx="1">
+              <a:schemeClr val="accent1"/>
+            </a:fillRef>
+            <a:effectRef idx="0">
+              <a:schemeClr val="accent1"/>
+            </a:effectRef>
+            <a:fontRef idx="minor">
+              <a:schemeClr val="lt1"/>
+            </a:fontRef>
+          </p:style>
+          <p:txBody>
+            <a:bodyPr rtlCol="0" anchor="ctr"/>
+            <a:lstStyle/>
+            <a:p>
+              <a:pPr algn="ctr"/>
+              <a:r>
+                <a:rPr kumimoji="1" lang="en-US" altLang="ja-JP" sz="1400" b="1" dirty="0" smtClean="0">
+                  <a:latin typeface="游ゴシック" panose="020B0400000000000000" pitchFamily="50" charset="-128"/>
+                  <a:ea typeface="游ゴシック" panose="020B0400000000000000" pitchFamily="50" charset="-128"/>
+                </a:rPr>
+                <a:t>d1</a:t>
+              </a:r>
+              <a:endParaRPr kumimoji="1" lang="ja-JP" altLang="en-US" sz="1400" b="1" dirty="0">
+                <a:latin typeface="游ゴシック" panose="020B0400000000000000" pitchFamily="50" charset="-128"/>
+                <a:ea typeface="游ゴシック" panose="020B0400000000000000" pitchFamily="50" charset="-128"/>
+              </a:endParaRPr>
+            </a:p>
+          </p:txBody>
+        </p:sp>
+        <p:cxnSp>
+          <p:nvCxnSpPr>
+            <p:cNvPr id="6" name="直線矢印コネクタ 5"/>
+            <p:cNvCxnSpPr/>
+            <p:nvPr/>
+          </p:nvCxnSpPr>
+          <p:spPr>
+            <a:xfrm flipH="1">
+              <a:off x="2510791" y="706755"/>
+              <a:ext cx="200024" cy="342900"/>
+            </a:xfrm>
+            <a:prstGeom prst="straightConnector1">
+              <a:avLst/>
+            </a:prstGeom>
+            <a:ln w="28575">
+              <a:solidFill>
+                <a:srgbClr val="0000FF"/>
+              </a:solidFill>
+              <a:tailEnd type="triangle"/>
+            </a:ln>
+            <a:effectLst>
+              <a:outerShdw blurRad="50800" dist="38100" dir="2700000" algn="tl" rotWithShape="0">
+                <a:prstClr val="black">
+                  <a:alpha val="40000"/>
+                </a:prstClr>
+              </a:outerShdw>
+            </a:effectLst>
+          </p:spPr>
+          <p:style>
+            <a:lnRef idx="1">
+              <a:schemeClr val="accent1"/>
+            </a:lnRef>
+            <a:fillRef idx="0">
+              <a:schemeClr val="accent1"/>
+            </a:fillRef>
+            <a:effectRef idx="0">
+              <a:schemeClr val="accent1"/>
+            </a:effectRef>
+            <a:fontRef idx="minor">
+              <a:schemeClr val="tx1"/>
+            </a:fontRef>
+          </p:style>
+        </p:cxnSp>
+        <p:sp>
+          <p:nvSpPr>
+            <p:cNvPr id="7" name="角丸四角形 6"/>
+            <p:cNvSpPr/>
+            <p:nvPr/>
+          </p:nvSpPr>
+          <p:spPr>
+            <a:xfrm>
+              <a:off x="2832911" y="1195677"/>
+              <a:ext cx="536170" cy="257695"/>
+            </a:xfrm>
+            <a:prstGeom prst="roundRect">
+              <a:avLst/>
+            </a:prstGeom>
+            <a:solidFill>
+              <a:srgbClr val="0000FF"/>
+            </a:solidFill>
+            <a:ln>
+              <a:noFill/>
+            </a:ln>
+            <a:effectLst>
+              <a:outerShdw blurRad="50800" dist="38100" dir="2700000" algn="tl" rotWithShape="0">
+                <a:prstClr val="black">
+                  <a:alpha val="40000"/>
+                </a:prstClr>
+              </a:outerShdw>
+            </a:effectLst>
+          </p:spPr>
+          <p:style>
+            <a:lnRef idx="2">
+              <a:schemeClr val="accent1">
+                <a:shade val="50000"/>
+              </a:schemeClr>
+            </a:lnRef>
+            <a:fillRef idx="1">
+              <a:schemeClr val="accent1"/>
+            </a:fillRef>
+            <a:effectRef idx="0">
+              <a:schemeClr val="accent1"/>
+            </a:effectRef>
+            <a:fontRef idx="minor">
+              <a:schemeClr val="lt1"/>
+            </a:fontRef>
+          </p:style>
+          <p:txBody>
+            <a:bodyPr rtlCol="0" anchor="ctr"/>
+            <a:lstStyle/>
+            <a:p>
+              <a:pPr algn="ctr"/>
+              <a:r>
+                <a:rPr kumimoji="1" lang="en-US" altLang="ja-JP" sz="1400" b="1" dirty="0" smtClean="0">
+                  <a:latin typeface="游ゴシック" panose="020B0400000000000000" pitchFamily="50" charset="-128"/>
+                  <a:ea typeface="游ゴシック" panose="020B0400000000000000" pitchFamily="50" charset="-128"/>
+                </a:rPr>
+                <a:t>d3</a:t>
+              </a:r>
+              <a:endParaRPr kumimoji="1" lang="ja-JP" altLang="en-US" sz="1400" b="1" dirty="0">
+                <a:latin typeface="游ゴシック" panose="020B0400000000000000" pitchFamily="50" charset="-128"/>
+                <a:ea typeface="游ゴシック" panose="020B0400000000000000" pitchFamily="50" charset="-128"/>
+              </a:endParaRPr>
+            </a:p>
+          </p:txBody>
+        </p:sp>
+        <p:cxnSp>
+          <p:nvCxnSpPr>
+            <p:cNvPr id="8" name="直線矢印コネクタ 7"/>
+            <p:cNvCxnSpPr>
+              <a:stCxn id="7" idx="1"/>
+            </p:cNvCxnSpPr>
+            <p:nvPr/>
+          </p:nvCxnSpPr>
+          <p:spPr>
+            <a:xfrm flipH="1">
+              <a:off x="2611180" y="1324525"/>
+              <a:ext cx="221731" cy="213650"/>
+            </a:xfrm>
+            <a:prstGeom prst="straightConnector1">
+              <a:avLst/>
+            </a:prstGeom>
+            <a:ln w="28575">
+              <a:solidFill>
+                <a:srgbClr val="0000FF"/>
+              </a:solidFill>
+              <a:tailEnd type="triangle"/>
+            </a:ln>
+            <a:effectLst>
+              <a:outerShdw blurRad="50800" dist="38100" dir="2700000" algn="tl" rotWithShape="0">
+                <a:prstClr val="black">
+                  <a:alpha val="40000"/>
+                </a:prstClr>
+              </a:outerShdw>
+            </a:effectLst>
+          </p:spPr>
+          <p:style>
+            <a:lnRef idx="1">
+              <a:schemeClr val="accent1"/>
+            </a:lnRef>
+            <a:fillRef idx="0">
+              <a:schemeClr val="accent1"/>
+            </a:fillRef>
+            <a:effectRef idx="0">
+              <a:schemeClr val="accent1"/>
+            </a:effectRef>
+            <a:fontRef idx="minor">
+              <a:schemeClr val="tx1"/>
+            </a:fontRef>
+          </p:style>
+        </p:cxnSp>
+        <p:sp>
+          <p:nvSpPr>
+            <p:cNvPr id="9" name="角丸四角形 8"/>
+            <p:cNvSpPr/>
+            <p:nvPr/>
+          </p:nvSpPr>
+          <p:spPr>
+            <a:xfrm>
+              <a:off x="673058" y="1195677"/>
+              <a:ext cx="536170" cy="257695"/>
+            </a:xfrm>
+            <a:prstGeom prst="roundRect">
+              <a:avLst/>
+            </a:prstGeom>
+            <a:solidFill>
+              <a:srgbClr val="0000FF"/>
+            </a:solidFill>
+            <a:ln>
+              <a:noFill/>
+            </a:ln>
+            <a:effectLst>
+              <a:outerShdw blurRad="50800" dist="38100" dir="2700000" algn="tl" rotWithShape="0">
+                <a:prstClr val="black">
+                  <a:alpha val="40000"/>
+                </a:prstClr>
+              </a:outerShdw>
+            </a:effectLst>
+          </p:spPr>
+          <p:style>
+            <a:lnRef idx="2">
+              <a:schemeClr val="accent1">
+                <a:shade val="50000"/>
+              </a:schemeClr>
+            </a:lnRef>
+            <a:fillRef idx="1">
+              <a:schemeClr val="accent1"/>
+            </a:fillRef>
+            <a:effectRef idx="0">
+              <a:schemeClr val="accent1"/>
+            </a:effectRef>
+            <a:fontRef idx="minor">
+              <a:schemeClr val="lt1"/>
+            </a:fontRef>
+          </p:style>
+          <p:txBody>
+            <a:bodyPr rtlCol="0" anchor="ctr"/>
+            <a:lstStyle/>
+            <a:p>
+              <a:pPr algn="ctr"/>
+              <a:r>
+                <a:rPr kumimoji="1" lang="en-US" altLang="ja-JP" sz="1400" b="1" dirty="0" smtClean="0">
+                  <a:latin typeface="游ゴシック" panose="020B0400000000000000" pitchFamily="50" charset="-128"/>
+                  <a:ea typeface="游ゴシック" panose="020B0400000000000000" pitchFamily="50" charset="-128"/>
+                </a:rPr>
+                <a:t>d2</a:t>
+              </a:r>
+              <a:endParaRPr kumimoji="1" lang="ja-JP" altLang="en-US" sz="1400" b="1" dirty="0">
+                <a:latin typeface="游ゴシック" panose="020B0400000000000000" pitchFamily="50" charset="-128"/>
+                <a:ea typeface="游ゴシック" panose="020B0400000000000000" pitchFamily="50" charset="-128"/>
+              </a:endParaRPr>
+            </a:p>
+          </p:txBody>
+        </p:sp>
+        <p:cxnSp>
+          <p:nvCxnSpPr>
+            <p:cNvPr id="10" name="直線矢印コネクタ 9"/>
+            <p:cNvCxnSpPr>
+              <a:stCxn id="9" idx="3"/>
+            </p:cNvCxnSpPr>
+            <p:nvPr/>
+          </p:nvCxnSpPr>
+          <p:spPr>
+            <a:xfrm>
+              <a:off x="1209228" y="1324525"/>
+              <a:ext cx="221731" cy="213650"/>
+            </a:xfrm>
+            <a:prstGeom prst="straightConnector1">
+              <a:avLst/>
+            </a:prstGeom>
+            <a:ln w="28575">
+              <a:solidFill>
+                <a:srgbClr val="0000FF"/>
+              </a:solidFill>
+              <a:tailEnd type="triangle"/>
+            </a:ln>
+            <a:effectLst>
+              <a:outerShdw blurRad="50800" dist="38100" dir="2700000" algn="tl" rotWithShape="0">
+                <a:prstClr val="black">
+                  <a:alpha val="40000"/>
+                </a:prstClr>
+              </a:outerShdw>
+            </a:effectLst>
+          </p:spPr>
+          <p:style>
+            <a:lnRef idx="1">
+              <a:schemeClr val="accent1"/>
+            </a:lnRef>
+            <a:fillRef idx="0">
+              <a:schemeClr val="accent1"/>
+            </a:fillRef>
+            <a:effectRef idx="0">
+              <a:schemeClr val="accent1"/>
+            </a:effectRef>
+            <a:fontRef idx="minor">
+              <a:schemeClr val="tx1"/>
+            </a:fontRef>
+          </p:style>
+        </p:cxnSp>
+        <p:sp>
+          <p:nvSpPr>
+            <p:cNvPr id="13" name="角丸四角形 12"/>
+            <p:cNvSpPr/>
+            <p:nvPr/>
+          </p:nvSpPr>
+          <p:spPr>
+            <a:xfrm>
+              <a:off x="2879264" y="1624769"/>
+              <a:ext cx="536170" cy="257695"/>
+            </a:xfrm>
+            <a:prstGeom prst="roundRect">
+              <a:avLst/>
+            </a:prstGeom>
+            <a:solidFill>
+              <a:srgbClr val="0000FF"/>
+            </a:solidFill>
+            <a:ln>
+              <a:noFill/>
+            </a:ln>
+            <a:effectLst>
+              <a:outerShdw blurRad="50800" dist="38100" dir="2700000" algn="tl" rotWithShape="0">
+                <a:prstClr val="black">
+                  <a:alpha val="40000"/>
+                </a:prstClr>
+              </a:outerShdw>
+            </a:effectLst>
+          </p:spPr>
+          <p:style>
+            <a:lnRef idx="2">
+              <a:schemeClr val="accent1">
+                <a:shade val="50000"/>
+              </a:schemeClr>
+            </a:lnRef>
+            <a:fillRef idx="1">
+              <a:schemeClr val="accent1"/>
+            </a:fillRef>
+            <a:effectRef idx="0">
+              <a:schemeClr val="accent1"/>
+            </a:effectRef>
+            <a:fontRef idx="minor">
+              <a:schemeClr val="lt1"/>
+            </a:fontRef>
+          </p:style>
+          <p:txBody>
+            <a:bodyPr rtlCol="0" anchor="ctr"/>
+            <a:lstStyle/>
+            <a:p>
+              <a:pPr algn="ctr"/>
+              <a:r>
+                <a:rPr kumimoji="1" lang="en-US" altLang="ja-JP" sz="1400" b="1" dirty="0" smtClean="0">
+                  <a:latin typeface="游ゴシック" panose="020B0400000000000000" pitchFamily="50" charset="-128"/>
+                  <a:ea typeface="游ゴシック" panose="020B0400000000000000" pitchFamily="50" charset="-128"/>
+                </a:rPr>
+                <a:t>d4</a:t>
+              </a:r>
+              <a:endParaRPr kumimoji="1" lang="ja-JP" altLang="en-US" sz="1400" b="1" dirty="0">
+                <a:latin typeface="游ゴシック" panose="020B0400000000000000" pitchFamily="50" charset="-128"/>
+                <a:ea typeface="游ゴシック" panose="020B0400000000000000" pitchFamily="50" charset="-128"/>
+              </a:endParaRPr>
+            </a:p>
+          </p:txBody>
+        </p:sp>
+        <p:cxnSp>
+          <p:nvCxnSpPr>
+            <p:cNvPr id="14" name="直線矢印コネクタ 13"/>
+            <p:cNvCxnSpPr>
+              <a:stCxn id="13" idx="1"/>
+            </p:cNvCxnSpPr>
+            <p:nvPr/>
+          </p:nvCxnSpPr>
+          <p:spPr>
+            <a:xfrm flipH="1">
+              <a:off x="2611180" y="1753617"/>
+              <a:ext cx="268084" cy="100704"/>
+            </a:xfrm>
+            <a:prstGeom prst="straightConnector1">
+              <a:avLst/>
+            </a:prstGeom>
+            <a:ln w="28575">
+              <a:solidFill>
+                <a:srgbClr val="0000FF"/>
+              </a:solidFill>
+              <a:tailEnd type="triangle"/>
+            </a:ln>
+            <a:effectLst>
+              <a:outerShdw blurRad="50800" dist="38100" dir="2700000" algn="tl" rotWithShape="0">
+                <a:prstClr val="black">
+                  <a:alpha val="40000"/>
+                </a:prstClr>
+              </a:outerShdw>
+            </a:effectLst>
+          </p:spPr>
+          <p:style>
+            <a:lnRef idx="1">
+              <a:schemeClr val="accent1"/>
+            </a:lnRef>
+            <a:fillRef idx="0">
+              <a:schemeClr val="accent1"/>
+            </a:fillRef>
+            <a:effectRef idx="0">
+              <a:schemeClr val="accent1"/>
+            </a:effectRef>
+            <a:fontRef idx="minor">
+              <a:schemeClr val="tx1"/>
+            </a:fontRef>
+          </p:style>
+        </p:cxnSp>
+        <p:sp>
+          <p:nvSpPr>
+            <p:cNvPr id="16" name="角丸四角形 15"/>
+            <p:cNvSpPr/>
+            <p:nvPr/>
+          </p:nvSpPr>
+          <p:spPr>
+            <a:xfrm>
+              <a:off x="2453961" y="2044715"/>
+              <a:ext cx="536170" cy="257695"/>
+            </a:xfrm>
+            <a:prstGeom prst="roundRect">
+              <a:avLst/>
+            </a:prstGeom>
+            <a:solidFill>
+              <a:srgbClr val="0000FF"/>
+            </a:solidFill>
+            <a:ln>
+              <a:noFill/>
+            </a:ln>
+            <a:effectLst>
+              <a:outerShdw blurRad="50800" dist="38100" dir="2700000" algn="tl" rotWithShape="0">
+                <a:prstClr val="black">
+                  <a:alpha val="40000"/>
+                </a:prstClr>
+              </a:outerShdw>
+            </a:effectLst>
+          </p:spPr>
+          <p:style>
+            <a:lnRef idx="2">
+              <a:schemeClr val="accent1">
+                <a:shade val="50000"/>
+              </a:schemeClr>
+            </a:lnRef>
+            <a:fillRef idx="1">
+              <a:schemeClr val="accent1"/>
+            </a:fillRef>
+            <a:effectRef idx="0">
+              <a:schemeClr val="accent1"/>
+            </a:effectRef>
+            <a:fontRef idx="minor">
+              <a:schemeClr val="lt1"/>
+            </a:fontRef>
+          </p:style>
+          <p:txBody>
+            <a:bodyPr rtlCol="0" anchor="ctr"/>
+            <a:lstStyle/>
+            <a:p>
+              <a:pPr algn="ctr"/>
+              <a:r>
+                <a:rPr kumimoji="1" lang="en-US" altLang="ja-JP" sz="1400" b="1" dirty="0" smtClean="0">
+                  <a:latin typeface="游ゴシック" panose="020B0400000000000000" pitchFamily="50" charset="-128"/>
+                  <a:ea typeface="游ゴシック" panose="020B0400000000000000" pitchFamily="50" charset="-128"/>
+                </a:rPr>
+                <a:t>d5</a:t>
+              </a:r>
+              <a:endParaRPr kumimoji="1" lang="ja-JP" altLang="en-US" sz="1400" b="1" dirty="0">
+                <a:latin typeface="游ゴシック" panose="020B0400000000000000" pitchFamily="50" charset="-128"/>
+                <a:ea typeface="游ゴシック" panose="020B0400000000000000" pitchFamily="50" charset="-128"/>
+              </a:endParaRPr>
+            </a:p>
+          </p:txBody>
+        </p:sp>
+        <p:cxnSp>
+          <p:nvCxnSpPr>
+            <p:cNvPr id="17" name="直線矢印コネクタ 16"/>
+            <p:cNvCxnSpPr>
+              <a:stCxn id="16" idx="1"/>
+            </p:cNvCxnSpPr>
+            <p:nvPr/>
+          </p:nvCxnSpPr>
+          <p:spPr>
+            <a:xfrm flipH="1">
+              <a:off x="2185877" y="2173563"/>
+              <a:ext cx="268084" cy="241977"/>
+            </a:xfrm>
+            <a:prstGeom prst="straightConnector1">
+              <a:avLst/>
+            </a:prstGeom>
+            <a:ln w="28575">
+              <a:solidFill>
+                <a:srgbClr val="0000FF"/>
+              </a:solidFill>
+              <a:tailEnd type="triangle"/>
+            </a:ln>
+            <a:effectLst>
+              <a:outerShdw blurRad="50800" dist="38100" dir="2700000" algn="tl" rotWithShape="0">
+                <a:prstClr val="black">
+                  <a:alpha val="40000"/>
+                </a:prstClr>
+              </a:outerShdw>
+            </a:effectLst>
+          </p:spPr>
+          <p:style>
+            <a:lnRef idx="1">
+              <a:schemeClr val="accent1"/>
+            </a:lnRef>
+            <a:fillRef idx="0">
+              <a:schemeClr val="accent1"/>
+            </a:fillRef>
+            <a:effectRef idx="0">
+              <a:schemeClr val="accent1"/>
+            </a:effectRef>
+            <a:fontRef idx="minor">
+              <a:schemeClr val="tx1"/>
+            </a:fontRef>
+          </p:style>
+        </p:cxnSp>
+        <p:sp>
+          <p:nvSpPr>
+            <p:cNvPr id="19" name="角丸四角形 18"/>
+            <p:cNvSpPr/>
+            <p:nvPr/>
+          </p:nvSpPr>
+          <p:spPr>
+            <a:xfrm>
+              <a:off x="3225829" y="2580599"/>
+              <a:ext cx="536170" cy="257695"/>
+            </a:xfrm>
+            <a:prstGeom prst="roundRect">
+              <a:avLst/>
+            </a:prstGeom>
+            <a:solidFill>
+              <a:srgbClr val="0000FF"/>
+            </a:solidFill>
+            <a:ln>
+              <a:noFill/>
+            </a:ln>
+            <a:effectLst>
+              <a:outerShdw blurRad="50800" dist="38100" dir="2700000" algn="tl" rotWithShape="0">
+                <a:prstClr val="black">
+                  <a:alpha val="40000"/>
+                </a:prstClr>
+              </a:outerShdw>
+            </a:effectLst>
+          </p:spPr>
+          <p:style>
+            <a:lnRef idx="2">
+              <a:schemeClr val="accent1">
+                <a:shade val="50000"/>
+              </a:schemeClr>
+            </a:lnRef>
+            <a:fillRef idx="1">
+              <a:schemeClr val="accent1"/>
+            </a:fillRef>
+            <a:effectRef idx="0">
+              <a:schemeClr val="accent1"/>
+            </a:effectRef>
+            <a:fontRef idx="minor">
+              <a:schemeClr val="lt1"/>
+            </a:fontRef>
+          </p:style>
+          <p:txBody>
+            <a:bodyPr rtlCol="0" anchor="ctr"/>
+            <a:lstStyle/>
+            <a:p>
+              <a:pPr algn="ctr"/>
+              <a:r>
+                <a:rPr kumimoji="1" lang="en-US" altLang="ja-JP" sz="1400" b="1" dirty="0" smtClean="0">
+                  <a:latin typeface="游ゴシック" panose="020B0400000000000000" pitchFamily="50" charset="-128"/>
+                  <a:ea typeface="游ゴシック" panose="020B0400000000000000" pitchFamily="50" charset="-128"/>
+                </a:rPr>
+                <a:t>d6</a:t>
+              </a:r>
+              <a:endParaRPr kumimoji="1" lang="ja-JP" altLang="en-US" sz="1400" b="1" dirty="0">
+                <a:latin typeface="游ゴシック" panose="020B0400000000000000" pitchFamily="50" charset="-128"/>
+                <a:ea typeface="游ゴシック" panose="020B0400000000000000" pitchFamily="50" charset="-128"/>
+              </a:endParaRPr>
+            </a:p>
+          </p:txBody>
+        </p:sp>
+        <p:cxnSp>
+          <p:nvCxnSpPr>
+            <p:cNvPr id="20" name="直線矢印コネクタ 19"/>
+            <p:cNvCxnSpPr>
+              <a:stCxn id="19" idx="1"/>
+            </p:cNvCxnSpPr>
+            <p:nvPr/>
+          </p:nvCxnSpPr>
+          <p:spPr>
+            <a:xfrm flipH="1">
+              <a:off x="2957745" y="2709447"/>
+              <a:ext cx="268084" cy="100704"/>
+            </a:xfrm>
+            <a:prstGeom prst="straightConnector1">
+              <a:avLst/>
+            </a:prstGeom>
+            <a:ln w="28575">
+              <a:solidFill>
+                <a:srgbClr val="0000FF"/>
+              </a:solidFill>
+              <a:tailEnd type="triangle"/>
+            </a:ln>
+            <a:effectLst>
+              <a:outerShdw blurRad="50800" dist="38100" dir="2700000" algn="tl" rotWithShape="0">
+                <a:prstClr val="black">
+                  <a:alpha val="40000"/>
+                </a:prstClr>
+              </a:outerShdw>
+            </a:effectLst>
+          </p:spPr>
+          <p:style>
+            <a:lnRef idx="1">
+              <a:schemeClr val="accent1"/>
+            </a:lnRef>
+            <a:fillRef idx="0">
+              <a:schemeClr val="accent1"/>
+            </a:fillRef>
+            <a:effectRef idx="0">
+              <a:schemeClr val="accent1"/>
+            </a:effectRef>
+            <a:fontRef idx="minor">
+              <a:schemeClr val="tx1"/>
+            </a:fontRef>
+          </p:style>
+        </p:cxnSp>
+        <p:sp>
+          <p:nvSpPr>
+            <p:cNvPr id="21" name="角丸四角形 20"/>
+            <p:cNvSpPr/>
+            <p:nvPr/>
+          </p:nvSpPr>
+          <p:spPr>
+            <a:xfrm>
+              <a:off x="3225829" y="2882972"/>
+              <a:ext cx="536170" cy="257695"/>
+            </a:xfrm>
+            <a:prstGeom prst="roundRect">
+              <a:avLst/>
+            </a:prstGeom>
+            <a:solidFill>
+              <a:srgbClr val="0000FF"/>
+            </a:solidFill>
+            <a:ln>
+              <a:noFill/>
+            </a:ln>
+            <a:effectLst>
+              <a:outerShdw blurRad="50800" dist="38100" dir="2700000" algn="tl" rotWithShape="0">
+                <a:prstClr val="black">
+                  <a:alpha val="40000"/>
+                </a:prstClr>
+              </a:outerShdw>
+            </a:effectLst>
+          </p:spPr>
+          <p:style>
+            <a:lnRef idx="2">
+              <a:schemeClr val="accent1">
+                <a:shade val="50000"/>
+              </a:schemeClr>
+            </a:lnRef>
+            <a:fillRef idx="1">
+              <a:schemeClr val="accent1"/>
+            </a:fillRef>
+            <a:effectRef idx="0">
+              <a:schemeClr val="accent1"/>
+            </a:effectRef>
+            <a:fontRef idx="minor">
+              <a:schemeClr val="lt1"/>
+            </a:fontRef>
+          </p:style>
+          <p:txBody>
+            <a:bodyPr rtlCol="0" anchor="ctr"/>
+            <a:lstStyle/>
+            <a:p>
+              <a:pPr algn="ctr"/>
+              <a:r>
+                <a:rPr kumimoji="1" lang="en-US" altLang="ja-JP" sz="1400" b="1" dirty="0" smtClean="0">
+                  <a:latin typeface="游ゴシック" panose="020B0400000000000000" pitchFamily="50" charset="-128"/>
+                  <a:ea typeface="游ゴシック" panose="020B0400000000000000" pitchFamily="50" charset="-128"/>
+                </a:rPr>
+                <a:t>d7</a:t>
+              </a:r>
+              <a:endParaRPr kumimoji="1" lang="ja-JP" altLang="en-US" sz="1400" b="1" dirty="0">
+                <a:latin typeface="游ゴシック" panose="020B0400000000000000" pitchFamily="50" charset="-128"/>
+                <a:ea typeface="游ゴシック" panose="020B0400000000000000" pitchFamily="50" charset="-128"/>
+              </a:endParaRPr>
+            </a:p>
+          </p:txBody>
+        </p:sp>
+        <p:cxnSp>
+          <p:nvCxnSpPr>
+            <p:cNvPr id="22" name="直線矢印コネクタ 21"/>
+            <p:cNvCxnSpPr>
+              <a:stCxn id="21" idx="1"/>
+            </p:cNvCxnSpPr>
+            <p:nvPr/>
+          </p:nvCxnSpPr>
+          <p:spPr>
+            <a:xfrm flipH="1">
+              <a:off x="2957745" y="3011820"/>
+              <a:ext cx="268084" cy="100704"/>
+            </a:xfrm>
+            <a:prstGeom prst="straightConnector1">
+              <a:avLst/>
+            </a:prstGeom>
+            <a:ln w="28575">
+              <a:solidFill>
+                <a:srgbClr val="0000FF"/>
+              </a:solidFill>
+              <a:tailEnd type="triangle"/>
+            </a:ln>
+            <a:effectLst>
+              <a:outerShdw blurRad="50800" dist="38100" dir="2700000" algn="tl" rotWithShape="0">
+                <a:prstClr val="black">
+                  <a:alpha val="40000"/>
+                </a:prstClr>
+              </a:outerShdw>
+            </a:effectLst>
+          </p:spPr>
+          <p:style>
+            <a:lnRef idx="1">
+              <a:schemeClr val="accent1"/>
+            </a:lnRef>
+            <a:fillRef idx="0">
+              <a:schemeClr val="accent1"/>
+            </a:fillRef>
+            <a:effectRef idx="0">
+              <a:schemeClr val="accent1"/>
+            </a:effectRef>
+            <a:fontRef idx="minor">
+              <a:schemeClr val="tx1"/>
+            </a:fontRef>
+          </p:style>
+        </p:cxnSp>
+        <p:sp>
+          <p:nvSpPr>
+            <p:cNvPr id="23" name="角丸四角形 22"/>
+            <p:cNvSpPr/>
+            <p:nvPr/>
+          </p:nvSpPr>
+          <p:spPr>
+            <a:xfrm>
+              <a:off x="3369081" y="3712226"/>
+              <a:ext cx="536170" cy="257695"/>
+            </a:xfrm>
+            <a:prstGeom prst="roundRect">
+              <a:avLst/>
+            </a:prstGeom>
+            <a:solidFill>
+              <a:srgbClr val="0000FF"/>
+            </a:solidFill>
+            <a:ln>
+              <a:noFill/>
+            </a:ln>
+            <a:effectLst>
+              <a:outerShdw blurRad="50800" dist="38100" dir="2700000" algn="tl" rotWithShape="0">
+                <a:prstClr val="black">
+                  <a:alpha val="40000"/>
+                </a:prstClr>
+              </a:outerShdw>
+            </a:effectLst>
+          </p:spPr>
+          <p:style>
+            <a:lnRef idx="2">
+              <a:schemeClr val="accent1">
+                <a:shade val="50000"/>
+              </a:schemeClr>
+            </a:lnRef>
+            <a:fillRef idx="1">
+              <a:schemeClr val="accent1"/>
+            </a:fillRef>
+            <a:effectRef idx="0">
+              <a:schemeClr val="accent1"/>
+            </a:effectRef>
+            <a:fontRef idx="minor">
+              <a:schemeClr val="lt1"/>
+            </a:fontRef>
+          </p:style>
+          <p:txBody>
+            <a:bodyPr rtlCol="0" anchor="ctr"/>
+            <a:lstStyle/>
+            <a:p>
+              <a:pPr algn="ctr"/>
+              <a:r>
+                <a:rPr kumimoji="1" lang="en-US" altLang="ja-JP" sz="1400" b="1" dirty="0" smtClean="0">
+                  <a:latin typeface="游ゴシック" panose="020B0400000000000000" pitchFamily="50" charset="-128"/>
+                  <a:ea typeface="游ゴシック" panose="020B0400000000000000" pitchFamily="50" charset="-128"/>
+                </a:rPr>
+                <a:t>d8</a:t>
+              </a:r>
+              <a:endParaRPr kumimoji="1" lang="ja-JP" altLang="en-US" sz="1400" b="1" dirty="0">
+                <a:latin typeface="游ゴシック" panose="020B0400000000000000" pitchFamily="50" charset="-128"/>
+                <a:ea typeface="游ゴシック" panose="020B0400000000000000" pitchFamily="50" charset="-128"/>
+              </a:endParaRPr>
+            </a:p>
+          </p:txBody>
+        </p:sp>
+        <p:cxnSp>
+          <p:nvCxnSpPr>
+            <p:cNvPr id="24" name="直線矢印コネクタ 23"/>
+            <p:cNvCxnSpPr>
+              <a:stCxn id="23" idx="1"/>
+            </p:cNvCxnSpPr>
+            <p:nvPr/>
+          </p:nvCxnSpPr>
+          <p:spPr>
+            <a:xfrm flipH="1">
+              <a:off x="3100997" y="3841074"/>
+              <a:ext cx="268084" cy="100704"/>
+            </a:xfrm>
+            <a:prstGeom prst="straightConnector1">
+              <a:avLst/>
+            </a:prstGeom>
+            <a:ln w="28575">
+              <a:solidFill>
+                <a:srgbClr val="0000FF"/>
+              </a:solidFill>
+              <a:tailEnd type="triangle"/>
+            </a:ln>
+            <a:effectLst>
+              <a:outerShdw blurRad="50800" dist="38100" dir="2700000" algn="tl" rotWithShape="0">
+                <a:prstClr val="black">
+                  <a:alpha val="40000"/>
+                </a:prstClr>
+              </a:outerShdw>
+            </a:effectLst>
+          </p:spPr>
+          <p:style>
+            <a:lnRef idx="1">
+              <a:schemeClr val="accent1"/>
+            </a:lnRef>
+            <a:fillRef idx="0">
+              <a:schemeClr val="accent1"/>
+            </a:fillRef>
+            <a:effectRef idx="0">
+              <a:schemeClr val="accent1"/>
+            </a:effectRef>
+            <a:fontRef idx="minor">
+              <a:schemeClr val="tx1"/>
+            </a:fontRef>
+          </p:style>
+        </p:cxnSp>
+        <p:sp>
+          <p:nvSpPr>
+            <p:cNvPr id="25" name="角丸四角形 24"/>
+            <p:cNvSpPr/>
+            <p:nvPr/>
+          </p:nvSpPr>
+          <p:spPr>
+            <a:xfrm>
+              <a:off x="3369081" y="4014599"/>
+              <a:ext cx="536170" cy="257695"/>
+            </a:xfrm>
+            <a:prstGeom prst="roundRect">
+              <a:avLst/>
+            </a:prstGeom>
+            <a:solidFill>
+              <a:srgbClr val="0000FF"/>
+            </a:solidFill>
+            <a:ln>
+              <a:noFill/>
+            </a:ln>
+            <a:effectLst>
+              <a:outerShdw blurRad="50800" dist="38100" dir="2700000" algn="tl" rotWithShape="0">
+                <a:prstClr val="black">
+                  <a:alpha val="40000"/>
+                </a:prstClr>
+              </a:outerShdw>
+            </a:effectLst>
+          </p:spPr>
+          <p:style>
+            <a:lnRef idx="2">
+              <a:schemeClr val="accent1">
+                <a:shade val="50000"/>
+              </a:schemeClr>
+            </a:lnRef>
+            <a:fillRef idx="1">
+              <a:schemeClr val="accent1"/>
+            </a:fillRef>
+            <a:effectRef idx="0">
+              <a:schemeClr val="accent1"/>
+            </a:effectRef>
+            <a:fontRef idx="minor">
+              <a:schemeClr val="lt1"/>
+            </a:fontRef>
+          </p:style>
+          <p:txBody>
+            <a:bodyPr rtlCol="0" anchor="ctr"/>
+            <a:lstStyle/>
+            <a:p>
+              <a:pPr algn="ctr"/>
+              <a:r>
+                <a:rPr kumimoji="1" lang="en-US" altLang="ja-JP" sz="1400" b="1" dirty="0" smtClean="0">
+                  <a:latin typeface="游ゴシック" panose="020B0400000000000000" pitchFamily="50" charset="-128"/>
+                  <a:ea typeface="游ゴシック" panose="020B0400000000000000" pitchFamily="50" charset="-128"/>
+                </a:rPr>
+                <a:t>d9</a:t>
+              </a:r>
+              <a:endParaRPr kumimoji="1" lang="ja-JP" altLang="en-US" sz="1400" b="1" dirty="0">
+                <a:latin typeface="游ゴシック" panose="020B0400000000000000" pitchFamily="50" charset="-128"/>
+                <a:ea typeface="游ゴシック" panose="020B0400000000000000" pitchFamily="50" charset="-128"/>
+              </a:endParaRPr>
+            </a:p>
+          </p:txBody>
+        </p:sp>
+        <p:cxnSp>
+          <p:nvCxnSpPr>
+            <p:cNvPr id="26" name="直線矢印コネクタ 25"/>
+            <p:cNvCxnSpPr>
+              <a:stCxn id="25" idx="1"/>
+            </p:cNvCxnSpPr>
+            <p:nvPr/>
+          </p:nvCxnSpPr>
+          <p:spPr>
+            <a:xfrm flipH="1">
+              <a:off x="3100997" y="4143447"/>
+              <a:ext cx="268084" cy="100704"/>
+            </a:xfrm>
+            <a:prstGeom prst="straightConnector1">
+              <a:avLst/>
+            </a:prstGeom>
+            <a:ln w="28575">
+              <a:solidFill>
+                <a:srgbClr val="0000FF"/>
+              </a:solidFill>
+              <a:tailEnd type="triangle"/>
+            </a:ln>
+            <a:effectLst>
+              <a:outerShdw blurRad="50800" dist="38100" dir="2700000" algn="tl" rotWithShape="0">
+                <a:prstClr val="black">
+                  <a:alpha val="40000"/>
+                </a:prstClr>
+              </a:outerShdw>
+            </a:effectLst>
+          </p:spPr>
+          <p:style>
+            <a:lnRef idx="1">
+              <a:schemeClr val="accent1"/>
+            </a:lnRef>
+            <a:fillRef idx="0">
+              <a:schemeClr val="accent1"/>
+            </a:fillRef>
+            <a:effectRef idx="0">
+              <a:schemeClr val="accent1"/>
+            </a:effectRef>
+            <a:fontRef idx="minor">
+              <a:schemeClr val="tx1"/>
+            </a:fontRef>
+          </p:style>
+        </p:cxnSp>
+        <p:sp>
+          <p:nvSpPr>
+            <p:cNvPr id="27" name="角丸四角形 26"/>
+            <p:cNvSpPr/>
+            <p:nvPr/>
+          </p:nvSpPr>
+          <p:spPr>
+            <a:xfrm>
+              <a:off x="3369081" y="4332373"/>
+              <a:ext cx="536170" cy="257695"/>
+            </a:xfrm>
+            <a:prstGeom prst="roundRect">
+              <a:avLst/>
+            </a:prstGeom>
+            <a:solidFill>
+              <a:srgbClr val="0000FF"/>
+            </a:solidFill>
+            <a:ln>
+              <a:noFill/>
+            </a:ln>
+            <a:effectLst>
+              <a:outerShdw blurRad="50800" dist="38100" dir="2700000" algn="tl" rotWithShape="0">
+                <a:prstClr val="black">
+                  <a:alpha val="40000"/>
+                </a:prstClr>
+              </a:outerShdw>
+            </a:effectLst>
+          </p:spPr>
+          <p:style>
+            <a:lnRef idx="2">
+              <a:schemeClr val="accent1">
+                <a:shade val="50000"/>
+              </a:schemeClr>
+            </a:lnRef>
+            <a:fillRef idx="1">
+              <a:schemeClr val="accent1"/>
+            </a:fillRef>
+            <a:effectRef idx="0">
+              <a:schemeClr val="accent1"/>
+            </a:effectRef>
+            <a:fontRef idx="minor">
+              <a:schemeClr val="lt1"/>
+            </a:fontRef>
+          </p:style>
+          <p:txBody>
+            <a:bodyPr rtlCol="0" anchor="ctr"/>
+            <a:lstStyle/>
+            <a:p>
+              <a:pPr algn="ctr"/>
+              <a:r>
+                <a:rPr kumimoji="1" lang="en-US" altLang="ja-JP" sz="1400" b="1" dirty="0" smtClean="0">
+                  <a:latin typeface="游ゴシック" panose="020B0400000000000000" pitchFamily="50" charset="-128"/>
+                  <a:ea typeface="游ゴシック" panose="020B0400000000000000" pitchFamily="50" charset="-128"/>
+                </a:rPr>
+                <a:t>d10</a:t>
+              </a:r>
+              <a:endParaRPr kumimoji="1" lang="ja-JP" altLang="en-US" sz="1400" b="1" dirty="0">
+                <a:latin typeface="游ゴシック" panose="020B0400000000000000" pitchFamily="50" charset="-128"/>
+                <a:ea typeface="游ゴシック" panose="020B0400000000000000" pitchFamily="50" charset="-128"/>
+              </a:endParaRPr>
+            </a:p>
+          </p:txBody>
+        </p:sp>
+        <p:cxnSp>
+          <p:nvCxnSpPr>
+            <p:cNvPr id="28" name="直線矢印コネクタ 27"/>
+            <p:cNvCxnSpPr>
+              <a:stCxn id="27" idx="1"/>
+            </p:cNvCxnSpPr>
+            <p:nvPr/>
+          </p:nvCxnSpPr>
+          <p:spPr>
+            <a:xfrm flipH="1">
+              <a:off x="3100997" y="4461221"/>
+              <a:ext cx="268084" cy="100704"/>
+            </a:xfrm>
+            <a:prstGeom prst="straightConnector1">
+              <a:avLst/>
+            </a:prstGeom>
+            <a:ln w="28575">
+              <a:solidFill>
+                <a:srgbClr val="0000FF"/>
+              </a:solidFill>
+              <a:tailEnd type="triangle"/>
+            </a:ln>
+            <a:effectLst>
+              <a:outerShdw blurRad="50800" dist="38100" dir="2700000" algn="tl" rotWithShape="0">
+                <a:prstClr val="black">
+                  <a:alpha val="40000"/>
+                </a:prstClr>
+              </a:outerShdw>
+            </a:effectLst>
+          </p:spPr>
+          <p:style>
+            <a:lnRef idx="1">
+              <a:schemeClr val="accent1"/>
+            </a:lnRef>
+            <a:fillRef idx="0">
+              <a:schemeClr val="accent1"/>
+            </a:fillRef>
+            <a:effectRef idx="0">
+              <a:schemeClr val="accent1"/>
+            </a:effectRef>
+            <a:fontRef idx="minor">
+              <a:schemeClr val="tx1"/>
+            </a:fontRef>
+          </p:style>
+        </p:cxnSp>
+        <p:sp>
+          <p:nvSpPr>
+            <p:cNvPr id="29" name="角丸四角形 28"/>
+            <p:cNvSpPr/>
+            <p:nvPr/>
+          </p:nvSpPr>
+          <p:spPr>
+            <a:xfrm>
+              <a:off x="3208308" y="4738440"/>
+              <a:ext cx="536170" cy="257695"/>
+            </a:xfrm>
+            <a:prstGeom prst="roundRect">
+              <a:avLst/>
+            </a:prstGeom>
+            <a:solidFill>
+              <a:srgbClr val="0000FF"/>
+            </a:solidFill>
+            <a:ln>
+              <a:noFill/>
+            </a:ln>
+            <a:effectLst>
+              <a:outerShdw blurRad="50800" dist="38100" dir="2700000" algn="tl" rotWithShape="0">
+                <a:prstClr val="black">
+                  <a:alpha val="40000"/>
+                </a:prstClr>
+              </a:outerShdw>
+            </a:effectLst>
+          </p:spPr>
+          <p:style>
+            <a:lnRef idx="2">
+              <a:schemeClr val="accent1">
+                <a:shade val="50000"/>
+              </a:schemeClr>
+            </a:lnRef>
+            <a:fillRef idx="1">
+              <a:schemeClr val="accent1"/>
+            </a:fillRef>
+            <a:effectRef idx="0">
+              <a:schemeClr val="accent1"/>
+            </a:effectRef>
+            <a:fontRef idx="minor">
+              <a:schemeClr val="lt1"/>
+            </a:fontRef>
+          </p:style>
+          <p:txBody>
+            <a:bodyPr rtlCol="0" anchor="ctr"/>
+            <a:lstStyle/>
+            <a:p>
+              <a:pPr algn="ctr"/>
+              <a:r>
+                <a:rPr kumimoji="1" lang="en-US" altLang="ja-JP" sz="1400" b="1" dirty="0" smtClean="0">
+                  <a:latin typeface="游ゴシック" panose="020B0400000000000000" pitchFamily="50" charset="-128"/>
+                  <a:ea typeface="游ゴシック" panose="020B0400000000000000" pitchFamily="50" charset="-128"/>
+                </a:rPr>
+                <a:t>d12</a:t>
+              </a:r>
+              <a:endParaRPr kumimoji="1" lang="ja-JP" altLang="en-US" sz="1400" b="1" dirty="0">
+                <a:latin typeface="游ゴシック" panose="020B0400000000000000" pitchFamily="50" charset="-128"/>
+                <a:ea typeface="游ゴシック" panose="020B0400000000000000" pitchFamily="50" charset="-128"/>
+              </a:endParaRPr>
+            </a:p>
+          </p:txBody>
+        </p:sp>
+        <p:cxnSp>
+          <p:nvCxnSpPr>
+            <p:cNvPr id="30" name="直線矢印コネクタ 29"/>
+            <p:cNvCxnSpPr>
+              <a:stCxn id="29" idx="1"/>
+            </p:cNvCxnSpPr>
+            <p:nvPr/>
+          </p:nvCxnSpPr>
+          <p:spPr>
+            <a:xfrm flipH="1">
+              <a:off x="2940224" y="4867288"/>
+              <a:ext cx="268084" cy="100704"/>
+            </a:xfrm>
+            <a:prstGeom prst="straightConnector1">
+              <a:avLst/>
+            </a:prstGeom>
+            <a:ln w="28575">
+              <a:solidFill>
+                <a:srgbClr val="0000FF"/>
+              </a:solidFill>
+              <a:tailEnd type="triangle"/>
+            </a:ln>
+            <a:effectLst>
+              <a:outerShdw blurRad="50800" dist="38100" dir="2700000" algn="tl" rotWithShape="0">
+                <a:prstClr val="black">
+                  <a:alpha val="40000"/>
+                </a:prstClr>
+              </a:outerShdw>
+            </a:effectLst>
+          </p:spPr>
+          <p:style>
+            <a:lnRef idx="1">
+              <a:schemeClr val="accent1"/>
+            </a:lnRef>
+            <a:fillRef idx="0">
+              <a:schemeClr val="accent1"/>
+            </a:fillRef>
+            <a:effectRef idx="0">
+              <a:schemeClr val="accent1"/>
+            </a:effectRef>
+            <a:fontRef idx="minor">
+              <a:schemeClr val="tx1"/>
+            </a:fontRef>
+          </p:style>
+        </p:cxnSp>
+        <p:sp>
+          <p:nvSpPr>
+            <p:cNvPr id="31" name="角丸四角形 30"/>
+            <p:cNvSpPr/>
+            <p:nvPr/>
+          </p:nvSpPr>
+          <p:spPr>
+            <a:xfrm>
+              <a:off x="921165" y="4457477"/>
+              <a:ext cx="536170" cy="257695"/>
+            </a:xfrm>
+            <a:prstGeom prst="roundRect">
+              <a:avLst/>
+            </a:prstGeom>
+            <a:solidFill>
+              <a:srgbClr val="0000FF"/>
+            </a:solidFill>
+            <a:ln>
+              <a:noFill/>
+            </a:ln>
+            <a:effectLst>
+              <a:outerShdw blurRad="50800" dist="38100" dir="2700000" algn="tl" rotWithShape="0">
+                <a:prstClr val="black">
+                  <a:alpha val="40000"/>
+                </a:prstClr>
+              </a:outerShdw>
+            </a:effectLst>
+          </p:spPr>
+          <p:style>
+            <a:lnRef idx="2">
+              <a:schemeClr val="accent1">
+                <a:shade val="50000"/>
+              </a:schemeClr>
+            </a:lnRef>
+            <a:fillRef idx="1">
+              <a:schemeClr val="accent1"/>
+            </a:fillRef>
+            <a:effectRef idx="0">
+              <a:schemeClr val="accent1"/>
+            </a:effectRef>
+            <a:fontRef idx="minor">
+              <a:schemeClr val="lt1"/>
+            </a:fontRef>
+          </p:style>
+          <p:txBody>
+            <a:bodyPr rtlCol="0" anchor="ctr"/>
+            <a:lstStyle/>
+            <a:p>
+              <a:pPr algn="ctr"/>
+              <a:r>
+                <a:rPr kumimoji="1" lang="en-US" altLang="ja-JP" sz="1400" b="1" dirty="0" smtClean="0">
+                  <a:latin typeface="游ゴシック" panose="020B0400000000000000" pitchFamily="50" charset="-128"/>
+                  <a:ea typeface="游ゴシック" panose="020B0400000000000000" pitchFamily="50" charset="-128"/>
+                </a:rPr>
+                <a:t>d11</a:t>
+              </a:r>
+              <a:endParaRPr kumimoji="1" lang="ja-JP" altLang="en-US" sz="1400" b="1" dirty="0">
+                <a:latin typeface="游ゴシック" panose="020B0400000000000000" pitchFamily="50" charset="-128"/>
+                <a:ea typeface="游ゴシック" panose="020B0400000000000000" pitchFamily="50" charset="-128"/>
+              </a:endParaRPr>
+            </a:p>
+          </p:txBody>
+        </p:sp>
+        <p:cxnSp>
+          <p:nvCxnSpPr>
+            <p:cNvPr id="32" name="直線矢印コネクタ 31"/>
+            <p:cNvCxnSpPr/>
+            <p:nvPr/>
+          </p:nvCxnSpPr>
+          <p:spPr>
+            <a:xfrm>
+              <a:off x="1209228" y="4690772"/>
+              <a:ext cx="133957" cy="271736"/>
+            </a:xfrm>
+            <a:prstGeom prst="straightConnector1">
+              <a:avLst/>
+            </a:prstGeom>
+            <a:ln w="28575">
+              <a:solidFill>
+                <a:srgbClr val="0000FF"/>
+              </a:solidFill>
+              <a:tailEnd type="triangle"/>
+            </a:ln>
+            <a:effectLst>
+              <a:outerShdw blurRad="50800" dist="38100" dir="2700000" algn="tl" rotWithShape="0">
+                <a:prstClr val="black">
+                  <a:alpha val="40000"/>
+                </a:prstClr>
+              </a:outerShdw>
+            </a:effectLst>
+          </p:spPr>
+          <p:style>
+            <a:lnRef idx="1">
+              <a:schemeClr val="accent1"/>
+            </a:lnRef>
+            <a:fillRef idx="0">
+              <a:schemeClr val="accent1"/>
+            </a:fillRef>
+            <a:effectRef idx="0">
+              <a:schemeClr val="accent1"/>
+            </a:effectRef>
+            <a:fontRef idx="minor">
+              <a:schemeClr val="tx1"/>
+            </a:fontRef>
+          </p:style>
+        </p:cxnSp>
+        <p:sp>
+          <p:nvSpPr>
+            <p:cNvPr id="35" name="角丸四角形 34"/>
+            <p:cNvSpPr/>
+            <p:nvPr/>
+          </p:nvSpPr>
+          <p:spPr>
+            <a:xfrm>
+              <a:off x="404973" y="5311931"/>
+              <a:ext cx="536170" cy="257695"/>
+            </a:xfrm>
+            <a:prstGeom prst="roundRect">
+              <a:avLst/>
+            </a:prstGeom>
+            <a:solidFill>
+              <a:srgbClr val="0000FF"/>
+            </a:solidFill>
+            <a:ln>
+              <a:noFill/>
+            </a:ln>
+            <a:effectLst>
+              <a:outerShdw blurRad="50800" dist="38100" dir="2700000" algn="tl" rotWithShape="0">
+                <a:prstClr val="black">
+                  <a:alpha val="40000"/>
+                </a:prstClr>
+              </a:outerShdw>
+            </a:effectLst>
+          </p:spPr>
+          <p:style>
+            <a:lnRef idx="2">
+              <a:schemeClr val="accent1">
+                <a:shade val="50000"/>
+              </a:schemeClr>
+            </a:lnRef>
+            <a:fillRef idx="1">
+              <a:schemeClr val="accent1"/>
+            </a:fillRef>
+            <a:effectRef idx="0">
+              <a:schemeClr val="accent1"/>
+            </a:effectRef>
+            <a:fontRef idx="minor">
+              <a:schemeClr val="lt1"/>
+            </a:fontRef>
+          </p:style>
+          <p:txBody>
+            <a:bodyPr rtlCol="0" anchor="ctr"/>
+            <a:lstStyle/>
+            <a:p>
+              <a:pPr algn="ctr"/>
+              <a:r>
+                <a:rPr kumimoji="1" lang="en-US" altLang="ja-JP" sz="1400" b="1" dirty="0" smtClean="0">
+                  <a:latin typeface="游ゴシック" panose="020B0400000000000000" pitchFamily="50" charset="-128"/>
+                  <a:ea typeface="游ゴシック" panose="020B0400000000000000" pitchFamily="50" charset="-128"/>
+                </a:rPr>
+                <a:t>d13</a:t>
+              </a:r>
+              <a:endParaRPr kumimoji="1" lang="ja-JP" altLang="en-US" sz="1400" b="1" dirty="0">
+                <a:latin typeface="游ゴシック" panose="020B0400000000000000" pitchFamily="50" charset="-128"/>
+                <a:ea typeface="游ゴシック" panose="020B0400000000000000" pitchFamily="50" charset="-128"/>
+              </a:endParaRPr>
+            </a:p>
+          </p:txBody>
+        </p:sp>
+        <p:cxnSp>
+          <p:nvCxnSpPr>
+            <p:cNvPr id="36" name="直線矢印コネクタ 35"/>
+            <p:cNvCxnSpPr/>
+            <p:nvPr/>
+          </p:nvCxnSpPr>
+          <p:spPr>
+            <a:xfrm>
+              <a:off x="921165" y="5390426"/>
+              <a:ext cx="190085" cy="121374"/>
+            </a:xfrm>
+            <a:prstGeom prst="straightConnector1">
+              <a:avLst/>
+            </a:prstGeom>
+            <a:ln w="28575">
+              <a:solidFill>
+                <a:srgbClr val="0000FF"/>
+              </a:solidFill>
+              <a:tailEnd type="triangle"/>
+            </a:ln>
+            <a:effectLst>
+              <a:outerShdw blurRad="50800" dist="38100" dir="2700000" algn="tl" rotWithShape="0">
+                <a:prstClr val="black">
+                  <a:alpha val="40000"/>
+                </a:prstClr>
+              </a:outerShdw>
+            </a:effectLst>
+          </p:spPr>
+          <p:style>
+            <a:lnRef idx="1">
+              <a:schemeClr val="accent1"/>
+            </a:lnRef>
+            <a:fillRef idx="0">
+              <a:schemeClr val="accent1"/>
+            </a:fillRef>
+            <a:effectRef idx="0">
+              <a:schemeClr val="accent1"/>
+            </a:effectRef>
+            <a:fontRef idx="minor">
+              <a:schemeClr val="tx1"/>
+            </a:fontRef>
+          </p:style>
+        </p:cxnSp>
+        <p:sp>
+          <p:nvSpPr>
+            <p:cNvPr id="37" name="角丸四角形 36"/>
+            <p:cNvSpPr/>
+            <p:nvPr/>
+          </p:nvSpPr>
+          <p:spPr>
+            <a:xfrm>
+              <a:off x="404973" y="5614304"/>
+              <a:ext cx="536170" cy="257695"/>
+            </a:xfrm>
+            <a:prstGeom prst="roundRect">
+              <a:avLst/>
+            </a:prstGeom>
+            <a:solidFill>
+              <a:srgbClr val="0000FF"/>
+            </a:solidFill>
+            <a:ln>
+              <a:noFill/>
+            </a:ln>
+            <a:effectLst>
+              <a:outerShdw blurRad="50800" dist="38100" dir="2700000" algn="tl" rotWithShape="0">
+                <a:prstClr val="black">
+                  <a:alpha val="40000"/>
+                </a:prstClr>
+              </a:outerShdw>
+            </a:effectLst>
+          </p:spPr>
+          <p:style>
+            <a:lnRef idx="2">
+              <a:schemeClr val="accent1">
+                <a:shade val="50000"/>
+              </a:schemeClr>
+            </a:lnRef>
+            <a:fillRef idx="1">
+              <a:schemeClr val="accent1"/>
+            </a:fillRef>
+            <a:effectRef idx="0">
+              <a:schemeClr val="accent1"/>
+            </a:effectRef>
+            <a:fontRef idx="minor">
+              <a:schemeClr val="lt1"/>
+            </a:fontRef>
+          </p:style>
+          <p:txBody>
+            <a:bodyPr rtlCol="0" anchor="ctr"/>
+            <a:lstStyle/>
+            <a:p>
+              <a:pPr algn="ctr"/>
+              <a:r>
+                <a:rPr kumimoji="1" lang="en-US" altLang="ja-JP" sz="1400" b="1" dirty="0" smtClean="0">
+                  <a:latin typeface="游ゴシック" panose="020B0400000000000000" pitchFamily="50" charset="-128"/>
+                  <a:ea typeface="游ゴシック" panose="020B0400000000000000" pitchFamily="50" charset="-128"/>
+                </a:rPr>
+                <a:t>d14</a:t>
+              </a:r>
+              <a:endParaRPr kumimoji="1" lang="ja-JP" altLang="en-US" sz="1400" b="1" dirty="0">
+                <a:latin typeface="游ゴシック" panose="020B0400000000000000" pitchFamily="50" charset="-128"/>
+                <a:ea typeface="游ゴシック" panose="020B0400000000000000" pitchFamily="50" charset="-128"/>
+              </a:endParaRPr>
+            </a:p>
+          </p:txBody>
+        </p:sp>
+        <p:cxnSp>
+          <p:nvCxnSpPr>
+            <p:cNvPr id="41" name="直線矢印コネクタ 40"/>
+            <p:cNvCxnSpPr/>
+            <p:nvPr/>
+          </p:nvCxnSpPr>
+          <p:spPr>
+            <a:xfrm>
+              <a:off x="921165" y="5714276"/>
+              <a:ext cx="190085" cy="121374"/>
+            </a:xfrm>
+            <a:prstGeom prst="straightConnector1">
+              <a:avLst/>
+            </a:prstGeom>
+            <a:ln w="28575">
+              <a:solidFill>
+                <a:srgbClr val="0000FF"/>
+              </a:solidFill>
+              <a:tailEnd type="triangle"/>
+            </a:ln>
+            <a:effectLst>
+              <a:outerShdw blurRad="50800" dist="38100" dir="2700000" algn="tl" rotWithShape="0">
+                <a:prstClr val="black">
+                  <a:alpha val="40000"/>
+                </a:prstClr>
+              </a:outerShdw>
+            </a:effectLst>
+          </p:spPr>
+          <p:style>
+            <a:lnRef idx="1">
+              <a:schemeClr val="accent1"/>
+            </a:lnRef>
+            <a:fillRef idx="0">
+              <a:schemeClr val="accent1"/>
+            </a:fillRef>
+            <a:effectRef idx="0">
+              <a:schemeClr val="accent1"/>
+            </a:effectRef>
+            <a:fontRef idx="minor">
+              <a:schemeClr val="tx1"/>
+            </a:fontRef>
+          </p:style>
+        </p:cxnSp>
+        <p:sp>
+          <p:nvSpPr>
+            <p:cNvPr id="42" name="角丸四角形 41"/>
+            <p:cNvSpPr/>
+            <p:nvPr/>
+          </p:nvSpPr>
+          <p:spPr>
+            <a:xfrm>
+              <a:off x="3389059" y="5296056"/>
+              <a:ext cx="536170" cy="257695"/>
+            </a:xfrm>
+            <a:prstGeom prst="roundRect">
+              <a:avLst/>
+            </a:prstGeom>
+            <a:solidFill>
+              <a:srgbClr val="0000FF"/>
+            </a:solidFill>
+            <a:ln>
+              <a:noFill/>
+            </a:ln>
+            <a:effectLst>
+              <a:outerShdw blurRad="50800" dist="38100" dir="2700000" algn="tl" rotWithShape="0">
+                <a:prstClr val="black">
+                  <a:alpha val="40000"/>
+                </a:prstClr>
+              </a:outerShdw>
+            </a:effectLst>
+          </p:spPr>
+          <p:style>
+            <a:lnRef idx="2">
+              <a:schemeClr val="accent1">
+                <a:shade val="50000"/>
+              </a:schemeClr>
+            </a:lnRef>
+            <a:fillRef idx="1">
+              <a:schemeClr val="accent1"/>
+            </a:fillRef>
+            <a:effectRef idx="0">
+              <a:schemeClr val="accent1"/>
+            </a:effectRef>
+            <a:fontRef idx="minor">
+              <a:schemeClr val="lt1"/>
+            </a:fontRef>
+          </p:style>
+          <p:txBody>
+            <a:bodyPr rtlCol="0" anchor="ctr"/>
+            <a:lstStyle/>
+            <a:p>
+              <a:pPr algn="ctr"/>
+              <a:r>
+                <a:rPr kumimoji="1" lang="en-US" altLang="ja-JP" sz="1400" b="1" dirty="0" smtClean="0">
+                  <a:latin typeface="游ゴシック" panose="020B0400000000000000" pitchFamily="50" charset="-128"/>
+                  <a:ea typeface="游ゴシック" panose="020B0400000000000000" pitchFamily="50" charset="-128"/>
+                </a:rPr>
+                <a:t>d15</a:t>
+              </a:r>
+              <a:endParaRPr kumimoji="1" lang="ja-JP" altLang="en-US" sz="1400" b="1" dirty="0">
+                <a:latin typeface="游ゴシック" panose="020B0400000000000000" pitchFamily="50" charset="-128"/>
+                <a:ea typeface="游ゴシック" panose="020B0400000000000000" pitchFamily="50" charset="-128"/>
+              </a:endParaRPr>
+            </a:p>
+          </p:txBody>
+        </p:sp>
+        <p:cxnSp>
+          <p:nvCxnSpPr>
+            <p:cNvPr id="43" name="直線矢印コネクタ 42"/>
+            <p:cNvCxnSpPr>
+              <a:stCxn id="42" idx="1"/>
+            </p:cNvCxnSpPr>
+            <p:nvPr/>
+          </p:nvCxnSpPr>
+          <p:spPr>
+            <a:xfrm flipH="1">
+              <a:off x="3147349" y="5424904"/>
+              <a:ext cx="241710" cy="144722"/>
+            </a:xfrm>
+            <a:prstGeom prst="straightConnector1">
+              <a:avLst/>
+            </a:prstGeom>
+            <a:ln w="28575">
+              <a:solidFill>
+                <a:srgbClr val="0000FF"/>
+              </a:solidFill>
+              <a:tailEnd type="triangle"/>
+            </a:ln>
+            <a:effectLst>
+              <a:outerShdw blurRad="50800" dist="38100" dir="2700000" algn="tl" rotWithShape="0">
+                <a:prstClr val="black">
+                  <a:alpha val="40000"/>
+                </a:prstClr>
+              </a:outerShdw>
+            </a:effectLst>
+          </p:spPr>
+          <p:style>
+            <a:lnRef idx="1">
+              <a:schemeClr val="accent1"/>
+            </a:lnRef>
+            <a:fillRef idx="0">
+              <a:schemeClr val="accent1"/>
+            </a:fillRef>
+            <a:effectRef idx="0">
+              <a:schemeClr val="accent1"/>
+            </a:effectRef>
+            <a:fontRef idx="minor">
+              <a:schemeClr val="tx1"/>
+            </a:fontRef>
+          </p:style>
+        </p:cxnSp>
+      </p:grpSp>
+    </p:spTree>
+    <p:extLst>
+      <p:ext uri="{BB962C8B-B14F-4D97-AF65-F5344CB8AC3E}">
+        <p14:creationId xmlns:p14="http://schemas.microsoft.com/office/powerpoint/2010/main" val="2260170830"/>
+      </p:ext>
+    </p:extLst>
+  </p:cSld>
+  <p:clrMapOvr>
+    <a:masterClrMapping/>
+  </p:clrMapOvr>
+</p:sld>
+</file>
+
+<file path=ppt/slides/slide4.xml><?xml version="1.0" encoding="utf-8"?>
+<p:sld xmlns:a="http://schemas.openxmlformats.org/drawingml/2006/main" xmlns:r="http://schemas.openxmlformats.org/officeDocument/2006/relationships" xmlns:p="http://schemas.openxmlformats.org/presentationml/2006/main">
+  <p:cSld>
+    <p:spTree>
+      <p:nvGrpSpPr>
+        <p:cNvPr id="1" name=""/>
+        <p:cNvGrpSpPr/>
+        <p:nvPr/>
+      </p:nvGrpSpPr>
+      <p:grpSpPr>
+        <a:xfrm>
+          <a:off x="0" y="0"/>
+          <a:ext cx="0" cy="0"/>
+          <a:chOff x="0" y="0"/>
+          <a:chExt cx="0" cy="0"/>
+        </a:xfrm>
+      </p:grpSpPr>
+      <p:sp>
+        <p:nvSpPr>
+          <p:cNvPr id="2" name="タイトル 1"/>
+          <p:cNvSpPr>
+            <a:spLocks noGrp="1"/>
+          </p:cNvSpPr>
+          <p:nvPr>
+            <p:ph type="title"/>
+          </p:nvPr>
+        </p:nvSpPr>
+        <p:spPr/>
+        <p:txBody>
+          <a:bodyPr/>
+          <a:lstStyle/>
+          <a:p>
+            <a:endParaRPr kumimoji="1" lang="ja-JP" altLang="en-US"/>
+          </a:p>
+        </p:txBody>
+      </p:sp>
+      <p:sp>
+        <p:nvSpPr>
+          <p:cNvPr id="3" name="コンテンツ プレースホルダー 2"/>
+          <p:cNvSpPr>
+            <a:spLocks noGrp="1"/>
+          </p:cNvSpPr>
+          <p:nvPr>
+            <p:ph idx="1"/>
+          </p:nvPr>
+        </p:nvSpPr>
+        <p:spPr/>
+        <p:txBody>
+          <a:bodyPr/>
+          <a:lstStyle/>
+          <a:p>
+            <a:endParaRPr kumimoji="1" lang="ja-JP" altLang="en-US"/>
+          </a:p>
+        </p:txBody>
+      </p:sp>
+      <p:pic>
+        <p:nvPicPr>
+          <p:cNvPr id="4" name="図 3"/>
+          <p:cNvPicPr>
+            <a:picLocks noChangeAspect="1"/>
+          </p:cNvPicPr>
+          <p:nvPr/>
+        </p:nvPicPr>
+        <p:blipFill>
+          <a:blip r:embed="rId2"/>
+          <a:stretch>
+            <a:fillRect/>
+          </a:stretch>
+        </p:blipFill>
+        <p:spPr>
+          <a:xfrm>
+            <a:off x="3950453" y="546567"/>
+            <a:ext cx="4314305" cy="5403252"/>
+          </a:xfrm>
+          <a:prstGeom prst="rect">
+            <a:avLst/>
+          </a:prstGeom>
+        </p:spPr>
+      </p:pic>
+      <p:sp>
+        <p:nvSpPr>
+          <p:cNvPr id="5" name="角丸四角形 4"/>
+          <p:cNvSpPr/>
+          <p:nvPr/>
+        </p:nvSpPr>
+        <p:spPr>
+          <a:xfrm>
+            <a:off x="4026651" y="1834261"/>
+            <a:ext cx="1499756" cy="601980"/>
+          </a:xfrm>
+          <a:prstGeom prst="roundRect">
+            <a:avLst/>
+          </a:prstGeom>
+          <a:noFill/>
+          <a:ln w="28575">
+            <a:solidFill>
+              <a:srgbClr val="0000FF"/>
+            </a:solidFill>
+          </a:ln>
+        </p:spPr>
+        <p:style>
+          <a:lnRef idx="2">
+            <a:schemeClr val="accent1">
+              <a:shade val="50000"/>
+            </a:schemeClr>
+          </a:lnRef>
+          <a:fillRef idx="1">
+            <a:schemeClr val="accent1"/>
+          </a:fillRef>
+          <a:effectRef idx="0">
+            <a:schemeClr val="accent1"/>
+          </a:effectRef>
+          <a:fontRef idx="minor">
+            <a:schemeClr val="lt1"/>
+          </a:fontRef>
+        </p:style>
+        <p:txBody>
+          <a:bodyPr rtlCol="0" anchor="ctr"/>
+          <a:lstStyle>
+            <a:defPPr>
+              <a:defRPr lang="ja-JP"/>
+            </a:defPPr>
+            <a:lvl1pPr marL="0" algn="l" defTabSz="914400" rtl="0" eaLnBrk="1" latinLnBrk="0" hangingPunct="1">
+              <a:defRPr kumimoji="1" sz="1800" kern="1200">
+                <a:solidFill>
+                  <a:schemeClr val="lt1"/>
+                </a:solidFill>
+                <a:latin typeface="+mn-lt"/>
+                <a:ea typeface="+mn-ea"/>
+                <a:cs typeface="+mn-cs"/>
+              </a:defRPr>
+            </a:lvl1pPr>
+            <a:lvl2pPr marL="457200" algn="l" defTabSz="914400" rtl="0" eaLnBrk="1" latinLnBrk="0" hangingPunct="1">
+              <a:defRPr kumimoji="1" sz="1800" kern="1200">
+                <a:solidFill>
+                  <a:schemeClr val="lt1"/>
+                </a:solidFill>
+                <a:latin typeface="+mn-lt"/>
+                <a:ea typeface="+mn-ea"/>
+                <a:cs typeface="+mn-cs"/>
+              </a:defRPr>
+            </a:lvl2pPr>
+            <a:lvl3pPr marL="914400" algn="l" defTabSz="914400" rtl="0" eaLnBrk="1" latinLnBrk="0" hangingPunct="1">
+              <a:defRPr kumimoji="1" sz="1800" kern="1200">
+                <a:solidFill>
+                  <a:schemeClr val="lt1"/>
+                </a:solidFill>
+                <a:latin typeface="+mn-lt"/>
+                <a:ea typeface="+mn-ea"/>
+                <a:cs typeface="+mn-cs"/>
+              </a:defRPr>
+            </a:lvl3pPr>
+            <a:lvl4pPr marL="1371600" algn="l" defTabSz="914400" rtl="0" eaLnBrk="1" latinLnBrk="0" hangingPunct="1">
+              <a:defRPr kumimoji="1" sz="1800" kern="1200">
+                <a:solidFill>
+                  <a:schemeClr val="lt1"/>
+                </a:solidFill>
+                <a:latin typeface="+mn-lt"/>
+                <a:ea typeface="+mn-ea"/>
+                <a:cs typeface="+mn-cs"/>
+              </a:defRPr>
+            </a:lvl4pPr>
+            <a:lvl5pPr marL="1828800" algn="l" defTabSz="914400" rtl="0" eaLnBrk="1" latinLnBrk="0" hangingPunct="1">
+              <a:defRPr kumimoji="1" sz="1800" kern="1200">
+                <a:solidFill>
+                  <a:schemeClr val="lt1"/>
+                </a:solidFill>
+                <a:latin typeface="+mn-lt"/>
+                <a:ea typeface="+mn-ea"/>
+                <a:cs typeface="+mn-cs"/>
+              </a:defRPr>
+            </a:lvl5pPr>
+            <a:lvl6pPr marL="2286000" algn="l" defTabSz="914400" rtl="0" eaLnBrk="1" latinLnBrk="0" hangingPunct="1">
+              <a:defRPr kumimoji="1" sz="1800" kern="1200">
+                <a:solidFill>
+                  <a:schemeClr val="lt1"/>
+                </a:solidFill>
+                <a:latin typeface="+mn-lt"/>
+                <a:ea typeface="+mn-ea"/>
+                <a:cs typeface="+mn-cs"/>
+              </a:defRPr>
+            </a:lvl6pPr>
+            <a:lvl7pPr marL="2743200" algn="l" defTabSz="914400" rtl="0" eaLnBrk="1" latinLnBrk="0" hangingPunct="1">
+              <a:defRPr kumimoji="1" sz="1800" kern="1200">
+                <a:solidFill>
+                  <a:schemeClr val="lt1"/>
+                </a:solidFill>
+                <a:latin typeface="+mn-lt"/>
+                <a:ea typeface="+mn-ea"/>
+                <a:cs typeface="+mn-cs"/>
+              </a:defRPr>
+            </a:lvl7pPr>
+            <a:lvl8pPr marL="3200400" algn="l" defTabSz="914400" rtl="0" eaLnBrk="1" latinLnBrk="0" hangingPunct="1">
+              <a:defRPr kumimoji="1" sz="1800" kern="1200">
+                <a:solidFill>
+                  <a:schemeClr val="lt1"/>
+                </a:solidFill>
+                <a:latin typeface="+mn-lt"/>
+                <a:ea typeface="+mn-ea"/>
+                <a:cs typeface="+mn-cs"/>
+              </a:defRPr>
+            </a:lvl8pPr>
+            <a:lvl9pPr marL="3657600" algn="l" defTabSz="914400" rtl="0" eaLnBrk="1" latinLnBrk="0" hangingPunct="1">
+              <a:defRPr kumimoji="1" sz="1800" kern="1200">
+                <a:solidFill>
+                  <a:schemeClr val="lt1"/>
+                </a:solidFill>
+                <a:latin typeface="+mn-lt"/>
+                <a:ea typeface="+mn-ea"/>
+                <a:cs typeface="+mn-cs"/>
+              </a:defRPr>
+            </a:lvl9pPr>
+          </a:lstStyle>
+          <a:p>
+            <a:pPr algn="ctr"/>
+            <a:endParaRPr kumimoji="1" lang="ja-JP" altLang="en-US"/>
+          </a:p>
+        </p:txBody>
+      </p:sp>
+      <p:sp>
+        <p:nvSpPr>
+          <p:cNvPr id="6" name="角丸四角形 5"/>
+          <p:cNvSpPr/>
+          <p:nvPr/>
+        </p:nvSpPr>
+        <p:spPr>
+          <a:xfrm>
+            <a:off x="4026651" y="2497201"/>
+            <a:ext cx="1499755" cy="601980"/>
+          </a:xfrm>
+          <a:prstGeom prst="roundRect">
+            <a:avLst/>
+          </a:prstGeom>
+          <a:noFill/>
+          <a:ln w="28575">
+            <a:solidFill>
+              <a:srgbClr val="0000FF"/>
+            </a:solidFill>
+          </a:ln>
+        </p:spPr>
+        <p:style>
+          <a:lnRef idx="2">
+            <a:schemeClr val="accent1">
+              <a:shade val="50000"/>
+            </a:schemeClr>
+          </a:lnRef>
+          <a:fillRef idx="1">
+            <a:schemeClr val="accent1"/>
+          </a:fillRef>
+          <a:effectRef idx="0">
+            <a:schemeClr val="accent1"/>
+          </a:effectRef>
+          <a:fontRef idx="minor">
+            <a:schemeClr val="lt1"/>
+          </a:fontRef>
+        </p:style>
+        <p:txBody>
+          <a:bodyPr rtlCol="0" anchor="ctr"/>
+          <a:lstStyle>
+            <a:defPPr>
+              <a:defRPr lang="ja-JP"/>
+            </a:defPPr>
+            <a:lvl1pPr marL="0" algn="l" defTabSz="914400" rtl="0" eaLnBrk="1" latinLnBrk="0" hangingPunct="1">
+              <a:defRPr kumimoji="1" sz="1800" kern="1200">
+                <a:solidFill>
+                  <a:schemeClr val="lt1"/>
+                </a:solidFill>
+                <a:latin typeface="+mn-lt"/>
+                <a:ea typeface="+mn-ea"/>
+                <a:cs typeface="+mn-cs"/>
+              </a:defRPr>
+            </a:lvl1pPr>
+            <a:lvl2pPr marL="457200" algn="l" defTabSz="914400" rtl="0" eaLnBrk="1" latinLnBrk="0" hangingPunct="1">
+              <a:defRPr kumimoji="1" sz="1800" kern="1200">
+                <a:solidFill>
+                  <a:schemeClr val="lt1"/>
+                </a:solidFill>
+                <a:latin typeface="+mn-lt"/>
+                <a:ea typeface="+mn-ea"/>
+                <a:cs typeface="+mn-cs"/>
+              </a:defRPr>
+            </a:lvl2pPr>
+            <a:lvl3pPr marL="914400" algn="l" defTabSz="914400" rtl="0" eaLnBrk="1" latinLnBrk="0" hangingPunct="1">
+              <a:defRPr kumimoji="1" sz="1800" kern="1200">
+                <a:solidFill>
+                  <a:schemeClr val="lt1"/>
+                </a:solidFill>
+                <a:latin typeface="+mn-lt"/>
+                <a:ea typeface="+mn-ea"/>
+                <a:cs typeface="+mn-cs"/>
+              </a:defRPr>
+            </a:lvl3pPr>
+            <a:lvl4pPr marL="1371600" algn="l" defTabSz="914400" rtl="0" eaLnBrk="1" latinLnBrk="0" hangingPunct="1">
+              <a:defRPr kumimoji="1" sz="1800" kern="1200">
+                <a:solidFill>
+                  <a:schemeClr val="lt1"/>
+                </a:solidFill>
+                <a:latin typeface="+mn-lt"/>
+                <a:ea typeface="+mn-ea"/>
+                <a:cs typeface="+mn-cs"/>
+              </a:defRPr>
+            </a:lvl4pPr>
+            <a:lvl5pPr marL="1828800" algn="l" defTabSz="914400" rtl="0" eaLnBrk="1" latinLnBrk="0" hangingPunct="1">
+              <a:defRPr kumimoji="1" sz="1800" kern="1200">
+                <a:solidFill>
+                  <a:schemeClr val="lt1"/>
+                </a:solidFill>
+                <a:latin typeface="+mn-lt"/>
+                <a:ea typeface="+mn-ea"/>
+                <a:cs typeface="+mn-cs"/>
+              </a:defRPr>
+            </a:lvl5pPr>
+            <a:lvl6pPr marL="2286000" algn="l" defTabSz="914400" rtl="0" eaLnBrk="1" latinLnBrk="0" hangingPunct="1">
+              <a:defRPr kumimoji="1" sz="1800" kern="1200">
+                <a:solidFill>
+                  <a:schemeClr val="lt1"/>
+                </a:solidFill>
+                <a:latin typeface="+mn-lt"/>
+                <a:ea typeface="+mn-ea"/>
+                <a:cs typeface="+mn-cs"/>
+              </a:defRPr>
+            </a:lvl6pPr>
+            <a:lvl7pPr marL="2743200" algn="l" defTabSz="914400" rtl="0" eaLnBrk="1" latinLnBrk="0" hangingPunct="1">
+              <a:defRPr kumimoji="1" sz="1800" kern="1200">
+                <a:solidFill>
+                  <a:schemeClr val="lt1"/>
+                </a:solidFill>
+                <a:latin typeface="+mn-lt"/>
+                <a:ea typeface="+mn-ea"/>
+                <a:cs typeface="+mn-cs"/>
+              </a:defRPr>
+            </a:lvl7pPr>
+            <a:lvl8pPr marL="3200400" algn="l" defTabSz="914400" rtl="0" eaLnBrk="1" latinLnBrk="0" hangingPunct="1">
+              <a:defRPr kumimoji="1" sz="1800" kern="1200">
+                <a:solidFill>
+                  <a:schemeClr val="lt1"/>
+                </a:solidFill>
+                <a:latin typeface="+mn-lt"/>
+                <a:ea typeface="+mn-ea"/>
+                <a:cs typeface="+mn-cs"/>
+              </a:defRPr>
+            </a:lvl8pPr>
+            <a:lvl9pPr marL="3657600" algn="l" defTabSz="914400" rtl="0" eaLnBrk="1" latinLnBrk="0" hangingPunct="1">
+              <a:defRPr kumimoji="1" sz="1800" kern="1200">
+                <a:solidFill>
+                  <a:schemeClr val="lt1"/>
+                </a:solidFill>
+                <a:latin typeface="+mn-lt"/>
+                <a:ea typeface="+mn-ea"/>
+                <a:cs typeface="+mn-cs"/>
+              </a:defRPr>
+            </a:lvl9pPr>
+          </a:lstStyle>
+          <a:p>
+            <a:pPr algn="ctr"/>
+            <a:endParaRPr kumimoji="1" lang="ja-JP" altLang="en-US"/>
+          </a:p>
+        </p:txBody>
+      </p:sp>
+      <p:sp>
+        <p:nvSpPr>
+          <p:cNvPr id="7" name="角丸四角形 6"/>
+          <p:cNvSpPr/>
+          <p:nvPr/>
+        </p:nvSpPr>
+        <p:spPr>
+          <a:xfrm>
+            <a:off x="4026651" y="3149133"/>
+            <a:ext cx="1499757" cy="1161628"/>
+          </a:xfrm>
+          <a:prstGeom prst="roundRect">
+            <a:avLst/>
+          </a:prstGeom>
+          <a:noFill/>
+          <a:ln w="28575">
+            <a:solidFill>
+              <a:srgbClr val="0000FF"/>
+            </a:solidFill>
+          </a:ln>
+        </p:spPr>
+        <p:style>
+          <a:lnRef idx="2">
+            <a:schemeClr val="accent1">
+              <a:shade val="50000"/>
+            </a:schemeClr>
+          </a:lnRef>
+          <a:fillRef idx="1">
+            <a:schemeClr val="accent1"/>
+          </a:fillRef>
+          <a:effectRef idx="0">
+            <a:schemeClr val="accent1"/>
+          </a:effectRef>
+          <a:fontRef idx="minor">
+            <a:schemeClr val="lt1"/>
+          </a:fontRef>
+        </p:style>
+        <p:txBody>
+          <a:bodyPr rtlCol="0" anchor="ctr"/>
+          <a:lstStyle>
+            <a:defPPr>
+              <a:defRPr lang="ja-JP"/>
+            </a:defPPr>
+            <a:lvl1pPr marL="0" algn="l" defTabSz="914400" rtl="0" eaLnBrk="1" latinLnBrk="0" hangingPunct="1">
+              <a:defRPr kumimoji="1" sz="1800" kern="1200">
+                <a:solidFill>
+                  <a:schemeClr val="lt1"/>
+                </a:solidFill>
+                <a:latin typeface="+mn-lt"/>
+                <a:ea typeface="+mn-ea"/>
+                <a:cs typeface="+mn-cs"/>
+              </a:defRPr>
+            </a:lvl1pPr>
+            <a:lvl2pPr marL="457200" algn="l" defTabSz="914400" rtl="0" eaLnBrk="1" latinLnBrk="0" hangingPunct="1">
+              <a:defRPr kumimoji="1" sz="1800" kern="1200">
+                <a:solidFill>
+                  <a:schemeClr val="lt1"/>
+                </a:solidFill>
+                <a:latin typeface="+mn-lt"/>
+                <a:ea typeface="+mn-ea"/>
+                <a:cs typeface="+mn-cs"/>
+              </a:defRPr>
+            </a:lvl2pPr>
+            <a:lvl3pPr marL="914400" algn="l" defTabSz="914400" rtl="0" eaLnBrk="1" latinLnBrk="0" hangingPunct="1">
+              <a:defRPr kumimoji="1" sz="1800" kern="1200">
+                <a:solidFill>
+                  <a:schemeClr val="lt1"/>
+                </a:solidFill>
+                <a:latin typeface="+mn-lt"/>
+                <a:ea typeface="+mn-ea"/>
+                <a:cs typeface="+mn-cs"/>
+              </a:defRPr>
+            </a:lvl3pPr>
+            <a:lvl4pPr marL="1371600" algn="l" defTabSz="914400" rtl="0" eaLnBrk="1" latinLnBrk="0" hangingPunct="1">
+              <a:defRPr kumimoji="1" sz="1800" kern="1200">
+                <a:solidFill>
+                  <a:schemeClr val="lt1"/>
+                </a:solidFill>
+                <a:latin typeface="+mn-lt"/>
+                <a:ea typeface="+mn-ea"/>
+                <a:cs typeface="+mn-cs"/>
+              </a:defRPr>
+            </a:lvl4pPr>
+            <a:lvl5pPr marL="1828800" algn="l" defTabSz="914400" rtl="0" eaLnBrk="1" latinLnBrk="0" hangingPunct="1">
+              <a:defRPr kumimoji="1" sz="1800" kern="1200">
+                <a:solidFill>
+                  <a:schemeClr val="lt1"/>
+                </a:solidFill>
+                <a:latin typeface="+mn-lt"/>
+                <a:ea typeface="+mn-ea"/>
+                <a:cs typeface="+mn-cs"/>
+              </a:defRPr>
+            </a:lvl5pPr>
+            <a:lvl6pPr marL="2286000" algn="l" defTabSz="914400" rtl="0" eaLnBrk="1" latinLnBrk="0" hangingPunct="1">
+              <a:defRPr kumimoji="1" sz="1800" kern="1200">
+                <a:solidFill>
+                  <a:schemeClr val="lt1"/>
+                </a:solidFill>
+                <a:latin typeface="+mn-lt"/>
+                <a:ea typeface="+mn-ea"/>
+                <a:cs typeface="+mn-cs"/>
+              </a:defRPr>
+            </a:lvl6pPr>
+            <a:lvl7pPr marL="2743200" algn="l" defTabSz="914400" rtl="0" eaLnBrk="1" latinLnBrk="0" hangingPunct="1">
+              <a:defRPr kumimoji="1" sz="1800" kern="1200">
+                <a:solidFill>
+                  <a:schemeClr val="lt1"/>
+                </a:solidFill>
+                <a:latin typeface="+mn-lt"/>
+                <a:ea typeface="+mn-ea"/>
+                <a:cs typeface="+mn-cs"/>
+              </a:defRPr>
+            </a:lvl7pPr>
+            <a:lvl8pPr marL="3200400" algn="l" defTabSz="914400" rtl="0" eaLnBrk="1" latinLnBrk="0" hangingPunct="1">
+              <a:defRPr kumimoji="1" sz="1800" kern="1200">
+                <a:solidFill>
+                  <a:schemeClr val="lt1"/>
+                </a:solidFill>
+                <a:latin typeface="+mn-lt"/>
+                <a:ea typeface="+mn-ea"/>
+                <a:cs typeface="+mn-cs"/>
+              </a:defRPr>
+            </a:lvl8pPr>
+            <a:lvl9pPr marL="3657600" algn="l" defTabSz="914400" rtl="0" eaLnBrk="1" latinLnBrk="0" hangingPunct="1">
+              <a:defRPr kumimoji="1" sz="1800" kern="1200">
+                <a:solidFill>
+                  <a:schemeClr val="lt1"/>
+                </a:solidFill>
+                <a:latin typeface="+mn-lt"/>
+                <a:ea typeface="+mn-ea"/>
+                <a:cs typeface="+mn-cs"/>
+              </a:defRPr>
+            </a:lvl9pPr>
+          </a:lstStyle>
+          <a:p>
+            <a:pPr algn="ctr"/>
+            <a:endParaRPr kumimoji="1" lang="ja-JP" altLang="en-US"/>
+          </a:p>
+        </p:txBody>
+      </p:sp>
+      <p:sp>
+        <p:nvSpPr>
+          <p:cNvPr id="8" name="角丸四角形 7"/>
+          <p:cNvSpPr/>
+          <p:nvPr/>
+        </p:nvSpPr>
+        <p:spPr>
+          <a:xfrm>
+            <a:off x="4026651" y="4310761"/>
+            <a:ext cx="1499757" cy="982980"/>
+          </a:xfrm>
+          <a:prstGeom prst="roundRect">
+            <a:avLst/>
+          </a:prstGeom>
+          <a:noFill/>
+          <a:ln w="28575">
+            <a:solidFill>
+              <a:srgbClr val="0000FF"/>
+            </a:solidFill>
+          </a:ln>
+        </p:spPr>
+        <p:style>
+          <a:lnRef idx="2">
+            <a:schemeClr val="accent1">
+              <a:shade val="50000"/>
+            </a:schemeClr>
+          </a:lnRef>
+          <a:fillRef idx="1">
+            <a:schemeClr val="accent1"/>
+          </a:fillRef>
+          <a:effectRef idx="0">
+            <a:schemeClr val="accent1"/>
+          </a:effectRef>
+          <a:fontRef idx="minor">
+            <a:schemeClr val="lt1"/>
+          </a:fontRef>
+        </p:style>
+        <p:txBody>
+          <a:bodyPr rtlCol="0" anchor="ctr"/>
+          <a:lstStyle>
+            <a:defPPr>
+              <a:defRPr lang="ja-JP"/>
+            </a:defPPr>
+            <a:lvl1pPr marL="0" algn="l" defTabSz="914400" rtl="0" eaLnBrk="1" latinLnBrk="0" hangingPunct="1">
+              <a:defRPr kumimoji="1" sz="1800" kern="1200">
+                <a:solidFill>
+                  <a:schemeClr val="lt1"/>
+                </a:solidFill>
+                <a:latin typeface="+mn-lt"/>
+                <a:ea typeface="+mn-ea"/>
+                <a:cs typeface="+mn-cs"/>
+              </a:defRPr>
+            </a:lvl1pPr>
+            <a:lvl2pPr marL="457200" algn="l" defTabSz="914400" rtl="0" eaLnBrk="1" latinLnBrk="0" hangingPunct="1">
+              <a:defRPr kumimoji="1" sz="1800" kern="1200">
+                <a:solidFill>
+                  <a:schemeClr val="lt1"/>
+                </a:solidFill>
+                <a:latin typeface="+mn-lt"/>
+                <a:ea typeface="+mn-ea"/>
+                <a:cs typeface="+mn-cs"/>
+              </a:defRPr>
+            </a:lvl2pPr>
+            <a:lvl3pPr marL="914400" algn="l" defTabSz="914400" rtl="0" eaLnBrk="1" latinLnBrk="0" hangingPunct="1">
+              <a:defRPr kumimoji="1" sz="1800" kern="1200">
+                <a:solidFill>
+                  <a:schemeClr val="lt1"/>
+                </a:solidFill>
+                <a:latin typeface="+mn-lt"/>
+                <a:ea typeface="+mn-ea"/>
+                <a:cs typeface="+mn-cs"/>
+              </a:defRPr>
+            </a:lvl3pPr>
+            <a:lvl4pPr marL="1371600" algn="l" defTabSz="914400" rtl="0" eaLnBrk="1" latinLnBrk="0" hangingPunct="1">
+              <a:defRPr kumimoji="1" sz="1800" kern="1200">
+                <a:solidFill>
+                  <a:schemeClr val="lt1"/>
+                </a:solidFill>
+                <a:latin typeface="+mn-lt"/>
+                <a:ea typeface="+mn-ea"/>
+                <a:cs typeface="+mn-cs"/>
+              </a:defRPr>
+            </a:lvl4pPr>
+            <a:lvl5pPr marL="1828800" algn="l" defTabSz="914400" rtl="0" eaLnBrk="1" latinLnBrk="0" hangingPunct="1">
+              <a:defRPr kumimoji="1" sz="1800" kern="1200">
+                <a:solidFill>
+                  <a:schemeClr val="lt1"/>
+                </a:solidFill>
+                <a:latin typeface="+mn-lt"/>
+                <a:ea typeface="+mn-ea"/>
+                <a:cs typeface="+mn-cs"/>
+              </a:defRPr>
+            </a:lvl5pPr>
+            <a:lvl6pPr marL="2286000" algn="l" defTabSz="914400" rtl="0" eaLnBrk="1" latinLnBrk="0" hangingPunct="1">
+              <a:defRPr kumimoji="1" sz="1800" kern="1200">
+                <a:solidFill>
+                  <a:schemeClr val="lt1"/>
+                </a:solidFill>
+                <a:latin typeface="+mn-lt"/>
+                <a:ea typeface="+mn-ea"/>
+                <a:cs typeface="+mn-cs"/>
+              </a:defRPr>
+            </a:lvl6pPr>
+            <a:lvl7pPr marL="2743200" algn="l" defTabSz="914400" rtl="0" eaLnBrk="1" latinLnBrk="0" hangingPunct="1">
+              <a:defRPr kumimoji="1" sz="1800" kern="1200">
+                <a:solidFill>
+                  <a:schemeClr val="lt1"/>
+                </a:solidFill>
+                <a:latin typeface="+mn-lt"/>
+                <a:ea typeface="+mn-ea"/>
+                <a:cs typeface="+mn-cs"/>
+              </a:defRPr>
+            </a:lvl7pPr>
+            <a:lvl8pPr marL="3200400" algn="l" defTabSz="914400" rtl="0" eaLnBrk="1" latinLnBrk="0" hangingPunct="1">
+              <a:defRPr kumimoji="1" sz="1800" kern="1200">
+                <a:solidFill>
+                  <a:schemeClr val="lt1"/>
+                </a:solidFill>
+                <a:latin typeface="+mn-lt"/>
+                <a:ea typeface="+mn-ea"/>
+                <a:cs typeface="+mn-cs"/>
+              </a:defRPr>
+            </a:lvl8pPr>
+            <a:lvl9pPr marL="3657600" algn="l" defTabSz="914400" rtl="0" eaLnBrk="1" latinLnBrk="0" hangingPunct="1">
+              <a:defRPr kumimoji="1" sz="1800" kern="1200">
+                <a:solidFill>
+                  <a:schemeClr val="lt1"/>
+                </a:solidFill>
+                <a:latin typeface="+mn-lt"/>
+                <a:ea typeface="+mn-ea"/>
+                <a:cs typeface="+mn-cs"/>
+              </a:defRPr>
+            </a:lvl9pPr>
+          </a:lstStyle>
+          <a:p>
+            <a:pPr algn="ctr"/>
+            <a:endParaRPr kumimoji="1" lang="ja-JP" altLang="en-US"/>
+          </a:p>
+        </p:txBody>
+      </p:sp>
+      <p:sp>
+        <p:nvSpPr>
+          <p:cNvPr id="9" name="角丸四角形 8"/>
+          <p:cNvSpPr/>
+          <p:nvPr/>
+        </p:nvSpPr>
+        <p:spPr>
+          <a:xfrm>
+            <a:off x="5602604" y="1916387"/>
+            <a:ext cx="2606044" cy="1990514"/>
+          </a:xfrm>
+          <a:prstGeom prst="roundRect">
+            <a:avLst/>
+          </a:prstGeom>
+          <a:noFill/>
+          <a:ln w="28575">
+            <a:solidFill>
+              <a:srgbClr val="0000FF"/>
+            </a:solidFill>
+          </a:ln>
+        </p:spPr>
+        <p:style>
+          <a:lnRef idx="2">
+            <a:schemeClr val="accent1">
+              <a:shade val="50000"/>
+            </a:schemeClr>
+          </a:lnRef>
+          <a:fillRef idx="1">
+            <a:schemeClr val="accent1"/>
+          </a:fillRef>
+          <a:effectRef idx="0">
+            <a:schemeClr val="accent1"/>
+          </a:effectRef>
+          <a:fontRef idx="minor">
+            <a:schemeClr val="lt1"/>
+          </a:fontRef>
+        </p:style>
+        <p:txBody>
+          <a:bodyPr rtlCol="0" anchor="ctr"/>
+          <a:lstStyle>
+            <a:defPPr>
+              <a:defRPr lang="ja-JP"/>
+            </a:defPPr>
+            <a:lvl1pPr marL="0" algn="l" defTabSz="914400" rtl="0" eaLnBrk="1" latinLnBrk="0" hangingPunct="1">
+              <a:defRPr kumimoji="1" sz="1800" kern="1200">
+                <a:solidFill>
+                  <a:schemeClr val="lt1"/>
+                </a:solidFill>
+                <a:latin typeface="+mn-lt"/>
+                <a:ea typeface="+mn-ea"/>
+                <a:cs typeface="+mn-cs"/>
+              </a:defRPr>
+            </a:lvl1pPr>
+            <a:lvl2pPr marL="457200" algn="l" defTabSz="914400" rtl="0" eaLnBrk="1" latinLnBrk="0" hangingPunct="1">
+              <a:defRPr kumimoji="1" sz="1800" kern="1200">
+                <a:solidFill>
+                  <a:schemeClr val="lt1"/>
+                </a:solidFill>
+                <a:latin typeface="+mn-lt"/>
+                <a:ea typeface="+mn-ea"/>
+                <a:cs typeface="+mn-cs"/>
+              </a:defRPr>
+            </a:lvl2pPr>
+            <a:lvl3pPr marL="914400" algn="l" defTabSz="914400" rtl="0" eaLnBrk="1" latinLnBrk="0" hangingPunct="1">
+              <a:defRPr kumimoji="1" sz="1800" kern="1200">
+                <a:solidFill>
+                  <a:schemeClr val="lt1"/>
+                </a:solidFill>
+                <a:latin typeface="+mn-lt"/>
+                <a:ea typeface="+mn-ea"/>
+                <a:cs typeface="+mn-cs"/>
+              </a:defRPr>
+            </a:lvl3pPr>
+            <a:lvl4pPr marL="1371600" algn="l" defTabSz="914400" rtl="0" eaLnBrk="1" latinLnBrk="0" hangingPunct="1">
+              <a:defRPr kumimoji="1" sz="1800" kern="1200">
+                <a:solidFill>
+                  <a:schemeClr val="lt1"/>
+                </a:solidFill>
+                <a:latin typeface="+mn-lt"/>
+                <a:ea typeface="+mn-ea"/>
+                <a:cs typeface="+mn-cs"/>
+              </a:defRPr>
+            </a:lvl4pPr>
+            <a:lvl5pPr marL="1828800" algn="l" defTabSz="914400" rtl="0" eaLnBrk="1" latinLnBrk="0" hangingPunct="1">
+              <a:defRPr kumimoji="1" sz="1800" kern="1200">
+                <a:solidFill>
+                  <a:schemeClr val="lt1"/>
+                </a:solidFill>
+                <a:latin typeface="+mn-lt"/>
+                <a:ea typeface="+mn-ea"/>
+                <a:cs typeface="+mn-cs"/>
+              </a:defRPr>
+            </a:lvl5pPr>
+            <a:lvl6pPr marL="2286000" algn="l" defTabSz="914400" rtl="0" eaLnBrk="1" latinLnBrk="0" hangingPunct="1">
+              <a:defRPr kumimoji="1" sz="1800" kern="1200">
+                <a:solidFill>
+                  <a:schemeClr val="lt1"/>
+                </a:solidFill>
+                <a:latin typeface="+mn-lt"/>
+                <a:ea typeface="+mn-ea"/>
+                <a:cs typeface="+mn-cs"/>
+              </a:defRPr>
+            </a:lvl6pPr>
+            <a:lvl7pPr marL="2743200" algn="l" defTabSz="914400" rtl="0" eaLnBrk="1" latinLnBrk="0" hangingPunct="1">
+              <a:defRPr kumimoji="1" sz="1800" kern="1200">
+                <a:solidFill>
+                  <a:schemeClr val="lt1"/>
+                </a:solidFill>
+                <a:latin typeface="+mn-lt"/>
+                <a:ea typeface="+mn-ea"/>
+                <a:cs typeface="+mn-cs"/>
+              </a:defRPr>
+            </a:lvl7pPr>
+            <a:lvl8pPr marL="3200400" algn="l" defTabSz="914400" rtl="0" eaLnBrk="1" latinLnBrk="0" hangingPunct="1">
+              <a:defRPr kumimoji="1" sz="1800" kern="1200">
+                <a:solidFill>
+                  <a:schemeClr val="lt1"/>
+                </a:solidFill>
+                <a:latin typeface="+mn-lt"/>
+                <a:ea typeface="+mn-ea"/>
+                <a:cs typeface="+mn-cs"/>
+              </a:defRPr>
+            </a:lvl8pPr>
+            <a:lvl9pPr marL="3657600" algn="l" defTabSz="914400" rtl="0" eaLnBrk="1" latinLnBrk="0" hangingPunct="1">
+              <a:defRPr kumimoji="1" sz="1800" kern="1200">
+                <a:solidFill>
+                  <a:schemeClr val="lt1"/>
+                </a:solidFill>
+                <a:latin typeface="+mn-lt"/>
+                <a:ea typeface="+mn-ea"/>
+                <a:cs typeface="+mn-cs"/>
+              </a:defRPr>
+            </a:lvl9pPr>
+          </a:lstStyle>
+          <a:p>
+            <a:pPr algn="ctr"/>
+            <a:endParaRPr kumimoji="1" lang="ja-JP" altLang="en-US"/>
+          </a:p>
+        </p:txBody>
+      </p:sp>
+      <p:sp>
+        <p:nvSpPr>
+          <p:cNvPr id="10" name="角丸四角形 9"/>
+          <p:cNvSpPr/>
+          <p:nvPr/>
+        </p:nvSpPr>
+        <p:spPr>
+          <a:xfrm>
+            <a:off x="5592561" y="4065227"/>
+            <a:ext cx="2606044" cy="1015154"/>
+          </a:xfrm>
+          <a:prstGeom prst="roundRect">
+            <a:avLst/>
+          </a:prstGeom>
+          <a:noFill/>
+          <a:ln w="28575">
+            <a:solidFill>
+              <a:srgbClr val="0000FF"/>
+            </a:solidFill>
+          </a:ln>
+        </p:spPr>
+        <p:style>
+          <a:lnRef idx="2">
+            <a:schemeClr val="accent1">
+              <a:shade val="50000"/>
+            </a:schemeClr>
+          </a:lnRef>
+          <a:fillRef idx="1">
+            <a:schemeClr val="accent1"/>
+          </a:fillRef>
+          <a:effectRef idx="0">
+            <a:schemeClr val="accent1"/>
+          </a:effectRef>
+          <a:fontRef idx="minor">
+            <a:schemeClr val="lt1"/>
+          </a:fontRef>
+        </p:style>
+        <p:txBody>
+          <a:bodyPr rtlCol="0" anchor="ctr"/>
+          <a:lstStyle>
+            <a:defPPr>
+              <a:defRPr lang="ja-JP"/>
+            </a:defPPr>
+            <a:lvl1pPr marL="0" algn="l" defTabSz="914400" rtl="0" eaLnBrk="1" latinLnBrk="0" hangingPunct="1">
+              <a:defRPr kumimoji="1" sz="1800" kern="1200">
+                <a:solidFill>
+                  <a:schemeClr val="lt1"/>
+                </a:solidFill>
+                <a:latin typeface="+mn-lt"/>
+                <a:ea typeface="+mn-ea"/>
+                <a:cs typeface="+mn-cs"/>
+              </a:defRPr>
+            </a:lvl1pPr>
+            <a:lvl2pPr marL="457200" algn="l" defTabSz="914400" rtl="0" eaLnBrk="1" latinLnBrk="0" hangingPunct="1">
+              <a:defRPr kumimoji="1" sz="1800" kern="1200">
+                <a:solidFill>
+                  <a:schemeClr val="lt1"/>
+                </a:solidFill>
+                <a:latin typeface="+mn-lt"/>
+                <a:ea typeface="+mn-ea"/>
+                <a:cs typeface="+mn-cs"/>
+              </a:defRPr>
+            </a:lvl2pPr>
+            <a:lvl3pPr marL="914400" algn="l" defTabSz="914400" rtl="0" eaLnBrk="1" latinLnBrk="0" hangingPunct="1">
+              <a:defRPr kumimoji="1" sz="1800" kern="1200">
+                <a:solidFill>
+                  <a:schemeClr val="lt1"/>
+                </a:solidFill>
+                <a:latin typeface="+mn-lt"/>
+                <a:ea typeface="+mn-ea"/>
+                <a:cs typeface="+mn-cs"/>
+              </a:defRPr>
+            </a:lvl3pPr>
+            <a:lvl4pPr marL="1371600" algn="l" defTabSz="914400" rtl="0" eaLnBrk="1" latinLnBrk="0" hangingPunct="1">
+              <a:defRPr kumimoji="1" sz="1800" kern="1200">
+                <a:solidFill>
+                  <a:schemeClr val="lt1"/>
+                </a:solidFill>
+                <a:latin typeface="+mn-lt"/>
+                <a:ea typeface="+mn-ea"/>
+                <a:cs typeface="+mn-cs"/>
+              </a:defRPr>
+            </a:lvl4pPr>
+            <a:lvl5pPr marL="1828800" algn="l" defTabSz="914400" rtl="0" eaLnBrk="1" latinLnBrk="0" hangingPunct="1">
+              <a:defRPr kumimoji="1" sz="1800" kern="1200">
+                <a:solidFill>
+                  <a:schemeClr val="lt1"/>
+                </a:solidFill>
+                <a:latin typeface="+mn-lt"/>
+                <a:ea typeface="+mn-ea"/>
+                <a:cs typeface="+mn-cs"/>
+              </a:defRPr>
+            </a:lvl5pPr>
+            <a:lvl6pPr marL="2286000" algn="l" defTabSz="914400" rtl="0" eaLnBrk="1" latinLnBrk="0" hangingPunct="1">
+              <a:defRPr kumimoji="1" sz="1800" kern="1200">
+                <a:solidFill>
+                  <a:schemeClr val="lt1"/>
+                </a:solidFill>
+                <a:latin typeface="+mn-lt"/>
+                <a:ea typeface="+mn-ea"/>
+                <a:cs typeface="+mn-cs"/>
+              </a:defRPr>
+            </a:lvl6pPr>
+            <a:lvl7pPr marL="2743200" algn="l" defTabSz="914400" rtl="0" eaLnBrk="1" latinLnBrk="0" hangingPunct="1">
+              <a:defRPr kumimoji="1" sz="1800" kern="1200">
+                <a:solidFill>
+                  <a:schemeClr val="lt1"/>
+                </a:solidFill>
+                <a:latin typeface="+mn-lt"/>
+                <a:ea typeface="+mn-ea"/>
+                <a:cs typeface="+mn-cs"/>
+              </a:defRPr>
+            </a:lvl7pPr>
+            <a:lvl8pPr marL="3200400" algn="l" defTabSz="914400" rtl="0" eaLnBrk="1" latinLnBrk="0" hangingPunct="1">
+              <a:defRPr kumimoji="1" sz="1800" kern="1200">
+                <a:solidFill>
+                  <a:schemeClr val="lt1"/>
+                </a:solidFill>
+                <a:latin typeface="+mn-lt"/>
+                <a:ea typeface="+mn-ea"/>
+                <a:cs typeface="+mn-cs"/>
+              </a:defRPr>
+            </a:lvl8pPr>
+            <a:lvl9pPr marL="3657600" algn="l" defTabSz="914400" rtl="0" eaLnBrk="1" latinLnBrk="0" hangingPunct="1">
+              <a:defRPr kumimoji="1" sz="1800" kern="1200">
+                <a:solidFill>
+                  <a:schemeClr val="lt1"/>
+                </a:solidFill>
+                <a:latin typeface="+mn-lt"/>
+                <a:ea typeface="+mn-ea"/>
+                <a:cs typeface="+mn-cs"/>
+              </a:defRPr>
+            </a:lvl9pPr>
+          </a:lstStyle>
+          <a:p>
+            <a:pPr algn="ctr"/>
+            <a:endParaRPr kumimoji="1" lang="ja-JP" altLang="en-US"/>
+          </a:p>
+        </p:txBody>
+      </p:sp>
+      <p:sp>
+        <p:nvSpPr>
+          <p:cNvPr id="11" name="角丸四角形 10"/>
+          <p:cNvSpPr/>
+          <p:nvPr/>
+        </p:nvSpPr>
+        <p:spPr>
+          <a:xfrm>
+            <a:off x="3301368" y="1916387"/>
+            <a:ext cx="572887" cy="283634"/>
+          </a:xfrm>
+          <a:prstGeom prst="roundRect">
+            <a:avLst/>
+          </a:prstGeom>
+          <a:solidFill>
+            <a:srgbClr val="0000FF"/>
+          </a:solidFill>
+          <a:ln>
+            <a:noFill/>
+          </a:ln>
+        </p:spPr>
+        <p:style>
+          <a:lnRef idx="2">
+            <a:schemeClr val="accent1">
+              <a:shade val="50000"/>
+            </a:schemeClr>
+          </a:lnRef>
+          <a:fillRef idx="1">
+            <a:schemeClr val="accent1"/>
+          </a:fillRef>
+          <a:effectRef idx="0">
+            <a:schemeClr val="accent1"/>
+          </a:effectRef>
+          <a:fontRef idx="minor">
+            <a:schemeClr val="lt1"/>
+          </a:fontRef>
+        </p:style>
+        <p:txBody>
+          <a:bodyPr rtlCol="0" anchor="ctr"/>
+          <a:lstStyle>
+            <a:defPPr>
+              <a:defRPr lang="ja-JP"/>
+            </a:defPPr>
+            <a:lvl1pPr marL="0" algn="l" defTabSz="914400" rtl="0" eaLnBrk="1" latinLnBrk="0" hangingPunct="1">
+              <a:defRPr kumimoji="1" sz="1800" kern="1200">
+                <a:solidFill>
+                  <a:schemeClr val="lt1"/>
+                </a:solidFill>
+                <a:latin typeface="+mn-lt"/>
+                <a:ea typeface="+mn-ea"/>
+                <a:cs typeface="+mn-cs"/>
+              </a:defRPr>
+            </a:lvl1pPr>
+            <a:lvl2pPr marL="457200" algn="l" defTabSz="914400" rtl="0" eaLnBrk="1" latinLnBrk="0" hangingPunct="1">
+              <a:defRPr kumimoji="1" sz="1800" kern="1200">
+                <a:solidFill>
+                  <a:schemeClr val="lt1"/>
+                </a:solidFill>
+                <a:latin typeface="+mn-lt"/>
+                <a:ea typeface="+mn-ea"/>
+                <a:cs typeface="+mn-cs"/>
+              </a:defRPr>
+            </a:lvl2pPr>
+            <a:lvl3pPr marL="914400" algn="l" defTabSz="914400" rtl="0" eaLnBrk="1" latinLnBrk="0" hangingPunct="1">
+              <a:defRPr kumimoji="1" sz="1800" kern="1200">
+                <a:solidFill>
+                  <a:schemeClr val="lt1"/>
+                </a:solidFill>
+                <a:latin typeface="+mn-lt"/>
+                <a:ea typeface="+mn-ea"/>
+                <a:cs typeface="+mn-cs"/>
+              </a:defRPr>
+            </a:lvl3pPr>
+            <a:lvl4pPr marL="1371600" algn="l" defTabSz="914400" rtl="0" eaLnBrk="1" latinLnBrk="0" hangingPunct="1">
+              <a:defRPr kumimoji="1" sz="1800" kern="1200">
+                <a:solidFill>
+                  <a:schemeClr val="lt1"/>
+                </a:solidFill>
+                <a:latin typeface="+mn-lt"/>
+                <a:ea typeface="+mn-ea"/>
+                <a:cs typeface="+mn-cs"/>
+              </a:defRPr>
+            </a:lvl4pPr>
+            <a:lvl5pPr marL="1828800" algn="l" defTabSz="914400" rtl="0" eaLnBrk="1" latinLnBrk="0" hangingPunct="1">
+              <a:defRPr kumimoji="1" sz="1800" kern="1200">
+                <a:solidFill>
+                  <a:schemeClr val="lt1"/>
+                </a:solidFill>
+                <a:latin typeface="+mn-lt"/>
+                <a:ea typeface="+mn-ea"/>
+                <a:cs typeface="+mn-cs"/>
+              </a:defRPr>
+            </a:lvl5pPr>
+            <a:lvl6pPr marL="2286000" algn="l" defTabSz="914400" rtl="0" eaLnBrk="1" latinLnBrk="0" hangingPunct="1">
+              <a:defRPr kumimoji="1" sz="1800" kern="1200">
+                <a:solidFill>
+                  <a:schemeClr val="lt1"/>
+                </a:solidFill>
+                <a:latin typeface="+mn-lt"/>
+                <a:ea typeface="+mn-ea"/>
+                <a:cs typeface="+mn-cs"/>
+              </a:defRPr>
+            </a:lvl6pPr>
+            <a:lvl7pPr marL="2743200" algn="l" defTabSz="914400" rtl="0" eaLnBrk="1" latinLnBrk="0" hangingPunct="1">
+              <a:defRPr kumimoji="1" sz="1800" kern="1200">
+                <a:solidFill>
+                  <a:schemeClr val="lt1"/>
+                </a:solidFill>
+                <a:latin typeface="+mn-lt"/>
+                <a:ea typeface="+mn-ea"/>
+                <a:cs typeface="+mn-cs"/>
+              </a:defRPr>
+            </a:lvl7pPr>
+            <a:lvl8pPr marL="3200400" algn="l" defTabSz="914400" rtl="0" eaLnBrk="1" latinLnBrk="0" hangingPunct="1">
+              <a:defRPr kumimoji="1" sz="1800" kern="1200">
+                <a:solidFill>
+                  <a:schemeClr val="lt1"/>
+                </a:solidFill>
+                <a:latin typeface="+mn-lt"/>
+                <a:ea typeface="+mn-ea"/>
+                <a:cs typeface="+mn-cs"/>
+              </a:defRPr>
+            </a:lvl8pPr>
+            <a:lvl9pPr marL="3657600" algn="l" defTabSz="914400" rtl="0" eaLnBrk="1" latinLnBrk="0" hangingPunct="1">
+              <a:defRPr kumimoji="1" sz="1800" kern="1200">
+                <a:solidFill>
+                  <a:schemeClr val="lt1"/>
+                </a:solidFill>
+                <a:latin typeface="+mn-lt"/>
+                <a:ea typeface="+mn-ea"/>
+                <a:cs typeface="+mn-cs"/>
+              </a:defRPr>
+            </a:lvl9pPr>
+          </a:lstStyle>
+          <a:p>
+            <a:pPr algn="ctr"/>
+            <a:r>
+              <a:rPr lang="en-US" altLang="ja-JP" sz="1600" dirty="0" smtClean="0"/>
+              <a:t>d1</a:t>
+            </a:r>
+            <a:endParaRPr kumimoji="1" lang="ja-JP" altLang="en-US" sz="1600" dirty="0"/>
+          </a:p>
+        </p:txBody>
+      </p:sp>
+      <p:sp>
+        <p:nvSpPr>
+          <p:cNvPr id="12" name="角丸四角形 11"/>
+          <p:cNvSpPr/>
+          <p:nvPr/>
+        </p:nvSpPr>
+        <p:spPr>
+          <a:xfrm>
+            <a:off x="3301367" y="2656374"/>
+            <a:ext cx="572887" cy="283634"/>
+          </a:xfrm>
+          <a:prstGeom prst="roundRect">
+            <a:avLst/>
+          </a:prstGeom>
+          <a:solidFill>
+            <a:srgbClr val="0000FF"/>
+          </a:solidFill>
+          <a:ln>
+            <a:noFill/>
+          </a:ln>
+        </p:spPr>
+        <p:style>
+          <a:lnRef idx="2">
+            <a:schemeClr val="accent1">
+              <a:shade val="50000"/>
+            </a:schemeClr>
+          </a:lnRef>
+          <a:fillRef idx="1">
+            <a:schemeClr val="accent1"/>
+          </a:fillRef>
+          <a:effectRef idx="0">
+            <a:schemeClr val="accent1"/>
+          </a:effectRef>
+          <a:fontRef idx="minor">
+            <a:schemeClr val="lt1"/>
+          </a:fontRef>
+        </p:style>
+        <p:txBody>
+          <a:bodyPr rtlCol="0" anchor="ctr"/>
+          <a:lstStyle>
+            <a:defPPr>
+              <a:defRPr lang="ja-JP"/>
+            </a:defPPr>
+            <a:lvl1pPr marL="0" algn="l" defTabSz="914400" rtl="0" eaLnBrk="1" latinLnBrk="0" hangingPunct="1">
+              <a:defRPr kumimoji="1" sz="1800" kern="1200">
+                <a:solidFill>
+                  <a:schemeClr val="lt1"/>
+                </a:solidFill>
+                <a:latin typeface="+mn-lt"/>
+                <a:ea typeface="+mn-ea"/>
+                <a:cs typeface="+mn-cs"/>
+              </a:defRPr>
+            </a:lvl1pPr>
+            <a:lvl2pPr marL="457200" algn="l" defTabSz="914400" rtl="0" eaLnBrk="1" latinLnBrk="0" hangingPunct="1">
+              <a:defRPr kumimoji="1" sz="1800" kern="1200">
+                <a:solidFill>
+                  <a:schemeClr val="lt1"/>
+                </a:solidFill>
+                <a:latin typeface="+mn-lt"/>
+                <a:ea typeface="+mn-ea"/>
+                <a:cs typeface="+mn-cs"/>
+              </a:defRPr>
+            </a:lvl2pPr>
+            <a:lvl3pPr marL="914400" algn="l" defTabSz="914400" rtl="0" eaLnBrk="1" latinLnBrk="0" hangingPunct="1">
+              <a:defRPr kumimoji="1" sz="1800" kern="1200">
+                <a:solidFill>
+                  <a:schemeClr val="lt1"/>
+                </a:solidFill>
+                <a:latin typeface="+mn-lt"/>
+                <a:ea typeface="+mn-ea"/>
+                <a:cs typeface="+mn-cs"/>
+              </a:defRPr>
+            </a:lvl3pPr>
+            <a:lvl4pPr marL="1371600" algn="l" defTabSz="914400" rtl="0" eaLnBrk="1" latinLnBrk="0" hangingPunct="1">
+              <a:defRPr kumimoji="1" sz="1800" kern="1200">
+                <a:solidFill>
+                  <a:schemeClr val="lt1"/>
+                </a:solidFill>
+                <a:latin typeface="+mn-lt"/>
+                <a:ea typeface="+mn-ea"/>
+                <a:cs typeface="+mn-cs"/>
+              </a:defRPr>
+            </a:lvl4pPr>
+            <a:lvl5pPr marL="1828800" algn="l" defTabSz="914400" rtl="0" eaLnBrk="1" latinLnBrk="0" hangingPunct="1">
+              <a:defRPr kumimoji="1" sz="1800" kern="1200">
+                <a:solidFill>
+                  <a:schemeClr val="lt1"/>
+                </a:solidFill>
+                <a:latin typeface="+mn-lt"/>
+                <a:ea typeface="+mn-ea"/>
+                <a:cs typeface="+mn-cs"/>
+              </a:defRPr>
+            </a:lvl5pPr>
+            <a:lvl6pPr marL="2286000" algn="l" defTabSz="914400" rtl="0" eaLnBrk="1" latinLnBrk="0" hangingPunct="1">
+              <a:defRPr kumimoji="1" sz="1800" kern="1200">
+                <a:solidFill>
+                  <a:schemeClr val="lt1"/>
+                </a:solidFill>
+                <a:latin typeface="+mn-lt"/>
+                <a:ea typeface="+mn-ea"/>
+                <a:cs typeface="+mn-cs"/>
+              </a:defRPr>
+            </a:lvl6pPr>
+            <a:lvl7pPr marL="2743200" algn="l" defTabSz="914400" rtl="0" eaLnBrk="1" latinLnBrk="0" hangingPunct="1">
+              <a:defRPr kumimoji="1" sz="1800" kern="1200">
+                <a:solidFill>
+                  <a:schemeClr val="lt1"/>
+                </a:solidFill>
+                <a:latin typeface="+mn-lt"/>
+                <a:ea typeface="+mn-ea"/>
+                <a:cs typeface="+mn-cs"/>
+              </a:defRPr>
+            </a:lvl7pPr>
+            <a:lvl8pPr marL="3200400" algn="l" defTabSz="914400" rtl="0" eaLnBrk="1" latinLnBrk="0" hangingPunct="1">
+              <a:defRPr kumimoji="1" sz="1800" kern="1200">
+                <a:solidFill>
+                  <a:schemeClr val="lt1"/>
+                </a:solidFill>
+                <a:latin typeface="+mn-lt"/>
+                <a:ea typeface="+mn-ea"/>
+                <a:cs typeface="+mn-cs"/>
+              </a:defRPr>
+            </a:lvl8pPr>
+            <a:lvl9pPr marL="3657600" algn="l" defTabSz="914400" rtl="0" eaLnBrk="1" latinLnBrk="0" hangingPunct="1">
+              <a:defRPr kumimoji="1" sz="1800" kern="1200">
+                <a:solidFill>
+                  <a:schemeClr val="lt1"/>
+                </a:solidFill>
+                <a:latin typeface="+mn-lt"/>
+                <a:ea typeface="+mn-ea"/>
+                <a:cs typeface="+mn-cs"/>
+              </a:defRPr>
+            </a:lvl9pPr>
+          </a:lstStyle>
+          <a:p>
+            <a:pPr algn="ctr"/>
+            <a:r>
+              <a:rPr lang="en-US" altLang="ja-JP" sz="1600" dirty="0" smtClean="0"/>
+              <a:t>d2</a:t>
+            </a:r>
+            <a:endParaRPr kumimoji="1" lang="ja-JP" altLang="en-US" sz="1600" dirty="0"/>
+          </a:p>
+        </p:txBody>
+      </p:sp>
+      <p:sp>
+        <p:nvSpPr>
+          <p:cNvPr id="13" name="角丸四角形 12"/>
+          <p:cNvSpPr/>
+          <p:nvPr/>
+        </p:nvSpPr>
+        <p:spPr>
+          <a:xfrm>
+            <a:off x="3301366" y="3588130"/>
+            <a:ext cx="572887" cy="283634"/>
+          </a:xfrm>
+          <a:prstGeom prst="roundRect">
+            <a:avLst/>
+          </a:prstGeom>
+          <a:solidFill>
+            <a:srgbClr val="0000FF"/>
+          </a:solidFill>
+          <a:ln>
+            <a:noFill/>
+          </a:ln>
+        </p:spPr>
+        <p:style>
+          <a:lnRef idx="2">
+            <a:schemeClr val="accent1">
+              <a:shade val="50000"/>
+            </a:schemeClr>
+          </a:lnRef>
+          <a:fillRef idx="1">
+            <a:schemeClr val="accent1"/>
+          </a:fillRef>
+          <a:effectRef idx="0">
+            <a:schemeClr val="accent1"/>
+          </a:effectRef>
+          <a:fontRef idx="minor">
+            <a:schemeClr val="lt1"/>
+          </a:fontRef>
+        </p:style>
+        <p:txBody>
+          <a:bodyPr rtlCol="0" anchor="ctr"/>
+          <a:lstStyle>
+            <a:defPPr>
+              <a:defRPr lang="ja-JP"/>
+            </a:defPPr>
+            <a:lvl1pPr marL="0" algn="l" defTabSz="914400" rtl="0" eaLnBrk="1" latinLnBrk="0" hangingPunct="1">
+              <a:defRPr kumimoji="1" sz="1800" kern="1200">
+                <a:solidFill>
+                  <a:schemeClr val="lt1"/>
+                </a:solidFill>
+                <a:latin typeface="+mn-lt"/>
+                <a:ea typeface="+mn-ea"/>
+                <a:cs typeface="+mn-cs"/>
+              </a:defRPr>
+            </a:lvl1pPr>
+            <a:lvl2pPr marL="457200" algn="l" defTabSz="914400" rtl="0" eaLnBrk="1" latinLnBrk="0" hangingPunct="1">
+              <a:defRPr kumimoji="1" sz="1800" kern="1200">
+                <a:solidFill>
+                  <a:schemeClr val="lt1"/>
+                </a:solidFill>
+                <a:latin typeface="+mn-lt"/>
+                <a:ea typeface="+mn-ea"/>
+                <a:cs typeface="+mn-cs"/>
+              </a:defRPr>
+            </a:lvl2pPr>
+            <a:lvl3pPr marL="914400" algn="l" defTabSz="914400" rtl="0" eaLnBrk="1" latinLnBrk="0" hangingPunct="1">
+              <a:defRPr kumimoji="1" sz="1800" kern="1200">
+                <a:solidFill>
+                  <a:schemeClr val="lt1"/>
+                </a:solidFill>
+                <a:latin typeface="+mn-lt"/>
+                <a:ea typeface="+mn-ea"/>
+                <a:cs typeface="+mn-cs"/>
+              </a:defRPr>
+            </a:lvl3pPr>
+            <a:lvl4pPr marL="1371600" algn="l" defTabSz="914400" rtl="0" eaLnBrk="1" latinLnBrk="0" hangingPunct="1">
+              <a:defRPr kumimoji="1" sz="1800" kern="1200">
+                <a:solidFill>
+                  <a:schemeClr val="lt1"/>
+                </a:solidFill>
+                <a:latin typeface="+mn-lt"/>
+                <a:ea typeface="+mn-ea"/>
+                <a:cs typeface="+mn-cs"/>
+              </a:defRPr>
+            </a:lvl4pPr>
+            <a:lvl5pPr marL="1828800" algn="l" defTabSz="914400" rtl="0" eaLnBrk="1" latinLnBrk="0" hangingPunct="1">
+              <a:defRPr kumimoji="1" sz="1800" kern="1200">
+                <a:solidFill>
+                  <a:schemeClr val="lt1"/>
+                </a:solidFill>
+                <a:latin typeface="+mn-lt"/>
+                <a:ea typeface="+mn-ea"/>
+                <a:cs typeface="+mn-cs"/>
+              </a:defRPr>
+            </a:lvl5pPr>
+            <a:lvl6pPr marL="2286000" algn="l" defTabSz="914400" rtl="0" eaLnBrk="1" latinLnBrk="0" hangingPunct="1">
+              <a:defRPr kumimoji="1" sz="1800" kern="1200">
+                <a:solidFill>
+                  <a:schemeClr val="lt1"/>
+                </a:solidFill>
+                <a:latin typeface="+mn-lt"/>
+                <a:ea typeface="+mn-ea"/>
+                <a:cs typeface="+mn-cs"/>
+              </a:defRPr>
+            </a:lvl6pPr>
+            <a:lvl7pPr marL="2743200" algn="l" defTabSz="914400" rtl="0" eaLnBrk="1" latinLnBrk="0" hangingPunct="1">
+              <a:defRPr kumimoji="1" sz="1800" kern="1200">
+                <a:solidFill>
+                  <a:schemeClr val="lt1"/>
+                </a:solidFill>
+                <a:latin typeface="+mn-lt"/>
+                <a:ea typeface="+mn-ea"/>
+                <a:cs typeface="+mn-cs"/>
+              </a:defRPr>
+            </a:lvl7pPr>
+            <a:lvl8pPr marL="3200400" algn="l" defTabSz="914400" rtl="0" eaLnBrk="1" latinLnBrk="0" hangingPunct="1">
+              <a:defRPr kumimoji="1" sz="1800" kern="1200">
+                <a:solidFill>
+                  <a:schemeClr val="lt1"/>
+                </a:solidFill>
+                <a:latin typeface="+mn-lt"/>
+                <a:ea typeface="+mn-ea"/>
+                <a:cs typeface="+mn-cs"/>
+              </a:defRPr>
+            </a:lvl8pPr>
+            <a:lvl9pPr marL="3657600" algn="l" defTabSz="914400" rtl="0" eaLnBrk="1" latinLnBrk="0" hangingPunct="1">
+              <a:defRPr kumimoji="1" sz="1800" kern="1200">
+                <a:solidFill>
+                  <a:schemeClr val="lt1"/>
+                </a:solidFill>
+                <a:latin typeface="+mn-lt"/>
+                <a:ea typeface="+mn-ea"/>
+                <a:cs typeface="+mn-cs"/>
+              </a:defRPr>
+            </a:lvl9pPr>
+          </a:lstStyle>
+          <a:p>
+            <a:pPr algn="ctr"/>
+            <a:r>
+              <a:rPr lang="en-US" altLang="ja-JP" sz="1600" dirty="0" smtClean="0"/>
+              <a:t>d3</a:t>
+            </a:r>
+            <a:endParaRPr kumimoji="1" lang="ja-JP" altLang="en-US" sz="1600" dirty="0"/>
+          </a:p>
+        </p:txBody>
+      </p:sp>
+      <p:sp>
+        <p:nvSpPr>
+          <p:cNvPr id="14" name="角丸四角形 13"/>
+          <p:cNvSpPr/>
+          <p:nvPr/>
+        </p:nvSpPr>
+        <p:spPr>
+          <a:xfrm>
+            <a:off x="3301365" y="4660434"/>
+            <a:ext cx="572887" cy="283634"/>
+          </a:xfrm>
+          <a:prstGeom prst="roundRect">
+            <a:avLst/>
+          </a:prstGeom>
+          <a:solidFill>
+            <a:srgbClr val="0000FF"/>
+          </a:solidFill>
+          <a:ln>
+            <a:noFill/>
+          </a:ln>
+        </p:spPr>
+        <p:style>
+          <a:lnRef idx="2">
+            <a:schemeClr val="accent1">
+              <a:shade val="50000"/>
+            </a:schemeClr>
+          </a:lnRef>
+          <a:fillRef idx="1">
+            <a:schemeClr val="accent1"/>
+          </a:fillRef>
+          <a:effectRef idx="0">
+            <a:schemeClr val="accent1"/>
+          </a:effectRef>
+          <a:fontRef idx="minor">
+            <a:schemeClr val="lt1"/>
+          </a:fontRef>
+        </p:style>
+        <p:txBody>
+          <a:bodyPr rtlCol="0" anchor="ctr"/>
+          <a:lstStyle>
+            <a:defPPr>
+              <a:defRPr lang="ja-JP"/>
+            </a:defPPr>
+            <a:lvl1pPr marL="0" algn="l" defTabSz="914400" rtl="0" eaLnBrk="1" latinLnBrk="0" hangingPunct="1">
+              <a:defRPr kumimoji="1" sz="1800" kern="1200">
+                <a:solidFill>
+                  <a:schemeClr val="lt1"/>
+                </a:solidFill>
+                <a:latin typeface="+mn-lt"/>
+                <a:ea typeface="+mn-ea"/>
+                <a:cs typeface="+mn-cs"/>
+              </a:defRPr>
+            </a:lvl1pPr>
+            <a:lvl2pPr marL="457200" algn="l" defTabSz="914400" rtl="0" eaLnBrk="1" latinLnBrk="0" hangingPunct="1">
+              <a:defRPr kumimoji="1" sz="1800" kern="1200">
+                <a:solidFill>
+                  <a:schemeClr val="lt1"/>
+                </a:solidFill>
+                <a:latin typeface="+mn-lt"/>
+                <a:ea typeface="+mn-ea"/>
+                <a:cs typeface="+mn-cs"/>
+              </a:defRPr>
+            </a:lvl2pPr>
+            <a:lvl3pPr marL="914400" algn="l" defTabSz="914400" rtl="0" eaLnBrk="1" latinLnBrk="0" hangingPunct="1">
+              <a:defRPr kumimoji="1" sz="1800" kern="1200">
+                <a:solidFill>
+                  <a:schemeClr val="lt1"/>
+                </a:solidFill>
+                <a:latin typeface="+mn-lt"/>
+                <a:ea typeface="+mn-ea"/>
+                <a:cs typeface="+mn-cs"/>
+              </a:defRPr>
+            </a:lvl3pPr>
+            <a:lvl4pPr marL="1371600" algn="l" defTabSz="914400" rtl="0" eaLnBrk="1" latinLnBrk="0" hangingPunct="1">
+              <a:defRPr kumimoji="1" sz="1800" kern="1200">
+                <a:solidFill>
+                  <a:schemeClr val="lt1"/>
+                </a:solidFill>
+                <a:latin typeface="+mn-lt"/>
+                <a:ea typeface="+mn-ea"/>
+                <a:cs typeface="+mn-cs"/>
+              </a:defRPr>
+            </a:lvl4pPr>
+            <a:lvl5pPr marL="1828800" algn="l" defTabSz="914400" rtl="0" eaLnBrk="1" latinLnBrk="0" hangingPunct="1">
+              <a:defRPr kumimoji="1" sz="1800" kern="1200">
+                <a:solidFill>
+                  <a:schemeClr val="lt1"/>
+                </a:solidFill>
+                <a:latin typeface="+mn-lt"/>
+                <a:ea typeface="+mn-ea"/>
+                <a:cs typeface="+mn-cs"/>
+              </a:defRPr>
+            </a:lvl5pPr>
+            <a:lvl6pPr marL="2286000" algn="l" defTabSz="914400" rtl="0" eaLnBrk="1" latinLnBrk="0" hangingPunct="1">
+              <a:defRPr kumimoji="1" sz="1800" kern="1200">
+                <a:solidFill>
+                  <a:schemeClr val="lt1"/>
+                </a:solidFill>
+                <a:latin typeface="+mn-lt"/>
+                <a:ea typeface="+mn-ea"/>
+                <a:cs typeface="+mn-cs"/>
+              </a:defRPr>
+            </a:lvl6pPr>
+            <a:lvl7pPr marL="2743200" algn="l" defTabSz="914400" rtl="0" eaLnBrk="1" latinLnBrk="0" hangingPunct="1">
+              <a:defRPr kumimoji="1" sz="1800" kern="1200">
+                <a:solidFill>
+                  <a:schemeClr val="lt1"/>
+                </a:solidFill>
+                <a:latin typeface="+mn-lt"/>
+                <a:ea typeface="+mn-ea"/>
+                <a:cs typeface="+mn-cs"/>
+              </a:defRPr>
+            </a:lvl7pPr>
+            <a:lvl8pPr marL="3200400" algn="l" defTabSz="914400" rtl="0" eaLnBrk="1" latinLnBrk="0" hangingPunct="1">
+              <a:defRPr kumimoji="1" sz="1800" kern="1200">
+                <a:solidFill>
+                  <a:schemeClr val="lt1"/>
+                </a:solidFill>
+                <a:latin typeface="+mn-lt"/>
+                <a:ea typeface="+mn-ea"/>
+                <a:cs typeface="+mn-cs"/>
+              </a:defRPr>
+            </a:lvl8pPr>
+            <a:lvl9pPr marL="3657600" algn="l" defTabSz="914400" rtl="0" eaLnBrk="1" latinLnBrk="0" hangingPunct="1">
+              <a:defRPr kumimoji="1" sz="1800" kern="1200">
+                <a:solidFill>
+                  <a:schemeClr val="lt1"/>
+                </a:solidFill>
+                <a:latin typeface="+mn-lt"/>
+                <a:ea typeface="+mn-ea"/>
+                <a:cs typeface="+mn-cs"/>
+              </a:defRPr>
+            </a:lvl9pPr>
+          </a:lstStyle>
+          <a:p>
+            <a:pPr algn="ctr"/>
+            <a:r>
+              <a:rPr lang="en-US" altLang="ja-JP" sz="1600" dirty="0" smtClean="0"/>
+              <a:t>d4</a:t>
+            </a:r>
+            <a:endParaRPr kumimoji="1" lang="ja-JP" altLang="en-US" sz="1600" dirty="0"/>
+          </a:p>
+        </p:txBody>
+      </p:sp>
+      <p:sp>
+        <p:nvSpPr>
+          <p:cNvPr id="15" name="角丸四角形 14"/>
+          <p:cNvSpPr/>
+          <p:nvPr/>
+        </p:nvSpPr>
+        <p:spPr>
+          <a:xfrm>
+            <a:off x="3301364" y="5513874"/>
+            <a:ext cx="572887" cy="283634"/>
+          </a:xfrm>
+          <a:prstGeom prst="roundRect">
+            <a:avLst/>
+          </a:prstGeom>
+          <a:solidFill>
+            <a:srgbClr val="0000FF"/>
+          </a:solidFill>
+          <a:ln>
+            <a:noFill/>
+          </a:ln>
+        </p:spPr>
+        <p:style>
+          <a:lnRef idx="2">
+            <a:schemeClr val="accent1">
+              <a:shade val="50000"/>
+            </a:schemeClr>
+          </a:lnRef>
+          <a:fillRef idx="1">
+            <a:schemeClr val="accent1"/>
+          </a:fillRef>
+          <a:effectRef idx="0">
+            <a:schemeClr val="accent1"/>
+          </a:effectRef>
+          <a:fontRef idx="minor">
+            <a:schemeClr val="lt1"/>
+          </a:fontRef>
+        </p:style>
+        <p:txBody>
+          <a:bodyPr rtlCol="0" anchor="ctr"/>
+          <a:lstStyle>
+            <a:defPPr>
+              <a:defRPr lang="ja-JP"/>
+            </a:defPPr>
+            <a:lvl1pPr marL="0" algn="l" defTabSz="914400" rtl="0" eaLnBrk="1" latinLnBrk="0" hangingPunct="1">
+              <a:defRPr kumimoji="1" sz="1800" kern="1200">
+                <a:solidFill>
+                  <a:schemeClr val="lt1"/>
+                </a:solidFill>
+                <a:latin typeface="+mn-lt"/>
+                <a:ea typeface="+mn-ea"/>
+                <a:cs typeface="+mn-cs"/>
+              </a:defRPr>
+            </a:lvl1pPr>
+            <a:lvl2pPr marL="457200" algn="l" defTabSz="914400" rtl="0" eaLnBrk="1" latinLnBrk="0" hangingPunct="1">
+              <a:defRPr kumimoji="1" sz="1800" kern="1200">
+                <a:solidFill>
+                  <a:schemeClr val="lt1"/>
+                </a:solidFill>
+                <a:latin typeface="+mn-lt"/>
+                <a:ea typeface="+mn-ea"/>
+                <a:cs typeface="+mn-cs"/>
+              </a:defRPr>
+            </a:lvl2pPr>
+            <a:lvl3pPr marL="914400" algn="l" defTabSz="914400" rtl="0" eaLnBrk="1" latinLnBrk="0" hangingPunct="1">
+              <a:defRPr kumimoji="1" sz="1800" kern="1200">
+                <a:solidFill>
+                  <a:schemeClr val="lt1"/>
+                </a:solidFill>
+                <a:latin typeface="+mn-lt"/>
+                <a:ea typeface="+mn-ea"/>
+                <a:cs typeface="+mn-cs"/>
+              </a:defRPr>
+            </a:lvl3pPr>
+            <a:lvl4pPr marL="1371600" algn="l" defTabSz="914400" rtl="0" eaLnBrk="1" latinLnBrk="0" hangingPunct="1">
+              <a:defRPr kumimoji="1" sz="1800" kern="1200">
+                <a:solidFill>
+                  <a:schemeClr val="lt1"/>
+                </a:solidFill>
+                <a:latin typeface="+mn-lt"/>
+                <a:ea typeface="+mn-ea"/>
+                <a:cs typeface="+mn-cs"/>
+              </a:defRPr>
+            </a:lvl4pPr>
+            <a:lvl5pPr marL="1828800" algn="l" defTabSz="914400" rtl="0" eaLnBrk="1" latinLnBrk="0" hangingPunct="1">
+              <a:defRPr kumimoji="1" sz="1800" kern="1200">
+                <a:solidFill>
+                  <a:schemeClr val="lt1"/>
+                </a:solidFill>
+                <a:latin typeface="+mn-lt"/>
+                <a:ea typeface="+mn-ea"/>
+                <a:cs typeface="+mn-cs"/>
+              </a:defRPr>
+            </a:lvl5pPr>
+            <a:lvl6pPr marL="2286000" algn="l" defTabSz="914400" rtl="0" eaLnBrk="1" latinLnBrk="0" hangingPunct="1">
+              <a:defRPr kumimoji="1" sz="1800" kern="1200">
+                <a:solidFill>
+                  <a:schemeClr val="lt1"/>
+                </a:solidFill>
+                <a:latin typeface="+mn-lt"/>
+                <a:ea typeface="+mn-ea"/>
+                <a:cs typeface="+mn-cs"/>
+              </a:defRPr>
+            </a:lvl6pPr>
+            <a:lvl7pPr marL="2743200" algn="l" defTabSz="914400" rtl="0" eaLnBrk="1" latinLnBrk="0" hangingPunct="1">
+              <a:defRPr kumimoji="1" sz="1800" kern="1200">
+                <a:solidFill>
+                  <a:schemeClr val="lt1"/>
+                </a:solidFill>
+                <a:latin typeface="+mn-lt"/>
+                <a:ea typeface="+mn-ea"/>
+                <a:cs typeface="+mn-cs"/>
+              </a:defRPr>
+            </a:lvl7pPr>
+            <a:lvl8pPr marL="3200400" algn="l" defTabSz="914400" rtl="0" eaLnBrk="1" latinLnBrk="0" hangingPunct="1">
+              <a:defRPr kumimoji="1" sz="1800" kern="1200">
+                <a:solidFill>
+                  <a:schemeClr val="lt1"/>
+                </a:solidFill>
+                <a:latin typeface="+mn-lt"/>
+                <a:ea typeface="+mn-ea"/>
+                <a:cs typeface="+mn-cs"/>
+              </a:defRPr>
+            </a:lvl8pPr>
+            <a:lvl9pPr marL="3657600" algn="l" defTabSz="914400" rtl="0" eaLnBrk="1" latinLnBrk="0" hangingPunct="1">
+              <a:defRPr kumimoji="1" sz="1800" kern="1200">
+                <a:solidFill>
+                  <a:schemeClr val="lt1"/>
+                </a:solidFill>
+                <a:latin typeface="+mn-lt"/>
+                <a:ea typeface="+mn-ea"/>
+                <a:cs typeface="+mn-cs"/>
+              </a:defRPr>
+            </a:lvl9pPr>
+          </a:lstStyle>
+          <a:p>
+            <a:pPr algn="ctr"/>
+            <a:r>
+              <a:rPr lang="en-US" altLang="ja-JP" sz="1600" dirty="0" smtClean="0"/>
+              <a:t>d5</a:t>
+            </a:r>
+            <a:endParaRPr kumimoji="1" lang="ja-JP" altLang="en-US" sz="1600" dirty="0"/>
+          </a:p>
+        </p:txBody>
+      </p:sp>
+      <p:sp>
+        <p:nvSpPr>
+          <p:cNvPr id="16" name="角丸四角形 15"/>
+          <p:cNvSpPr/>
+          <p:nvPr/>
+        </p:nvSpPr>
+        <p:spPr>
+          <a:xfrm>
+            <a:off x="8317748" y="1550627"/>
+            <a:ext cx="572887" cy="283634"/>
+          </a:xfrm>
+          <a:prstGeom prst="roundRect">
+            <a:avLst/>
+          </a:prstGeom>
+          <a:solidFill>
+            <a:srgbClr val="0000FF"/>
+          </a:solidFill>
+          <a:ln>
+            <a:noFill/>
+          </a:ln>
+        </p:spPr>
+        <p:style>
+          <a:lnRef idx="2">
+            <a:schemeClr val="accent1">
+              <a:shade val="50000"/>
+            </a:schemeClr>
+          </a:lnRef>
+          <a:fillRef idx="1">
+            <a:schemeClr val="accent1"/>
+          </a:fillRef>
+          <a:effectRef idx="0">
+            <a:schemeClr val="accent1"/>
+          </a:effectRef>
+          <a:fontRef idx="minor">
+            <a:schemeClr val="lt1"/>
+          </a:fontRef>
+        </p:style>
+        <p:txBody>
+          <a:bodyPr rtlCol="0" anchor="ctr"/>
+          <a:lstStyle>
+            <a:defPPr>
+              <a:defRPr lang="ja-JP"/>
+            </a:defPPr>
+            <a:lvl1pPr marL="0" algn="l" defTabSz="914400" rtl="0" eaLnBrk="1" latinLnBrk="0" hangingPunct="1">
+              <a:defRPr kumimoji="1" sz="1800" kern="1200">
+                <a:solidFill>
+                  <a:schemeClr val="lt1"/>
+                </a:solidFill>
+                <a:latin typeface="+mn-lt"/>
+                <a:ea typeface="+mn-ea"/>
+                <a:cs typeface="+mn-cs"/>
+              </a:defRPr>
+            </a:lvl1pPr>
+            <a:lvl2pPr marL="457200" algn="l" defTabSz="914400" rtl="0" eaLnBrk="1" latinLnBrk="0" hangingPunct="1">
+              <a:defRPr kumimoji="1" sz="1800" kern="1200">
+                <a:solidFill>
+                  <a:schemeClr val="lt1"/>
+                </a:solidFill>
+                <a:latin typeface="+mn-lt"/>
+                <a:ea typeface="+mn-ea"/>
+                <a:cs typeface="+mn-cs"/>
+              </a:defRPr>
+            </a:lvl2pPr>
+            <a:lvl3pPr marL="914400" algn="l" defTabSz="914400" rtl="0" eaLnBrk="1" latinLnBrk="0" hangingPunct="1">
+              <a:defRPr kumimoji="1" sz="1800" kern="1200">
+                <a:solidFill>
+                  <a:schemeClr val="lt1"/>
+                </a:solidFill>
+                <a:latin typeface="+mn-lt"/>
+                <a:ea typeface="+mn-ea"/>
+                <a:cs typeface="+mn-cs"/>
+              </a:defRPr>
+            </a:lvl3pPr>
+            <a:lvl4pPr marL="1371600" algn="l" defTabSz="914400" rtl="0" eaLnBrk="1" latinLnBrk="0" hangingPunct="1">
+              <a:defRPr kumimoji="1" sz="1800" kern="1200">
+                <a:solidFill>
+                  <a:schemeClr val="lt1"/>
+                </a:solidFill>
+                <a:latin typeface="+mn-lt"/>
+                <a:ea typeface="+mn-ea"/>
+                <a:cs typeface="+mn-cs"/>
+              </a:defRPr>
+            </a:lvl4pPr>
+            <a:lvl5pPr marL="1828800" algn="l" defTabSz="914400" rtl="0" eaLnBrk="1" latinLnBrk="0" hangingPunct="1">
+              <a:defRPr kumimoji="1" sz="1800" kern="1200">
+                <a:solidFill>
+                  <a:schemeClr val="lt1"/>
+                </a:solidFill>
+                <a:latin typeface="+mn-lt"/>
+                <a:ea typeface="+mn-ea"/>
+                <a:cs typeface="+mn-cs"/>
+              </a:defRPr>
+            </a:lvl5pPr>
+            <a:lvl6pPr marL="2286000" algn="l" defTabSz="914400" rtl="0" eaLnBrk="1" latinLnBrk="0" hangingPunct="1">
+              <a:defRPr kumimoji="1" sz="1800" kern="1200">
+                <a:solidFill>
+                  <a:schemeClr val="lt1"/>
+                </a:solidFill>
+                <a:latin typeface="+mn-lt"/>
+                <a:ea typeface="+mn-ea"/>
+                <a:cs typeface="+mn-cs"/>
+              </a:defRPr>
+            </a:lvl6pPr>
+            <a:lvl7pPr marL="2743200" algn="l" defTabSz="914400" rtl="0" eaLnBrk="1" latinLnBrk="0" hangingPunct="1">
+              <a:defRPr kumimoji="1" sz="1800" kern="1200">
+                <a:solidFill>
+                  <a:schemeClr val="lt1"/>
+                </a:solidFill>
+                <a:latin typeface="+mn-lt"/>
+                <a:ea typeface="+mn-ea"/>
+                <a:cs typeface="+mn-cs"/>
+              </a:defRPr>
+            </a:lvl7pPr>
+            <a:lvl8pPr marL="3200400" algn="l" defTabSz="914400" rtl="0" eaLnBrk="1" latinLnBrk="0" hangingPunct="1">
+              <a:defRPr kumimoji="1" sz="1800" kern="1200">
+                <a:solidFill>
+                  <a:schemeClr val="lt1"/>
+                </a:solidFill>
+                <a:latin typeface="+mn-lt"/>
+                <a:ea typeface="+mn-ea"/>
+                <a:cs typeface="+mn-cs"/>
+              </a:defRPr>
+            </a:lvl8pPr>
+            <a:lvl9pPr marL="3657600" algn="l" defTabSz="914400" rtl="0" eaLnBrk="1" latinLnBrk="0" hangingPunct="1">
+              <a:defRPr kumimoji="1" sz="1800" kern="1200">
+                <a:solidFill>
+                  <a:schemeClr val="lt1"/>
+                </a:solidFill>
+                <a:latin typeface="+mn-lt"/>
+                <a:ea typeface="+mn-ea"/>
+                <a:cs typeface="+mn-cs"/>
+              </a:defRPr>
+            </a:lvl9pPr>
+          </a:lstStyle>
+          <a:p>
+            <a:pPr algn="ctr"/>
+            <a:r>
+              <a:rPr lang="en-US" altLang="ja-JP" sz="1600" dirty="0" smtClean="0"/>
+              <a:t>d6</a:t>
+            </a:r>
+            <a:endParaRPr kumimoji="1" lang="ja-JP" altLang="en-US" sz="1600" dirty="0"/>
+          </a:p>
+        </p:txBody>
+      </p:sp>
+      <p:sp>
+        <p:nvSpPr>
+          <p:cNvPr id="17" name="角丸四角形 16"/>
+          <p:cNvSpPr/>
+          <p:nvPr/>
+        </p:nvSpPr>
+        <p:spPr>
+          <a:xfrm>
+            <a:off x="8317748" y="2213567"/>
+            <a:ext cx="572887" cy="283634"/>
+          </a:xfrm>
+          <a:prstGeom prst="roundRect">
+            <a:avLst/>
+          </a:prstGeom>
+          <a:solidFill>
+            <a:srgbClr val="0000FF"/>
+          </a:solidFill>
+          <a:ln>
+            <a:noFill/>
+          </a:ln>
+        </p:spPr>
+        <p:style>
+          <a:lnRef idx="2">
+            <a:schemeClr val="accent1">
+              <a:shade val="50000"/>
+            </a:schemeClr>
+          </a:lnRef>
+          <a:fillRef idx="1">
+            <a:schemeClr val="accent1"/>
+          </a:fillRef>
+          <a:effectRef idx="0">
+            <a:schemeClr val="accent1"/>
+          </a:effectRef>
+          <a:fontRef idx="minor">
+            <a:schemeClr val="lt1"/>
+          </a:fontRef>
+        </p:style>
+        <p:txBody>
+          <a:bodyPr rtlCol="0" anchor="ctr"/>
+          <a:lstStyle>
+            <a:defPPr>
+              <a:defRPr lang="ja-JP"/>
+            </a:defPPr>
+            <a:lvl1pPr marL="0" algn="l" defTabSz="914400" rtl="0" eaLnBrk="1" latinLnBrk="0" hangingPunct="1">
+              <a:defRPr kumimoji="1" sz="1800" kern="1200">
+                <a:solidFill>
+                  <a:schemeClr val="lt1"/>
+                </a:solidFill>
+                <a:latin typeface="+mn-lt"/>
+                <a:ea typeface="+mn-ea"/>
+                <a:cs typeface="+mn-cs"/>
+              </a:defRPr>
+            </a:lvl1pPr>
+            <a:lvl2pPr marL="457200" algn="l" defTabSz="914400" rtl="0" eaLnBrk="1" latinLnBrk="0" hangingPunct="1">
+              <a:defRPr kumimoji="1" sz="1800" kern="1200">
+                <a:solidFill>
+                  <a:schemeClr val="lt1"/>
+                </a:solidFill>
+                <a:latin typeface="+mn-lt"/>
+                <a:ea typeface="+mn-ea"/>
+                <a:cs typeface="+mn-cs"/>
+              </a:defRPr>
+            </a:lvl2pPr>
+            <a:lvl3pPr marL="914400" algn="l" defTabSz="914400" rtl="0" eaLnBrk="1" latinLnBrk="0" hangingPunct="1">
+              <a:defRPr kumimoji="1" sz="1800" kern="1200">
+                <a:solidFill>
+                  <a:schemeClr val="lt1"/>
+                </a:solidFill>
+                <a:latin typeface="+mn-lt"/>
+                <a:ea typeface="+mn-ea"/>
+                <a:cs typeface="+mn-cs"/>
+              </a:defRPr>
+            </a:lvl3pPr>
+            <a:lvl4pPr marL="1371600" algn="l" defTabSz="914400" rtl="0" eaLnBrk="1" latinLnBrk="0" hangingPunct="1">
+              <a:defRPr kumimoji="1" sz="1800" kern="1200">
+                <a:solidFill>
+                  <a:schemeClr val="lt1"/>
+                </a:solidFill>
+                <a:latin typeface="+mn-lt"/>
+                <a:ea typeface="+mn-ea"/>
+                <a:cs typeface="+mn-cs"/>
+              </a:defRPr>
+            </a:lvl4pPr>
+            <a:lvl5pPr marL="1828800" algn="l" defTabSz="914400" rtl="0" eaLnBrk="1" latinLnBrk="0" hangingPunct="1">
+              <a:defRPr kumimoji="1" sz="1800" kern="1200">
+                <a:solidFill>
+                  <a:schemeClr val="lt1"/>
+                </a:solidFill>
+                <a:latin typeface="+mn-lt"/>
+                <a:ea typeface="+mn-ea"/>
+                <a:cs typeface="+mn-cs"/>
+              </a:defRPr>
+            </a:lvl5pPr>
+            <a:lvl6pPr marL="2286000" algn="l" defTabSz="914400" rtl="0" eaLnBrk="1" latinLnBrk="0" hangingPunct="1">
+              <a:defRPr kumimoji="1" sz="1800" kern="1200">
+                <a:solidFill>
+                  <a:schemeClr val="lt1"/>
+                </a:solidFill>
+                <a:latin typeface="+mn-lt"/>
+                <a:ea typeface="+mn-ea"/>
+                <a:cs typeface="+mn-cs"/>
+              </a:defRPr>
+            </a:lvl6pPr>
+            <a:lvl7pPr marL="2743200" algn="l" defTabSz="914400" rtl="0" eaLnBrk="1" latinLnBrk="0" hangingPunct="1">
+              <a:defRPr kumimoji="1" sz="1800" kern="1200">
+                <a:solidFill>
+                  <a:schemeClr val="lt1"/>
+                </a:solidFill>
+                <a:latin typeface="+mn-lt"/>
+                <a:ea typeface="+mn-ea"/>
+                <a:cs typeface="+mn-cs"/>
+              </a:defRPr>
+            </a:lvl7pPr>
+            <a:lvl8pPr marL="3200400" algn="l" defTabSz="914400" rtl="0" eaLnBrk="1" latinLnBrk="0" hangingPunct="1">
+              <a:defRPr kumimoji="1" sz="1800" kern="1200">
+                <a:solidFill>
+                  <a:schemeClr val="lt1"/>
+                </a:solidFill>
+                <a:latin typeface="+mn-lt"/>
+                <a:ea typeface="+mn-ea"/>
+                <a:cs typeface="+mn-cs"/>
+              </a:defRPr>
+            </a:lvl8pPr>
+            <a:lvl9pPr marL="3657600" algn="l" defTabSz="914400" rtl="0" eaLnBrk="1" latinLnBrk="0" hangingPunct="1">
+              <a:defRPr kumimoji="1" sz="1800" kern="1200">
+                <a:solidFill>
+                  <a:schemeClr val="lt1"/>
+                </a:solidFill>
+                <a:latin typeface="+mn-lt"/>
+                <a:ea typeface="+mn-ea"/>
+                <a:cs typeface="+mn-cs"/>
+              </a:defRPr>
+            </a:lvl9pPr>
+          </a:lstStyle>
+          <a:p>
+            <a:pPr algn="ctr"/>
+            <a:r>
+              <a:rPr lang="en-US" altLang="ja-JP" sz="1600" dirty="0" smtClean="0"/>
+              <a:t>d7</a:t>
+            </a:r>
+            <a:endParaRPr kumimoji="1" lang="ja-JP" altLang="en-US" sz="1600" dirty="0"/>
+          </a:p>
+        </p:txBody>
+      </p:sp>
+      <p:sp>
+        <p:nvSpPr>
+          <p:cNvPr id="18" name="角丸四角形 17"/>
+          <p:cNvSpPr/>
+          <p:nvPr/>
+        </p:nvSpPr>
+        <p:spPr>
+          <a:xfrm>
+            <a:off x="8317748" y="4097189"/>
+            <a:ext cx="572887" cy="283634"/>
+          </a:xfrm>
+          <a:prstGeom prst="roundRect">
+            <a:avLst/>
+          </a:prstGeom>
+          <a:solidFill>
+            <a:srgbClr val="0000FF"/>
+          </a:solidFill>
+          <a:ln>
+            <a:noFill/>
+          </a:ln>
+        </p:spPr>
+        <p:style>
+          <a:lnRef idx="2">
+            <a:schemeClr val="accent1">
+              <a:shade val="50000"/>
+            </a:schemeClr>
+          </a:lnRef>
+          <a:fillRef idx="1">
+            <a:schemeClr val="accent1"/>
+          </a:fillRef>
+          <a:effectRef idx="0">
+            <a:schemeClr val="accent1"/>
+          </a:effectRef>
+          <a:fontRef idx="minor">
+            <a:schemeClr val="lt1"/>
+          </a:fontRef>
+        </p:style>
+        <p:txBody>
+          <a:bodyPr rtlCol="0" anchor="ctr"/>
+          <a:lstStyle>
+            <a:defPPr>
+              <a:defRPr lang="ja-JP"/>
+            </a:defPPr>
+            <a:lvl1pPr marL="0" algn="l" defTabSz="914400" rtl="0" eaLnBrk="1" latinLnBrk="0" hangingPunct="1">
+              <a:defRPr kumimoji="1" sz="1800" kern="1200">
+                <a:solidFill>
+                  <a:schemeClr val="lt1"/>
+                </a:solidFill>
+                <a:latin typeface="+mn-lt"/>
+                <a:ea typeface="+mn-ea"/>
+                <a:cs typeface="+mn-cs"/>
+              </a:defRPr>
+            </a:lvl1pPr>
+            <a:lvl2pPr marL="457200" algn="l" defTabSz="914400" rtl="0" eaLnBrk="1" latinLnBrk="0" hangingPunct="1">
+              <a:defRPr kumimoji="1" sz="1800" kern="1200">
+                <a:solidFill>
+                  <a:schemeClr val="lt1"/>
+                </a:solidFill>
+                <a:latin typeface="+mn-lt"/>
+                <a:ea typeface="+mn-ea"/>
+                <a:cs typeface="+mn-cs"/>
+              </a:defRPr>
+            </a:lvl2pPr>
+            <a:lvl3pPr marL="914400" algn="l" defTabSz="914400" rtl="0" eaLnBrk="1" latinLnBrk="0" hangingPunct="1">
+              <a:defRPr kumimoji="1" sz="1800" kern="1200">
+                <a:solidFill>
+                  <a:schemeClr val="lt1"/>
+                </a:solidFill>
+                <a:latin typeface="+mn-lt"/>
+                <a:ea typeface="+mn-ea"/>
+                <a:cs typeface="+mn-cs"/>
+              </a:defRPr>
+            </a:lvl3pPr>
+            <a:lvl4pPr marL="1371600" algn="l" defTabSz="914400" rtl="0" eaLnBrk="1" latinLnBrk="0" hangingPunct="1">
+              <a:defRPr kumimoji="1" sz="1800" kern="1200">
+                <a:solidFill>
+                  <a:schemeClr val="lt1"/>
+                </a:solidFill>
+                <a:latin typeface="+mn-lt"/>
+                <a:ea typeface="+mn-ea"/>
+                <a:cs typeface="+mn-cs"/>
+              </a:defRPr>
+            </a:lvl4pPr>
+            <a:lvl5pPr marL="1828800" algn="l" defTabSz="914400" rtl="0" eaLnBrk="1" latinLnBrk="0" hangingPunct="1">
+              <a:defRPr kumimoji="1" sz="1800" kern="1200">
+                <a:solidFill>
+                  <a:schemeClr val="lt1"/>
+                </a:solidFill>
+                <a:latin typeface="+mn-lt"/>
+                <a:ea typeface="+mn-ea"/>
+                <a:cs typeface="+mn-cs"/>
+              </a:defRPr>
+            </a:lvl5pPr>
+            <a:lvl6pPr marL="2286000" algn="l" defTabSz="914400" rtl="0" eaLnBrk="1" latinLnBrk="0" hangingPunct="1">
+              <a:defRPr kumimoji="1" sz="1800" kern="1200">
+                <a:solidFill>
+                  <a:schemeClr val="lt1"/>
+                </a:solidFill>
+                <a:latin typeface="+mn-lt"/>
+                <a:ea typeface="+mn-ea"/>
+                <a:cs typeface="+mn-cs"/>
+              </a:defRPr>
+            </a:lvl6pPr>
+            <a:lvl7pPr marL="2743200" algn="l" defTabSz="914400" rtl="0" eaLnBrk="1" latinLnBrk="0" hangingPunct="1">
+              <a:defRPr kumimoji="1" sz="1800" kern="1200">
+                <a:solidFill>
+                  <a:schemeClr val="lt1"/>
+                </a:solidFill>
+                <a:latin typeface="+mn-lt"/>
+                <a:ea typeface="+mn-ea"/>
+                <a:cs typeface="+mn-cs"/>
+              </a:defRPr>
+            </a:lvl7pPr>
+            <a:lvl8pPr marL="3200400" algn="l" defTabSz="914400" rtl="0" eaLnBrk="1" latinLnBrk="0" hangingPunct="1">
+              <a:defRPr kumimoji="1" sz="1800" kern="1200">
+                <a:solidFill>
+                  <a:schemeClr val="lt1"/>
+                </a:solidFill>
+                <a:latin typeface="+mn-lt"/>
+                <a:ea typeface="+mn-ea"/>
+                <a:cs typeface="+mn-cs"/>
+              </a:defRPr>
+            </a:lvl8pPr>
+            <a:lvl9pPr marL="3657600" algn="l" defTabSz="914400" rtl="0" eaLnBrk="1" latinLnBrk="0" hangingPunct="1">
+              <a:defRPr kumimoji="1" sz="1800" kern="1200">
+                <a:solidFill>
+                  <a:schemeClr val="lt1"/>
+                </a:solidFill>
+                <a:latin typeface="+mn-lt"/>
+                <a:ea typeface="+mn-ea"/>
+                <a:cs typeface="+mn-cs"/>
+              </a:defRPr>
+            </a:lvl9pPr>
+          </a:lstStyle>
+          <a:p>
+            <a:pPr algn="ctr"/>
+            <a:r>
+              <a:rPr lang="en-US" altLang="ja-JP" sz="1600" dirty="0" smtClean="0"/>
+              <a:t>d8</a:t>
+            </a:r>
+            <a:endParaRPr kumimoji="1" lang="ja-JP" altLang="en-US" sz="1600" dirty="0"/>
+          </a:p>
+        </p:txBody>
+      </p:sp>
+      <p:sp>
+        <p:nvSpPr>
+          <p:cNvPr id="19" name="角丸四角形 18"/>
+          <p:cNvSpPr/>
+          <p:nvPr/>
+        </p:nvSpPr>
+        <p:spPr>
+          <a:xfrm>
+            <a:off x="8317748" y="4476495"/>
+            <a:ext cx="572887" cy="283634"/>
+          </a:xfrm>
+          <a:prstGeom prst="roundRect">
+            <a:avLst/>
+          </a:prstGeom>
+          <a:solidFill>
+            <a:srgbClr val="0000FF"/>
+          </a:solidFill>
+          <a:ln>
+            <a:noFill/>
+          </a:ln>
+        </p:spPr>
+        <p:style>
+          <a:lnRef idx="2">
+            <a:schemeClr val="accent1">
+              <a:shade val="50000"/>
+            </a:schemeClr>
+          </a:lnRef>
+          <a:fillRef idx="1">
+            <a:schemeClr val="accent1"/>
+          </a:fillRef>
+          <a:effectRef idx="0">
+            <a:schemeClr val="accent1"/>
+          </a:effectRef>
+          <a:fontRef idx="minor">
+            <a:schemeClr val="lt1"/>
+          </a:fontRef>
+        </p:style>
+        <p:txBody>
+          <a:bodyPr rtlCol="0" anchor="ctr"/>
+          <a:lstStyle>
+            <a:defPPr>
+              <a:defRPr lang="ja-JP"/>
+            </a:defPPr>
+            <a:lvl1pPr marL="0" algn="l" defTabSz="914400" rtl="0" eaLnBrk="1" latinLnBrk="0" hangingPunct="1">
+              <a:defRPr kumimoji="1" sz="1800" kern="1200">
+                <a:solidFill>
+                  <a:schemeClr val="lt1"/>
+                </a:solidFill>
+                <a:latin typeface="+mn-lt"/>
+                <a:ea typeface="+mn-ea"/>
+                <a:cs typeface="+mn-cs"/>
+              </a:defRPr>
+            </a:lvl1pPr>
+            <a:lvl2pPr marL="457200" algn="l" defTabSz="914400" rtl="0" eaLnBrk="1" latinLnBrk="0" hangingPunct="1">
+              <a:defRPr kumimoji="1" sz="1800" kern="1200">
+                <a:solidFill>
+                  <a:schemeClr val="lt1"/>
+                </a:solidFill>
+                <a:latin typeface="+mn-lt"/>
+                <a:ea typeface="+mn-ea"/>
+                <a:cs typeface="+mn-cs"/>
+              </a:defRPr>
+            </a:lvl2pPr>
+            <a:lvl3pPr marL="914400" algn="l" defTabSz="914400" rtl="0" eaLnBrk="1" latinLnBrk="0" hangingPunct="1">
+              <a:defRPr kumimoji="1" sz="1800" kern="1200">
+                <a:solidFill>
+                  <a:schemeClr val="lt1"/>
+                </a:solidFill>
+                <a:latin typeface="+mn-lt"/>
+                <a:ea typeface="+mn-ea"/>
+                <a:cs typeface="+mn-cs"/>
+              </a:defRPr>
+            </a:lvl3pPr>
+            <a:lvl4pPr marL="1371600" algn="l" defTabSz="914400" rtl="0" eaLnBrk="1" latinLnBrk="0" hangingPunct="1">
+              <a:defRPr kumimoji="1" sz="1800" kern="1200">
+                <a:solidFill>
+                  <a:schemeClr val="lt1"/>
+                </a:solidFill>
+                <a:latin typeface="+mn-lt"/>
+                <a:ea typeface="+mn-ea"/>
+                <a:cs typeface="+mn-cs"/>
+              </a:defRPr>
+            </a:lvl4pPr>
+            <a:lvl5pPr marL="1828800" algn="l" defTabSz="914400" rtl="0" eaLnBrk="1" latinLnBrk="0" hangingPunct="1">
+              <a:defRPr kumimoji="1" sz="1800" kern="1200">
+                <a:solidFill>
+                  <a:schemeClr val="lt1"/>
+                </a:solidFill>
+                <a:latin typeface="+mn-lt"/>
+                <a:ea typeface="+mn-ea"/>
+                <a:cs typeface="+mn-cs"/>
+              </a:defRPr>
+            </a:lvl5pPr>
+            <a:lvl6pPr marL="2286000" algn="l" defTabSz="914400" rtl="0" eaLnBrk="1" latinLnBrk="0" hangingPunct="1">
+              <a:defRPr kumimoji="1" sz="1800" kern="1200">
+                <a:solidFill>
+                  <a:schemeClr val="lt1"/>
+                </a:solidFill>
+                <a:latin typeface="+mn-lt"/>
+                <a:ea typeface="+mn-ea"/>
+                <a:cs typeface="+mn-cs"/>
+              </a:defRPr>
+            </a:lvl6pPr>
+            <a:lvl7pPr marL="2743200" algn="l" defTabSz="914400" rtl="0" eaLnBrk="1" latinLnBrk="0" hangingPunct="1">
+              <a:defRPr kumimoji="1" sz="1800" kern="1200">
+                <a:solidFill>
+                  <a:schemeClr val="lt1"/>
+                </a:solidFill>
+                <a:latin typeface="+mn-lt"/>
+                <a:ea typeface="+mn-ea"/>
+                <a:cs typeface="+mn-cs"/>
+              </a:defRPr>
+            </a:lvl7pPr>
+            <a:lvl8pPr marL="3200400" algn="l" defTabSz="914400" rtl="0" eaLnBrk="1" latinLnBrk="0" hangingPunct="1">
+              <a:defRPr kumimoji="1" sz="1800" kern="1200">
+                <a:solidFill>
+                  <a:schemeClr val="lt1"/>
+                </a:solidFill>
+                <a:latin typeface="+mn-lt"/>
+                <a:ea typeface="+mn-ea"/>
+                <a:cs typeface="+mn-cs"/>
+              </a:defRPr>
+            </a:lvl8pPr>
+            <a:lvl9pPr marL="3657600" algn="l" defTabSz="914400" rtl="0" eaLnBrk="1" latinLnBrk="0" hangingPunct="1">
+              <a:defRPr kumimoji="1" sz="1800" kern="1200">
+                <a:solidFill>
+                  <a:schemeClr val="lt1"/>
+                </a:solidFill>
+                <a:latin typeface="+mn-lt"/>
+                <a:ea typeface="+mn-ea"/>
+                <a:cs typeface="+mn-cs"/>
+              </a:defRPr>
+            </a:lvl9pPr>
+          </a:lstStyle>
+          <a:p>
+            <a:pPr algn="ctr"/>
+            <a:r>
+              <a:rPr lang="en-US" altLang="ja-JP" sz="1600" dirty="0" smtClean="0"/>
+              <a:t>d9</a:t>
+            </a:r>
+            <a:endParaRPr kumimoji="1" lang="ja-JP" altLang="en-US" sz="1600" dirty="0"/>
+          </a:p>
+        </p:txBody>
+      </p:sp>
+      <p:sp>
+        <p:nvSpPr>
+          <p:cNvPr id="20" name="角丸四角形 19"/>
+          <p:cNvSpPr/>
+          <p:nvPr/>
+        </p:nvSpPr>
+        <p:spPr>
+          <a:xfrm>
+            <a:off x="8317748" y="4846699"/>
+            <a:ext cx="572887" cy="283634"/>
+          </a:xfrm>
+          <a:prstGeom prst="roundRect">
+            <a:avLst/>
+          </a:prstGeom>
+          <a:solidFill>
+            <a:srgbClr val="0000FF"/>
+          </a:solidFill>
+          <a:ln>
+            <a:noFill/>
+          </a:ln>
+        </p:spPr>
+        <p:style>
+          <a:lnRef idx="2">
+            <a:schemeClr val="accent1">
+              <a:shade val="50000"/>
+            </a:schemeClr>
+          </a:lnRef>
+          <a:fillRef idx="1">
+            <a:schemeClr val="accent1"/>
+          </a:fillRef>
+          <a:effectRef idx="0">
+            <a:schemeClr val="accent1"/>
+          </a:effectRef>
+          <a:fontRef idx="minor">
+            <a:schemeClr val="lt1"/>
+          </a:fontRef>
+        </p:style>
+        <p:txBody>
+          <a:bodyPr rtlCol="0" anchor="ctr"/>
+          <a:lstStyle>
+            <a:defPPr>
+              <a:defRPr lang="ja-JP"/>
+            </a:defPPr>
+            <a:lvl1pPr marL="0" algn="l" defTabSz="914400" rtl="0" eaLnBrk="1" latinLnBrk="0" hangingPunct="1">
+              <a:defRPr kumimoji="1" sz="1800" kern="1200">
+                <a:solidFill>
+                  <a:schemeClr val="lt1"/>
+                </a:solidFill>
+                <a:latin typeface="+mn-lt"/>
+                <a:ea typeface="+mn-ea"/>
+                <a:cs typeface="+mn-cs"/>
+              </a:defRPr>
+            </a:lvl1pPr>
+            <a:lvl2pPr marL="457200" algn="l" defTabSz="914400" rtl="0" eaLnBrk="1" latinLnBrk="0" hangingPunct="1">
+              <a:defRPr kumimoji="1" sz="1800" kern="1200">
+                <a:solidFill>
+                  <a:schemeClr val="lt1"/>
+                </a:solidFill>
+                <a:latin typeface="+mn-lt"/>
+                <a:ea typeface="+mn-ea"/>
+                <a:cs typeface="+mn-cs"/>
+              </a:defRPr>
+            </a:lvl2pPr>
+            <a:lvl3pPr marL="914400" algn="l" defTabSz="914400" rtl="0" eaLnBrk="1" latinLnBrk="0" hangingPunct="1">
+              <a:defRPr kumimoji="1" sz="1800" kern="1200">
+                <a:solidFill>
+                  <a:schemeClr val="lt1"/>
+                </a:solidFill>
+                <a:latin typeface="+mn-lt"/>
+                <a:ea typeface="+mn-ea"/>
+                <a:cs typeface="+mn-cs"/>
+              </a:defRPr>
+            </a:lvl3pPr>
+            <a:lvl4pPr marL="1371600" algn="l" defTabSz="914400" rtl="0" eaLnBrk="1" latinLnBrk="0" hangingPunct="1">
+              <a:defRPr kumimoji="1" sz="1800" kern="1200">
+                <a:solidFill>
+                  <a:schemeClr val="lt1"/>
+                </a:solidFill>
+                <a:latin typeface="+mn-lt"/>
+                <a:ea typeface="+mn-ea"/>
+                <a:cs typeface="+mn-cs"/>
+              </a:defRPr>
+            </a:lvl4pPr>
+            <a:lvl5pPr marL="1828800" algn="l" defTabSz="914400" rtl="0" eaLnBrk="1" latinLnBrk="0" hangingPunct="1">
+              <a:defRPr kumimoji="1" sz="1800" kern="1200">
+                <a:solidFill>
+                  <a:schemeClr val="lt1"/>
+                </a:solidFill>
+                <a:latin typeface="+mn-lt"/>
+                <a:ea typeface="+mn-ea"/>
+                <a:cs typeface="+mn-cs"/>
+              </a:defRPr>
+            </a:lvl5pPr>
+            <a:lvl6pPr marL="2286000" algn="l" defTabSz="914400" rtl="0" eaLnBrk="1" latinLnBrk="0" hangingPunct="1">
+              <a:defRPr kumimoji="1" sz="1800" kern="1200">
+                <a:solidFill>
+                  <a:schemeClr val="lt1"/>
+                </a:solidFill>
+                <a:latin typeface="+mn-lt"/>
+                <a:ea typeface="+mn-ea"/>
+                <a:cs typeface="+mn-cs"/>
+              </a:defRPr>
+            </a:lvl6pPr>
+            <a:lvl7pPr marL="2743200" algn="l" defTabSz="914400" rtl="0" eaLnBrk="1" latinLnBrk="0" hangingPunct="1">
+              <a:defRPr kumimoji="1" sz="1800" kern="1200">
+                <a:solidFill>
+                  <a:schemeClr val="lt1"/>
+                </a:solidFill>
+                <a:latin typeface="+mn-lt"/>
+                <a:ea typeface="+mn-ea"/>
+                <a:cs typeface="+mn-cs"/>
+              </a:defRPr>
+            </a:lvl7pPr>
+            <a:lvl8pPr marL="3200400" algn="l" defTabSz="914400" rtl="0" eaLnBrk="1" latinLnBrk="0" hangingPunct="1">
+              <a:defRPr kumimoji="1" sz="1800" kern="1200">
+                <a:solidFill>
+                  <a:schemeClr val="lt1"/>
+                </a:solidFill>
+                <a:latin typeface="+mn-lt"/>
+                <a:ea typeface="+mn-ea"/>
+                <a:cs typeface="+mn-cs"/>
+              </a:defRPr>
+            </a:lvl8pPr>
+            <a:lvl9pPr marL="3657600" algn="l" defTabSz="914400" rtl="0" eaLnBrk="1" latinLnBrk="0" hangingPunct="1">
+              <a:defRPr kumimoji="1" sz="1800" kern="1200">
+                <a:solidFill>
+                  <a:schemeClr val="lt1"/>
+                </a:solidFill>
+                <a:latin typeface="+mn-lt"/>
+                <a:ea typeface="+mn-ea"/>
+                <a:cs typeface="+mn-cs"/>
+              </a:defRPr>
+            </a:lvl9pPr>
+          </a:lstStyle>
+          <a:p>
+            <a:pPr algn="ctr"/>
+            <a:r>
+              <a:rPr lang="en-US" altLang="ja-JP" sz="1600" dirty="0" smtClean="0"/>
+              <a:t>d10</a:t>
+            </a:r>
+            <a:endParaRPr kumimoji="1" lang="ja-JP" altLang="en-US" sz="1600" dirty="0"/>
+          </a:p>
+        </p:txBody>
+      </p:sp>
+      <p:sp>
+        <p:nvSpPr>
+          <p:cNvPr id="21" name="角丸四角形 20"/>
+          <p:cNvSpPr/>
+          <p:nvPr/>
+        </p:nvSpPr>
+        <p:spPr>
+          <a:xfrm>
+            <a:off x="6046988" y="6027799"/>
+            <a:ext cx="572887" cy="283634"/>
+          </a:xfrm>
+          <a:prstGeom prst="roundRect">
+            <a:avLst/>
+          </a:prstGeom>
+          <a:solidFill>
+            <a:srgbClr val="0000FF"/>
+          </a:solidFill>
+          <a:ln>
+            <a:noFill/>
+          </a:ln>
+        </p:spPr>
+        <p:style>
+          <a:lnRef idx="2">
+            <a:schemeClr val="accent1">
+              <a:shade val="50000"/>
+            </a:schemeClr>
+          </a:lnRef>
+          <a:fillRef idx="1">
+            <a:schemeClr val="accent1"/>
+          </a:fillRef>
+          <a:effectRef idx="0">
+            <a:schemeClr val="accent1"/>
+          </a:effectRef>
+          <a:fontRef idx="minor">
+            <a:schemeClr val="lt1"/>
+          </a:fontRef>
+        </p:style>
+        <p:txBody>
+          <a:bodyPr rtlCol="0" anchor="ctr"/>
+          <a:lstStyle>
+            <a:defPPr>
+              <a:defRPr lang="ja-JP"/>
+            </a:defPPr>
+            <a:lvl1pPr marL="0" algn="l" defTabSz="914400" rtl="0" eaLnBrk="1" latinLnBrk="0" hangingPunct="1">
+              <a:defRPr kumimoji="1" sz="1800" kern="1200">
+                <a:solidFill>
+                  <a:schemeClr val="lt1"/>
+                </a:solidFill>
+                <a:latin typeface="+mn-lt"/>
+                <a:ea typeface="+mn-ea"/>
+                <a:cs typeface="+mn-cs"/>
+              </a:defRPr>
+            </a:lvl1pPr>
+            <a:lvl2pPr marL="457200" algn="l" defTabSz="914400" rtl="0" eaLnBrk="1" latinLnBrk="0" hangingPunct="1">
+              <a:defRPr kumimoji="1" sz="1800" kern="1200">
+                <a:solidFill>
+                  <a:schemeClr val="lt1"/>
+                </a:solidFill>
+                <a:latin typeface="+mn-lt"/>
+                <a:ea typeface="+mn-ea"/>
+                <a:cs typeface="+mn-cs"/>
+              </a:defRPr>
+            </a:lvl2pPr>
+            <a:lvl3pPr marL="914400" algn="l" defTabSz="914400" rtl="0" eaLnBrk="1" latinLnBrk="0" hangingPunct="1">
+              <a:defRPr kumimoji="1" sz="1800" kern="1200">
+                <a:solidFill>
+                  <a:schemeClr val="lt1"/>
+                </a:solidFill>
+                <a:latin typeface="+mn-lt"/>
+                <a:ea typeface="+mn-ea"/>
+                <a:cs typeface="+mn-cs"/>
+              </a:defRPr>
+            </a:lvl3pPr>
+            <a:lvl4pPr marL="1371600" algn="l" defTabSz="914400" rtl="0" eaLnBrk="1" latinLnBrk="0" hangingPunct="1">
+              <a:defRPr kumimoji="1" sz="1800" kern="1200">
+                <a:solidFill>
+                  <a:schemeClr val="lt1"/>
+                </a:solidFill>
+                <a:latin typeface="+mn-lt"/>
+                <a:ea typeface="+mn-ea"/>
+                <a:cs typeface="+mn-cs"/>
+              </a:defRPr>
+            </a:lvl4pPr>
+            <a:lvl5pPr marL="1828800" algn="l" defTabSz="914400" rtl="0" eaLnBrk="1" latinLnBrk="0" hangingPunct="1">
+              <a:defRPr kumimoji="1" sz="1800" kern="1200">
+                <a:solidFill>
+                  <a:schemeClr val="lt1"/>
+                </a:solidFill>
+                <a:latin typeface="+mn-lt"/>
+                <a:ea typeface="+mn-ea"/>
+                <a:cs typeface="+mn-cs"/>
+              </a:defRPr>
+            </a:lvl5pPr>
+            <a:lvl6pPr marL="2286000" algn="l" defTabSz="914400" rtl="0" eaLnBrk="1" latinLnBrk="0" hangingPunct="1">
+              <a:defRPr kumimoji="1" sz="1800" kern="1200">
+                <a:solidFill>
+                  <a:schemeClr val="lt1"/>
+                </a:solidFill>
+                <a:latin typeface="+mn-lt"/>
+                <a:ea typeface="+mn-ea"/>
+                <a:cs typeface="+mn-cs"/>
+              </a:defRPr>
+            </a:lvl6pPr>
+            <a:lvl7pPr marL="2743200" algn="l" defTabSz="914400" rtl="0" eaLnBrk="1" latinLnBrk="0" hangingPunct="1">
+              <a:defRPr kumimoji="1" sz="1800" kern="1200">
+                <a:solidFill>
+                  <a:schemeClr val="lt1"/>
+                </a:solidFill>
+                <a:latin typeface="+mn-lt"/>
+                <a:ea typeface="+mn-ea"/>
+                <a:cs typeface="+mn-cs"/>
+              </a:defRPr>
+            </a:lvl7pPr>
+            <a:lvl8pPr marL="3200400" algn="l" defTabSz="914400" rtl="0" eaLnBrk="1" latinLnBrk="0" hangingPunct="1">
+              <a:defRPr kumimoji="1" sz="1800" kern="1200">
+                <a:solidFill>
+                  <a:schemeClr val="lt1"/>
+                </a:solidFill>
+                <a:latin typeface="+mn-lt"/>
+                <a:ea typeface="+mn-ea"/>
+                <a:cs typeface="+mn-cs"/>
+              </a:defRPr>
+            </a:lvl8pPr>
+            <a:lvl9pPr marL="3657600" algn="l" defTabSz="914400" rtl="0" eaLnBrk="1" latinLnBrk="0" hangingPunct="1">
+              <a:defRPr kumimoji="1" sz="1800" kern="1200">
+                <a:solidFill>
+                  <a:schemeClr val="lt1"/>
+                </a:solidFill>
+                <a:latin typeface="+mn-lt"/>
+                <a:ea typeface="+mn-ea"/>
+                <a:cs typeface="+mn-cs"/>
+              </a:defRPr>
+            </a:lvl9pPr>
+          </a:lstStyle>
+          <a:p>
+            <a:pPr algn="ctr"/>
+            <a:r>
+              <a:rPr lang="en-US" altLang="ja-JP" sz="1600" dirty="0" smtClean="0"/>
+              <a:t>d11</a:t>
+            </a:r>
+            <a:endParaRPr kumimoji="1" lang="ja-JP" altLang="en-US" sz="1600" dirty="0"/>
+          </a:p>
+        </p:txBody>
+      </p:sp>
+      <p:sp>
+        <p:nvSpPr>
+          <p:cNvPr id="22" name="角丸四角形 21"/>
+          <p:cNvSpPr/>
+          <p:nvPr/>
+        </p:nvSpPr>
+        <p:spPr>
+          <a:xfrm>
+            <a:off x="7342388" y="6027799"/>
+            <a:ext cx="572887" cy="283634"/>
+          </a:xfrm>
+          <a:prstGeom prst="roundRect">
+            <a:avLst/>
+          </a:prstGeom>
+          <a:solidFill>
+            <a:srgbClr val="0000FF"/>
+          </a:solidFill>
+          <a:ln>
+            <a:noFill/>
+          </a:ln>
+        </p:spPr>
+        <p:style>
+          <a:lnRef idx="2">
+            <a:schemeClr val="accent1">
+              <a:shade val="50000"/>
+            </a:schemeClr>
+          </a:lnRef>
+          <a:fillRef idx="1">
+            <a:schemeClr val="accent1"/>
+          </a:fillRef>
+          <a:effectRef idx="0">
+            <a:schemeClr val="accent1"/>
+          </a:effectRef>
+          <a:fontRef idx="minor">
+            <a:schemeClr val="lt1"/>
+          </a:fontRef>
+        </p:style>
+        <p:txBody>
+          <a:bodyPr rtlCol="0" anchor="ctr"/>
+          <a:lstStyle>
+            <a:defPPr>
+              <a:defRPr lang="ja-JP"/>
+            </a:defPPr>
+            <a:lvl1pPr marL="0" algn="l" defTabSz="914400" rtl="0" eaLnBrk="1" latinLnBrk="0" hangingPunct="1">
+              <a:defRPr kumimoji="1" sz="1800" kern="1200">
+                <a:solidFill>
+                  <a:schemeClr val="lt1"/>
+                </a:solidFill>
+                <a:latin typeface="+mn-lt"/>
+                <a:ea typeface="+mn-ea"/>
+                <a:cs typeface="+mn-cs"/>
+              </a:defRPr>
+            </a:lvl1pPr>
+            <a:lvl2pPr marL="457200" algn="l" defTabSz="914400" rtl="0" eaLnBrk="1" latinLnBrk="0" hangingPunct="1">
+              <a:defRPr kumimoji="1" sz="1800" kern="1200">
+                <a:solidFill>
+                  <a:schemeClr val="lt1"/>
+                </a:solidFill>
+                <a:latin typeface="+mn-lt"/>
+                <a:ea typeface="+mn-ea"/>
+                <a:cs typeface="+mn-cs"/>
+              </a:defRPr>
+            </a:lvl2pPr>
+            <a:lvl3pPr marL="914400" algn="l" defTabSz="914400" rtl="0" eaLnBrk="1" latinLnBrk="0" hangingPunct="1">
+              <a:defRPr kumimoji="1" sz="1800" kern="1200">
+                <a:solidFill>
+                  <a:schemeClr val="lt1"/>
+                </a:solidFill>
+                <a:latin typeface="+mn-lt"/>
+                <a:ea typeface="+mn-ea"/>
+                <a:cs typeface="+mn-cs"/>
+              </a:defRPr>
+            </a:lvl3pPr>
+            <a:lvl4pPr marL="1371600" algn="l" defTabSz="914400" rtl="0" eaLnBrk="1" latinLnBrk="0" hangingPunct="1">
+              <a:defRPr kumimoji="1" sz="1800" kern="1200">
+                <a:solidFill>
+                  <a:schemeClr val="lt1"/>
+                </a:solidFill>
+                <a:latin typeface="+mn-lt"/>
+                <a:ea typeface="+mn-ea"/>
+                <a:cs typeface="+mn-cs"/>
+              </a:defRPr>
+            </a:lvl4pPr>
+            <a:lvl5pPr marL="1828800" algn="l" defTabSz="914400" rtl="0" eaLnBrk="1" latinLnBrk="0" hangingPunct="1">
+              <a:defRPr kumimoji="1" sz="1800" kern="1200">
+                <a:solidFill>
+                  <a:schemeClr val="lt1"/>
+                </a:solidFill>
+                <a:latin typeface="+mn-lt"/>
+                <a:ea typeface="+mn-ea"/>
+                <a:cs typeface="+mn-cs"/>
+              </a:defRPr>
+            </a:lvl5pPr>
+            <a:lvl6pPr marL="2286000" algn="l" defTabSz="914400" rtl="0" eaLnBrk="1" latinLnBrk="0" hangingPunct="1">
+              <a:defRPr kumimoji="1" sz="1800" kern="1200">
+                <a:solidFill>
+                  <a:schemeClr val="lt1"/>
+                </a:solidFill>
+                <a:latin typeface="+mn-lt"/>
+                <a:ea typeface="+mn-ea"/>
+                <a:cs typeface="+mn-cs"/>
+              </a:defRPr>
+            </a:lvl6pPr>
+            <a:lvl7pPr marL="2743200" algn="l" defTabSz="914400" rtl="0" eaLnBrk="1" latinLnBrk="0" hangingPunct="1">
+              <a:defRPr kumimoji="1" sz="1800" kern="1200">
+                <a:solidFill>
+                  <a:schemeClr val="lt1"/>
+                </a:solidFill>
+                <a:latin typeface="+mn-lt"/>
+                <a:ea typeface="+mn-ea"/>
+                <a:cs typeface="+mn-cs"/>
+              </a:defRPr>
+            </a:lvl7pPr>
+            <a:lvl8pPr marL="3200400" algn="l" defTabSz="914400" rtl="0" eaLnBrk="1" latinLnBrk="0" hangingPunct="1">
+              <a:defRPr kumimoji="1" sz="1800" kern="1200">
+                <a:solidFill>
+                  <a:schemeClr val="lt1"/>
+                </a:solidFill>
+                <a:latin typeface="+mn-lt"/>
+                <a:ea typeface="+mn-ea"/>
+                <a:cs typeface="+mn-cs"/>
+              </a:defRPr>
+            </a:lvl8pPr>
+            <a:lvl9pPr marL="3657600" algn="l" defTabSz="914400" rtl="0" eaLnBrk="1" latinLnBrk="0" hangingPunct="1">
+              <a:defRPr kumimoji="1" sz="1800" kern="1200">
+                <a:solidFill>
+                  <a:schemeClr val="lt1"/>
+                </a:solidFill>
+                <a:latin typeface="+mn-lt"/>
+                <a:ea typeface="+mn-ea"/>
+                <a:cs typeface="+mn-cs"/>
+              </a:defRPr>
+            </a:lvl9pPr>
+          </a:lstStyle>
+          <a:p>
+            <a:pPr algn="ctr"/>
+            <a:r>
+              <a:rPr lang="en-US" altLang="ja-JP" sz="1600" dirty="0" smtClean="0"/>
+              <a:t>d12</a:t>
+            </a:r>
+            <a:endParaRPr kumimoji="1" lang="ja-JP" altLang="en-US" sz="1600" dirty="0"/>
+          </a:p>
+        </p:txBody>
+      </p:sp>
+      <p:cxnSp>
+        <p:nvCxnSpPr>
+          <p:cNvPr id="23" name="直線矢印コネクタ 22"/>
+          <p:cNvCxnSpPr/>
+          <p:nvPr/>
+        </p:nvCxnSpPr>
+        <p:spPr>
+          <a:xfrm>
+            <a:off x="3843773" y="2065824"/>
+            <a:ext cx="182878" cy="0"/>
+          </a:xfrm>
+          <a:prstGeom prst="straightConnector1">
+            <a:avLst/>
+          </a:prstGeom>
+          <a:ln w="19050">
+            <a:solidFill>
+              <a:srgbClr val="0000FF"/>
+            </a:solidFill>
+            <a:tailEnd type="triangle"/>
+          </a:ln>
+        </p:spPr>
+        <p:style>
+          <a:lnRef idx="1">
+            <a:schemeClr val="accent1"/>
+          </a:lnRef>
+          <a:fillRef idx="0">
+            <a:schemeClr val="accent1"/>
+          </a:fillRef>
+          <a:effectRef idx="0">
+            <a:schemeClr val="accent1"/>
+          </a:effectRef>
+          <a:fontRef idx="minor">
+            <a:schemeClr val="tx1"/>
+          </a:fontRef>
+        </p:style>
+      </p:cxnSp>
+      <p:cxnSp>
+        <p:nvCxnSpPr>
+          <p:cNvPr id="24" name="直線矢印コネクタ 23"/>
+          <p:cNvCxnSpPr/>
+          <p:nvPr/>
+        </p:nvCxnSpPr>
+        <p:spPr>
+          <a:xfrm>
+            <a:off x="3843773" y="2798191"/>
+            <a:ext cx="182878" cy="0"/>
+          </a:xfrm>
+          <a:prstGeom prst="straightConnector1">
+            <a:avLst/>
+          </a:prstGeom>
+          <a:ln w="19050">
+            <a:solidFill>
+              <a:srgbClr val="0000FF"/>
+            </a:solidFill>
+            <a:tailEnd type="triangle"/>
+          </a:ln>
+        </p:spPr>
+        <p:style>
+          <a:lnRef idx="1">
+            <a:schemeClr val="accent1"/>
+          </a:lnRef>
+          <a:fillRef idx="0">
+            <a:schemeClr val="accent1"/>
+          </a:fillRef>
+          <a:effectRef idx="0">
+            <a:schemeClr val="accent1"/>
+          </a:effectRef>
+          <a:fontRef idx="minor">
+            <a:schemeClr val="tx1"/>
+          </a:fontRef>
+        </p:style>
+      </p:cxnSp>
+      <p:cxnSp>
+        <p:nvCxnSpPr>
+          <p:cNvPr id="25" name="直線矢印コネクタ 24"/>
+          <p:cNvCxnSpPr/>
+          <p:nvPr/>
+        </p:nvCxnSpPr>
+        <p:spPr>
+          <a:xfrm>
+            <a:off x="3843773" y="3716823"/>
+            <a:ext cx="182878" cy="0"/>
+          </a:xfrm>
+          <a:prstGeom prst="straightConnector1">
+            <a:avLst/>
+          </a:prstGeom>
+          <a:ln w="19050">
+            <a:solidFill>
+              <a:srgbClr val="0000FF"/>
+            </a:solidFill>
+            <a:tailEnd type="triangle"/>
+          </a:ln>
+        </p:spPr>
+        <p:style>
+          <a:lnRef idx="1">
+            <a:schemeClr val="accent1"/>
+          </a:lnRef>
+          <a:fillRef idx="0">
+            <a:schemeClr val="accent1"/>
+          </a:fillRef>
+          <a:effectRef idx="0">
+            <a:schemeClr val="accent1"/>
+          </a:effectRef>
+          <a:fontRef idx="minor">
+            <a:schemeClr val="tx1"/>
+          </a:fontRef>
+        </p:style>
+      </p:cxnSp>
+      <p:cxnSp>
+        <p:nvCxnSpPr>
+          <p:cNvPr id="26" name="直線矢印コネクタ 25"/>
+          <p:cNvCxnSpPr/>
+          <p:nvPr/>
+        </p:nvCxnSpPr>
+        <p:spPr>
+          <a:xfrm>
+            <a:off x="3843773" y="4786799"/>
+            <a:ext cx="182878" cy="0"/>
+          </a:xfrm>
+          <a:prstGeom prst="straightConnector1">
+            <a:avLst/>
+          </a:prstGeom>
+          <a:ln w="19050">
+            <a:solidFill>
+              <a:srgbClr val="0000FF"/>
+            </a:solidFill>
+            <a:tailEnd type="triangle"/>
+          </a:ln>
+        </p:spPr>
+        <p:style>
+          <a:lnRef idx="1">
+            <a:schemeClr val="accent1"/>
+          </a:lnRef>
+          <a:fillRef idx="0">
+            <a:schemeClr val="accent1"/>
+          </a:fillRef>
+          <a:effectRef idx="0">
+            <a:schemeClr val="accent1"/>
+          </a:effectRef>
+          <a:fontRef idx="minor">
+            <a:schemeClr val="tx1"/>
+          </a:fontRef>
+        </p:style>
+      </p:cxnSp>
+      <p:cxnSp>
+        <p:nvCxnSpPr>
+          <p:cNvPr id="27" name="直線矢印コネクタ 26"/>
+          <p:cNvCxnSpPr/>
+          <p:nvPr/>
+        </p:nvCxnSpPr>
+        <p:spPr>
+          <a:xfrm>
+            <a:off x="3875637" y="5655691"/>
+            <a:ext cx="309651" cy="0"/>
+          </a:xfrm>
+          <a:prstGeom prst="straightConnector1">
+            <a:avLst/>
+          </a:prstGeom>
+          <a:ln w="19050">
+            <a:solidFill>
+              <a:srgbClr val="0000FF"/>
+            </a:solidFill>
+            <a:tailEnd type="triangle"/>
+          </a:ln>
+        </p:spPr>
+        <p:style>
+          <a:lnRef idx="1">
+            <a:schemeClr val="accent1"/>
+          </a:lnRef>
+          <a:fillRef idx="0">
+            <a:schemeClr val="accent1"/>
+          </a:fillRef>
+          <a:effectRef idx="0">
+            <a:schemeClr val="accent1"/>
+          </a:effectRef>
+          <a:fontRef idx="minor">
+            <a:schemeClr val="tx1"/>
+          </a:fontRef>
+        </p:style>
+      </p:cxnSp>
+      <p:cxnSp>
+        <p:nvCxnSpPr>
+          <p:cNvPr id="28" name="直線矢印コネクタ 27"/>
+          <p:cNvCxnSpPr/>
+          <p:nvPr/>
+        </p:nvCxnSpPr>
+        <p:spPr>
+          <a:xfrm flipH="1">
+            <a:off x="8108983" y="1802087"/>
+            <a:ext cx="217947" cy="190500"/>
+          </a:xfrm>
+          <a:prstGeom prst="straightConnector1">
+            <a:avLst/>
+          </a:prstGeom>
+          <a:ln w="19050">
+            <a:solidFill>
+              <a:srgbClr val="0000FF"/>
+            </a:solidFill>
+            <a:tailEnd type="triangle"/>
+          </a:ln>
+        </p:spPr>
+        <p:style>
+          <a:lnRef idx="1">
+            <a:schemeClr val="accent1"/>
+          </a:lnRef>
+          <a:fillRef idx="0">
+            <a:schemeClr val="accent1"/>
+          </a:fillRef>
+          <a:effectRef idx="0">
+            <a:schemeClr val="accent1"/>
+          </a:effectRef>
+          <a:fontRef idx="minor">
+            <a:schemeClr val="tx1"/>
+          </a:fontRef>
+        </p:style>
+      </p:cxnSp>
+      <p:cxnSp>
+        <p:nvCxnSpPr>
+          <p:cNvPr id="29" name="直線矢印コネクタ 28"/>
+          <p:cNvCxnSpPr>
+            <a:stCxn id="17" idx="1"/>
+          </p:cNvCxnSpPr>
+          <p:nvPr/>
+        </p:nvCxnSpPr>
+        <p:spPr>
+          <a:xfrm flipH="1">
+            <a:off x="6943728" y="2355384"/>
+            <a:ext cx="1374020" cy="0"/>
+          </a:xfrm>
+          <a:prstGeom prst="straightConnector1">
+            <a:avLst/>
+          </a:prstGeom>
+          <a:ln w="19050">
+            <a:solidFill>
+              <a:srgbClr val="0000FF"/>
+            </a:solidFill>
+            <a:tailEnd type="triangle"/>
+          </a:ln>
+        </p:spPr>
+        <p:style>
+          <a:lnRef idx="1">
+            <a:schemeClr val="accent1"/>
+          </a:lnRef>
+          <a:fillRef idx="0">
+            <a:schemeClr val="accent1"/>
+          </a:fillRef>
+          <a:effectRef idx="0">
+            <a:schemeClr val="accent1"/>
+          </a:effectRef>
+          <a:fontRef idx="minor">
+            <a:schemeClr val="tx1"/>
+          </a:fontRef>
+        </p:style>
+      </p:cxnSp>
+      <p:cxnSp>
+        <p:nvCxnSpPr>
+          <p:cNvPr id="30" name="直線矢印コネクタ 29"/>
+          <p:cNvCxnSpPr>
+            <a:stCxn id="21" idx="0"/>
+          </p:cNvCxnSpPr>
+          <p:nvPr/>
+        </p:nvCxnSpPr>
+        <p:spPr>
+          <a:xfrm flipH="1" flipV="1">
+            <a:off x="6333431" y="5865241"/>
+            <a:ext cx="1" cy="162558"/>
+          </a:xfrm>
+          <a:prstGeom prst="straightConnector1">
+            <a:avLst/>
+          </a:prstGeom>
+          <a:ln w="19050">
+            <a:solidFill>
+              <a:srgbClr val="0000FF"/>
+            </a:solidFill>
+            <a:tailEnd type="triangle"/>
+          </a:ln>
+        </p:spPr>
+        <p:style>
+          <a:lnRef idx="1">
+            <a:schemeClr val="accent1"/>
+          </a:lnRef>
+          <a:fillRef idx="0">
+            <a:schemeClr val="accent1"/>
+          </a:fillRef>
+          <a:effectRef idx="0">
+            <a:schemeClr val="accent1"/>
+          </a:effectRef>
+          <a:fontRef idx="minor">
+            <a:schemeClr val="tx1"/>
+          </a:fontRef>
+        </p:style>
+      </p:cxnSp>
+      <p:cxnSp>
+        <p:nvCxnSpPr>
+          <p:cNvPr id="31" name="直線矢印コネクタ 30"/>
+          <p:cNvCxnSpPr/>
+          <p:nvPr/>
+        </p:nvCxnSpPr>
+        <p:spPr>
+          <a:xfrm flipH="1">
+            <a:off x="7621908" y="4237524"/>
+            <a:ext cx="695842" cy="294217"/>
+          </a:xfrm>
+          <a:prstGeom prst="straightConnector1">
+            <a:avLst/>
+          </a:prstGeom>
+          <a:ln w="19050">
+            <a:solidFill>
+              <a:srgbClr val="0000FF"/>
+            </a:solidFill>
+            <a:tailEnd type="triangle"/>
+          </a:ln>
+        </p:spPr>
+        <p:style>
+          <a:lnRef idx="1">
+            <a:schemeClr val="accent1"/>
+          </a:lnRef>
+          <a:fillRef idx="0">
+            <a:schemeClr val="accent1"/>
+          </a:fillRef>
+          <a:effectRef idx="0">
+            <a:schemeClr val="accent1"/>
+          </a:effectRef>
+          <a:fontRef idx="minor">
+            <a:schemeClr val="tx1"/>
+          </a:fontRef>
+        </p:style>
+      </p:cxnSp>
+      <p:cxnSp>
+        <p:nvCxnSpPr>
+          <p:cNvPr id="32" name="直線矢印コネクタ 31"/>
+          <p:cNvCxnSpPr>
+            <a:stCxn id="19" idx="1"/>
+          </p:cNvCxnSpPr>
+          <p:nvPr/>
+        </p:nvCxnSpPr>
+        <p:spPr>
+          <a:xfrm flipH="1">
+            <a:off x="7789206" y="4618312"/>
+            <a:ext cx="528542" cy="134708"/>
+          </a:xfrm>
+          <a:prstGeom prst="straightConnector1">
+            <a:avLst/>
+          </a:prstGeom>
+          <a:ln w="19050">
+            <a:solidFill>
+              <a:srgbClr val="0000FF"/>
+            </a:solidFill>
+            <a:tailEnd type="triangle"/>
+          </a:ln>
+        </p:spPr>
+        <p:style>
+          <a:lnRef idx="1">
+            <a:schemeClr val="accent1"/>
+          </a:lnRef>
+          <a:fillRef idx="0">
+            <a:schemeClr val="accent1"/>
+          </a:fillRef>
+          <a:effectRef idx="0">
+            <a:schemeClr val="accent1"/>
+          </a:effectRef>
+          <a:fontRef idx="minor">
+            <a:schemeClr val="tx1"/>
+          </a:fontRef>
+        </p:style>
+      </p:cxnSp>
+      <p:cxnSp>
+        <p:nvCxnSpPr>
+          <p:cNvPr id="33" name="直線矢印コネクタ 32"/>
+          <p:cNvCxnSpPr>
+            <a:stCxn id="20" idx="1"/>
+          </p:cNvCxnSpPr>
+          <p:nvPr/>
+        </p:nvCxnSpPr>
+        <p:spPr>
+          <a:xfrm flipH="1" flipV="1">
+            <a:off x="7789206" y="4965708"/>
+            <a:ext cx="528542" cy="22808"/>
+          </a:xfrm>
+          <a:prstGeom prst="straightConnector1">
+            <a:avLst/>
+          </a:prstGeom>
+          <a:ln w="19050">
+            <a:solidFill>
+              <a:srgbClr val="0000FF"/>
+            </a:solidFill>
+            <a:tailEnd type="triangle"/>
+          </a:ln>
+        </p:spPr>
+        <p:style>
+          <a:lnRef idx="1">
+            <a:schemeClr val="accent1"/>
+          </a:lnRef>
+          <a:fillRef idx="0">
+            <a:schemeClr val="accent1"/>
+          </a:fillRef>
+          <a:effectRef idx="0">
+            <a:schemeClr val="accent1"/>
+          </a:effectRef>
+          <a:fontRef idx="minor">
+            <a:schemeClr val="tx1"/>
+          </a:fontRef>
+        </p:style>
+      </p:cxnSp>
+      <p:cxnSp>
+        <p:nvCxnSpPr>
+          <p:cNvPr id="34" name="直線矢印コネクタ 33"/>
+          <p:cNvCxnSpPr/>
+          <p:nvPr/>
+        </p:nvCxnSpPr>
+        <p:spPr>
+          <a:xfrm flipH="1" flipV="1">
+            <a:off x="7628831" y="5874045"/>
+            <a:ext cx="1" cy="162558"/>
+          </a:xfrm>
+          <a:prstGeom prst="straightConnector1">
+            <a:avLst/>
+          </a:prstGeom>
+          <a:ln w="19050">
+            <a:solidFill>
+              <a:srgbClr val="0000FF"/>
+            </a:solidFill>
+            <a:tailEnd type="triangle"/>
+          </a:ln>
+        </p:spPr>
+        <p:style>
+          <a:lnRef idx="1">
+            <a:schemeClr val="accent1"/>
+          </a:lnRef>
+          <a:fillRef idx="0">
+            <a:schemeClr val="accent1"/>
+          </a:fillRef>
+          <a:effectRef idx="0">
+            <a:schemeClr val="accent1"/>
+          </a:effectRef>
+          <a:fontRef idx="minor">
+            <a:schemeClr val="tx1"/>
+          </a:fontRef>
+        </p:style>
+      </p:cxnSp>
+    </p:spTree>
+    <p:extLst>
+      <p:ext uri="{BB962C8B-B14F-4D97-AF65-F5344CB8AC3E}">
+        <p14:creationId xmlns:p14="http://schemas.microsoft.com/office/powerpoint/2010/main" val="1934287057"/>
+      </p:ext>
+    </p:extLst>
+  </p:cSld>
+  <p:clrMapOvr>
+    <a:masterClrMapping/>
+  </p:clrMapOvr>
+</p:sld>
+</file>
+
 <file path=ppt/theme/theme1.xml><?xml version="1.0" encoding="utf-8"?>
 <a:theme xmlns:a="http://schemas.openxmlformats.org/drawingml/2006/main" name="Office テーマ">
   <a:themeElements>
